--- a/Group_21_Final_Project/CNN_computation.pptx
+++ b/Group_21_Final_Project/CNN_computation.pptx
@@ -9,10 +9,10 @@
     <p:sldMasterId id="2147484429" r:id="rId5"/>
   </p:sldMasterIdLst>
   <p:notesMasterIdLst>
-    <p:notesMasterId r:id="rId18"/>
+    <p:notesMasterId r:id="rId19"/>
   </p:notesMasterIdLst>
   <p:handoutMasterIdLst>
-    <p:handoutMasterId r:id="rId19"/>
+    <p:handoutMasterId r:id="rId20"/>
   </p:handoutMasterIdLst>
   <p:sldIdLst>
     <p:sldId id="436" r:id="rId6"/>
@@ -27,6 +27,7 @@
     <p:sldId id="706" r:id="rId15"/>
     <p:sldId id="707" r:id="rId16"/>
     <p:sldId id="708" r:id="rId17"/>
+    <p:sldId id="716" r:id="rId18"/>
   </p:sldIdLst>
   <p:sldSz cx="9144000" cy="6858000" type="screen4x3"/>
   <p:notesSz cx="6797675" cy="9928225"/>
@@ -184,6 +185,43 @@
     </p:extLst>
   </p:cmAuthor>
 </p:cmAuthorLst>
+</file>
+
+<file path=ppt/changesInfos/changesInfo1.xml><?xml version="1.0" encoding="utf-8"?>
+<pc:chgInfo xmlns:a="http://schemas.openxmlformats.org/drawingml/2006/main" xmlns:r="http://schemas.openxmlformats.org/officeDocument/2006/relationships" xmlns:ac="http://schemas.microsoft.com/office/drawing/2013/main/command" xmlns:pc="http://schemas.microsoft.com/office/powerpoint/2013/main/command">
+  <pc:docChgLst>
+    <pc:chgData name="仁迪 鄔" userId="1a2688324f9824b7" providerId="LiveId" clId="{176E5A22-8594-40CD-AB46-A01E71795DC0}"/>
+    <pc:docChg chg="undo custSel addSld modSld">
+      <pc:chgData name="仁迪 鄔" userId="1a2688324f9824b7" providerId="LiveId" clId="{176E5A22-8594-40CD-AB46-A01E71795DC0}" dt="2021-12-22T10:29:04.147" v="9" actId="14734"/>
+      <pc:docMkLst>
+        <pc:docMk/>
+      </pc:docMkLst>
+      <pc:sldChg chg="addSp delSp modSp new mod">
+        <pc:chgData name="仁迪 鄔" userId="1a2688324f9824b7" providerId="LiveId" clId="{176E5A22-8594-40CD-AB46-A01E71795DC0}" dt="2021-12-22T10:29:04.147" v="9" actId="14734"/>
+        <pc:sldMkLst>
+          <pc:docMk/>
+          <pc:sldMk cId="2976036816" sldId="716"/>
+        </pc:sldMkLst>
+        <pc:spChg chg="del">
+          <ac:chgData name="仁迪 鄔" userId="1a2688324f9824b7" providerId="LiveId" clId="{176E5A22-8594-40CD-AB46-A01E71795DC0}" dt="2021-12-22T10:28:32.106" v="1" actId="3680"/>
+          <ac:spMkLst>
+            <pc:docMk/>
+            <pc:sldMk cId="2976036816" sldId="716"/>
+            <ac:spMk id="3" creationId="{E72D0D28-73C3-49A6-8147-3B0E9113924C}"/>
+          </ac:spMkLst>
+        </pc:spChg>
+        <pc:graphicFrameChg chg="add mod ord modGraphic">
+          <ac:chgData name="仁迪 鄔" userId="1a2688324f9824b7" providerId="LiveId" clId="{176E5A22-8594-40CD-AB46-A01E71795DC0}" dt="2021-12-22T10:29:04.147" v="9" actId="14734"/>
+          <ac:graphicFrameMkLst>
+            <pc:docMk/>
+            <pc:sldMk cId="2976036816" sldId="716"/>
+            <ac:graphicFrameMk id="4" creationId="{C684BF28-8504-46EF-B626-677F33F64C26}"/>
+          </ac:graphicFrameMkLst>
+        </pc:graphicFrameChg>
+      </pc:sldChg>
+    </pc:docChg>
+  </pc:docChgLst>
+</pc:chgInfo>
 </file>
 
 <file path=ppt/handoutMasters/handoutMaster1.xml><?xml version="1.0" encoding="utf-8"?>
@@ -15542,18 +15580,17 @@
               </a:lnSpc>
             </a:pPr>
             <a:r>
-              <a:rPr lang="en-US" altLang="zh-TW" dirty="0" smtClean="0"/>
+              <a:rPr lang="en-US" altLang="zh-TW" dirty="0"/>
               <a:t>Yi-sheng</a:t>
             </a:r>
             <a:r>
-              <a:rPr lang="zh-TW" altLang="en-US" dirty="0" smtClean="0"/>
+              <a:rPr lang="zh-TW" altLang="en-US" dirty="0"/>
               <a:t> </a:t>
             </a:r>
             <a:r>
-              <a:rPr lang="en-US" altLang="zh-TW" dirty="0" smtClean="0"/>
+              <a:rPr lang="en-US" altLang="zh-TW" dirty="0"/>
               <a:t>(Ethan) Liao</a:t>
             </a:r>
-            <a:endParaRPr lang="en-US" altLang="zh-TW" dirty="0"/>
           </a:p>
           <a:p>
             <a:pPr>
@@ -15563,13 +15600,8 @@
             </a:pPr>
             <a:r>
               <a:rPr lang="en-US" altLang="zh-TW" dirty="0"/>
-              <a:t>Date: </a:t>
-            </a:r>
-            <a:r>
-              <a:rPr lang="en-US" altLang="zh-TW" dirty="0" smtClean="0"/>
-              <a:t>2021/12/14</a:t>
-            </a:r>
-            <a:endParaRPr lang="en-US" altLang="zh-TW" dirty="0"/>
+              <a:t>Date: 2021/12/14</a:t>
+            </a:r>
           </a:p>
           <a:p>
             <a:endParaRPr lang="zh-TW" altLang="en-US" dirty="0"/>
@@ -16616,6 +16648,8330 @@
       </p:par>
     </p:tnLst>
   </p:timing>
+</p:sld>
+</file>
+
+<file path=ppt/slides/slide13.xml><?xml version="1.0" encoding="utf-8"?>
+<p:sld xmlns:a="http://schemas.openxmlformats.org/drawingml/2006/main" xmlns:r="http://schemas.openxmlformats.org/officeDocument/2006/relationships" xmlns:p="http://schemas.openxmlformats.org/presentationml/2006/main">
+  <p:cSld>
+    <p:spTree>
+      <p:nvGrpSpPr>
+        <p:cNvPr id="1" name=""/>
+        <p:cNvGrpSpPr/>
+        <p:nvPr/>
+      </p:nvGrpSpPr>
+      <p:grpSpPr>
+        <a:xfrm>
+          <a:off x="0" y="0"/>
+          <a:ext cx="0" cy="0"/>
+          <a:chOff x="0" y="0"/>
+          <a:chExt cx="0" cy="0"/>
+        </a:xfrm>
+      </p:grpSpPr>
+      <p:sp>
+        <p:nvSpPr>
+          <p:cNvPr id="2" name="標題 1">
+            <a:extLst>
+              <a:ext uri="{FF2B5EF4-FFF2-40B4-BE49-F238E27FC236}">
+                <a16:creationId xmlns:a16="http://schemas.microsoft.com/office/drawing/2014/main" id="{94627F59-64DB-4ABE-88B4-80D00A31D76B}"/>
+              </a:ext>
+            </a:extLst>
+          </p:cNvPr>
+          <p:cNvSpPr>
+            <a:spLocks noGrp="1"/>
+          </p:cNvSpPr>
+          <p:nvPr>
+            <p:ph type="title"/>
+          </p:nvPr>
+        </p:nvSpPr>
+        <p:spPr/>
+        <p:txBody>
+          <a:bodyPr/>
+          <a:lstStyle/>
+          <a:p>
+            <a:endParaRPr lang="zh-TW" altLang="en-US"/>
+          </a:p>
+        </p:txBody>
+      </p:sp>
+      <p:graphicFrame>
+        <p:nvGraphicFramePr>
+          <p:cNvPr id="4" name="表格 4">
+            <a:extLst>
+              <a:ext uri="{FF2B5EF4-FFF2-40B4-BE49-F238E27FC236}">
+                <a16:creationId xmlns:a16="http://schemas.microsoft.com/office/drawing/2014/main" id="{C684BF28-8504-46EF-B626-677F33F64C26}"/>
+              </a:ext>
+            </a:extLst>
+          </p:cNvPr>
+          <p:cNvGraphicFramePr>
+            <a:graphicFrameLocks noGrp="1"/>
+          </p:cNvGraphicFramePr>
+          <p:nvPr>
+            <p:ph idx="1"/>
+            <p:extLst>
+              <p:ext uri="{D42A27DB-BD31-4B8C-83A1-F6EECF244321}">
+                <p14:modId xmlns:p14="http://schemas.microsoft.com/office/powerpoint/2010/main" val="4029860386"/>
+              </p:ext>
+            </p:extLst>
+          </p:nvPr>
+        </p:nvGraphicFramePr>
+        <p:xfrm>
+          <a:off x="-10981728" y="-4779912"/>
+          <a:ext cx="19744704" cy="16839844"/>
+        </p:xfrm>
+        <a:graphic>
+          <a:graphicData uri="http://schemas.openxmlformats.org/drawingml/2006/table">
+            <a:tbl>
+              <a:tblPr firstRow="1" bandRow="1">
+                <a:tableStyleId>{5C22544A-7EE6-4342-B048-85BDC9FD1C3A}</a:tableStyleId>
+              </a:tblPr>
+              <a:tblGrid>
+                <a:gridCol w="705168">
+                  <a:extLst>
+                    <a:ext uri="{9D8B030D-6E8A-4147-A177-3AD203B41FA5}">
+                      <a16:colId xmlns:a16="http://schemas.microsoft.com/office/drawing/2014/main" val="779558257"/>
+                    </a:ext>
+                  </a:extLst>
+                </a:gridCol>
+                <a:gridCol w="705168">
+                  <a:extLst>
+                    <a:ext uri="{9D8B030D-6E8A-4147-A177-3AD203B41FA5}">
+                      <a16:colId xmlns:a16="http://schemas.microsoft.com/office/drawing/2014/main" val="3634030179"/>
+                    </a:ext>
+                  </a:extLst>
+                </a:gridCol>
+                <a:gridCol w="705168">
+                  <a:extLst>
+                    <a:ext uri="{9D8B030D-6E8A-4147-A177-3AD203B41FA5}">
+                      <a16:colId xmlns:a16="http://schemas.microsoft.com/office/drawing/2014/main" val="4032148316"/>
+                    </a:ext>
+                  </a:extLst>
+                </a:gridCol>
+                <a:gridCol w="705168">
+                  <a:extLst>
+                    <a:ext uri="{9D8B030D-6E8A-4147-A177-3AD203B41FA5}">
+                      <a16:colId xmlns:a16="http://schemas.microsoft.com/office/drawing/2014/main" val="2571865615"/>
+                    </a:ext>
+                  </a:extLst>
+                </a:gridCol>
+                <a:gridCol w="705168">
+                  <a:extLst>
+                    <a:ext uri="{9D8B030D-6E8A-4147-A177-3AD203B41FA5}">
+                      <a16:colId xmlns:a16="http://schemas.microsoft.com/office/drawing/2014/main" val="576370236"/>
+                    </a:ext>
+                  </a:extLst>
+                </a:gridCol>
+                <a:gridCol w="705168">
+                  <a:extLst>
+                    <a:ext uri="{9D8B030D-6E8A-4147-A177-3AD203B41FA5}">
+                      <a16:colId xmlns:a16="http://schemas.microsoft.com/office/drawing/2014/main" val="2072311836"/>
+                    </a:ext>
+                  </a:extLst>
+                </a:gridCol>
+                <a:gridCol w="705168">
+                  <a:extLst>
+                    <a:ext uri="{9D8B030D-6E8A-4147-A177-3AD203B41FA5}">
+                      <a16:colId xmlns:a16="http://schemas.microsoft.com/office/drawing/2014/main" val="671821445"/>
+                    </a:ext>
+                  </a:extLst>
+                </a:gridCol>
+                <a:gridCol w="705168">
+                  <a:extLst>
+                    <a:ext uri="{9D8B030D-6E8A-4147-A177-3AD203B41FA5}">
+                      <a16:colId xmlns:a16="http://schemas.microsoft.com/office/drawing/2014/main" val="236831914"/>
+                    </a:ext>
+                  </a:extLst>
+                </a:gridCol>
+                <a:gridCol w="705168">
+                  <a:extLst>
+                    <a:ext uri="{9D8B030D-6E8A-4147-A177-3AD203B41FA5}">
+                      <a16:colId xmlns:a16="http://schemas.microsoft.com/office/drawing/2014/main" val="2940655159"/>
+                    </a:ext>
+                  </a:extLst>
+                </a:gridCol>
+                <a:gridCol w="705168">
+                  <a:extLst>
+                    <a:ext uri="{9D8B030D-6E8A-4147-A177-3AD203B41FA5}">
+                      <a16:colId xmlns:a16="http://schemas.microsoft.com/office/drawing/2014/main" val="3191973800"/>
+                    </a:ext>
+                  </a:extLst>
+                </a:gridCol>
+                <a:gridCol w="705168">
+                  <a:extLst>
+                    <a:ext uri="{9D8B030D-6E8A-4147-A177-3AD203B41FA5}">
+                      <a16:colId xmlns:a16="http://schemas.microsoft.com/office/drawing/2014/main" val="3247581437"/>
+                    </a:ext>
+                  </a:extLst>
+                </a:gridCol>
+                <a:gridCol w="705168">
+                  <a:extLst>
+                    <a:ext uri="{9D8B030D-6E8A-4147-A177-3AD203B41FA5}">
+                      <a16:colId xmlns:a16="http://schemas.microsoft.com/office/drawing/2014/main" val="3800539294"/>
+                    </a:ext>
+                  </a:extLst>
+                </a:gridCol>
+                <a:gridCol w="705168">
+                  <a:extLst>
+                    <a:ext uri="{9D8B030D-6E8A-4147-A177-3AD203B41FA5}">
+                      <a16:colId xmlns:a16="http://schemas.microsoft.com/office/drawing/2014/main" val="2660184075"/>
+                    </a:ext>
+                  </a:extLst>
+                </a:gridCol>
+                <a:gridCol w="705168">
+                  <a:extLst>
+                    <a:ext uri="{9D8B030D-6E8A-4147-A177-3AD203B41FA5}">
+                      <a16:colId xmlns:a16="http://schemas.microsoft.com/office/drawing/2014/main" val="3846148621"/>
+                    </a:ext>
+                  </a:extLst>
+                </a:gridCol>
+                <a:gridCol w="705168">
+                  <a:extLst>
+                    <a:ext uri="{9D8B030D-6E8A-4147-A177-3AD203B41FA5}">
+                      <a16:colId xmlns:a16="http://schemas.microsoft.com/office/drawing/2014/main" val="3581495532"/>
+                    </a:ext>
+                  </a:extLst>
+                </a:gridCol>
+                <a:gridCol w="705168">
+                  <a:extLst>
+                    <a:ext uri="{9D8B030D-6E8A-4147-A177-3AD203B41FA5}">
+                      <a16:colId xmlns:a16="http://schemas.microsoft.com/office/drawing/2014/main" val="662125438"/>
+                    </a:ext>
+                  </a:extLst>
+                </a:gridCol>
+                <a:gridCol w="705168">
+                  <a:extLst>
+                    <a:ext uri="{9D8B030D-6E8A-4147-A177-3AD203B41FA5}">
+                      <a16:colId xmlns:a16="http://schemas.microsoft.com/office/drawing/2014/main" val="2687088460"/>
+                    </a:ext>
+                  </a:extLst>
+                </a:gridCol>
+                <a:gridCol w="705168">
+                  <a:extLst>
+                    <a:ext uri="{9D8B030D-6E8A-4147-A177-3AD203B41FA5}">
+                      <a16:colId xmlns:a16="http://schemas.microsoft.com/office/drawing/2014/main" val="2907076498"/>
+                    </a:ext>
+                  </a:extLst>
+                </a:gridCol>
+                <a:gridCol w="705168">
+                  <a:extLst>
+                    <a:ext uri="{9D8B030D-6E8A-4147-A177-3AD203B41FA5}">
+                      <a16:colId xmlns:a16="http://schemas.microsoft.com/office/drawing/2014/main" val="1581788805"/>
+                    </a:ext>
+                  </a:extLst>
+                </a:gridCol>
+                <a:gridCol w="705168">
+                  <a:extLst>
+                    <a:ext uri="{9D8B030D-6E8A-4147-A177-3AD203B41FA5}">
+                      <a16:colId xmlns:a16="http://schemas.microsoft.com/office/drawing/2014/main" val="2920531728"/>
+                    </a:ext>
+                  </a:extLst>
+                </a:gridCol>
+                <a:gridCol w="705168">
+                  <a:extLst>
+                    <a:ext uri="{9D8B030D-6E8A-4147-A177-3AD203B41FA5}">
+                      <a16:colId xmlns:a16="http://schemas.microsoft.com/office/drawing/2014/main" val="3739363365"/>
+                    </a:ext>
+                  </a:extLst>
+                </a:gridCol>
+                <a:gridCol w="705168">
+                  <a:extLst>
+                    <a:ext uri="{9D8B030D-6E8A-4147-A177-3AD203B41FA5}">
+                      <a16:colId xmlns:a16="http://schemas.microsoft.com/office/drawing/2014/main" val="526952957"/>
+                    </a:ext>
+                  </a:extLst>
+                </a:gridCol>
+                <a:gridCol w="705168">
+                  <a:extLst>
+                    <a:ext uri="{9D8B030D-6E8A-4147-A177-3AD203B41FA5}">
+                      <a16:colId xmlns:a16="http://schemas.microsoft.com/office/drawing/2014/main" val="803560705"/>
+                    </a:ext>
+                  </a:extLst>
+                </a:gridCol>
+                <a:gridCol w="705168">
+                  <a:extLst>
+                    <a:ext uri="{9D8B030D-6E8A-4147-A177-3AD203B41FA5}">
+                      <a16:colId xmlns:a16="http://schemas.microsoft.com/office/drawing/2014/main" val="1531346441"/>
+                    </a:ext>
+                  </a:extLst>
+                </a:gridCol>
+                <a:gridCol w="705168">
+                  <a:extLst>
+                    <a:ext uri="{9D8B030D-6E8A-4147-A177-3AD203B41FA5}">
+                      <a16:colId xmlns:a16="http://schemas.microsoft.com/office/drawing/2014/main" val="2862721048"/>
+                    </a:ext>
+                  </a:extLst>
+                </a:gridCol>
+                <a:gridCol w="705168">
+                  <a:extLst>
+                    <a:ext uri="{9D8B030D-6E8A-4147-A177-3AD203B41FA5}">
+                      <a16:colId xmlns:a16="http://schemas.microsoft.com/office/drawing/2014/main" val="3453086432"/>
+                    </a:ext>
+                  </a:extLst>
+                </a:gridCol>
+                <a:gridCol w="705168">
+                  <a:extLst>
+                    <a:ext uri="{9D8B030D-6E8A-4147-A177-3AD203B41FA5}">
+                      <a16:colId xmlns:a16="http://schemas.microsoft.com/office/drawing/2014/main" val="2079972857"/>
+                    </a:ext>
+                  </a:extLst>
+                </a:gridCol>
+                <a:gridCol w="705168">
+                  <a:extLst>
+                    <a:ext uri="{9D8B030D-6E8A-4147-A177-3AD203B41FA5}">
+                      <a16:colId xmlns:a16="http://schemas.microsoft.com/office/drawing/2014/main" val="2821372211"/>
+                    </a:ext>
+                  </a:extLst>
+                </a:gridCol>
+              </a:tblGrid>
+              <a:tr h="601423">
+                <a:tc>
+                  <a:txBody>
+                    <a:bodyPr/>
+                    <a:lstStyle/>
+                    <a:p>
+                      <a:endParaRPr lang="zh-TW" altLang="en-US"/>
+                    </a:p>
+                  </a:txBody>
+                  <a:tcPr/>
+                </a:tc>
+                <a:tc>
+                  <a:txBody>
+                    <a:bodyPr/>
+                    <a:lstStyle/>
+                    <a:p>
+                      <a:endParaRPr lang="zh-TW" altLang="en-US"/>
+                    </a:p>
+                  </a:txBody>
+                  <a:tcPr/>
+                </a:tc>
+                <a:tc>
+                  <a:txBody>
+                    <a:bodyPr/>
+                    <a:lstStyle/>
+                    <a:p>
+                      <a:endParaRPr lang="zh-TW" altLang="en-US"/>
+                    </a:p>
+                  </a:txBody>
+                  <a:tcPr/>
+                </a:tc>
+                <a:tc>
+                  <a:txBody>
+                    <a:bodyPr/>
+                    <a:lstStyle/>
+                    <a:p>
+                      <a:endParaRPr lang="zh-TW" altLang="en-US"/>
+                    </a:p>
+                  </a:txBody>
+                  <a:tcPr/>
+                </a:tc>
+                <a:tc>
+                  <a:txBody>
+                    <a:bodyPr/>
+                    <a:lstStyle/>
+                    <a:p>
+                      <a:endParaRPr lang="zh-TW" altLang="en-US"/>
+                    </a:p>
+                  </a:txBody>
+                  <a:tcPr/>
+                </a:tc>
+                <a:tc>
+                  <a:txBody>
+                    <a:bodyPr/>
+                    <a:lstStyle/>
+                    <a:p>
+                      <a:endParaRPr lang="zh-TW" altLang="en-US"/>
+                    </a:p>
+                  </a:txBody>
+                  <a:tcPr/>
+                </a:tc>
+                <a:tc>
+                  <a:txBody>
+                    <a:bodyPr/>
+                    <a:lstStyle/>
+                    <a:p>
+                      <a:endParaRPr lang="zh-TW" altLang="en-US"/>
+                    </a:p>
+                  </a:txBody>
+                  <a:tcPr/>
+                </a:tc>
+                <a:tc>
+                  <a:txBody>
+                    <a:bodyPr/>
+                    <a:lstStyle/>
+                    <a:p>
+                      <a:endParaRPr lang="zh-TW" altLang="en-US"/>
+                    </a:p>
+                  </a:txBody>
+                  <a:tcPr/>
+                </a:tc>
+                <a:tc>
+                  <a:txBody>
+                    <a:bodyPr/>
+                    <a:lstStyle/>
+                    <a:p>
+                      <a:endParaRPr lang="zh-TW" altLang="en-US"/>
+                    </a:p>
+                  </a:txBody>
+                  <a:tcPr/>
+                </a:tc>
+                <a:tc>
+                  <a:txBody>
+                    <a:bodyPr/>
+                    <a:lstStyle/>
+                    <a:p>
+                      <a:endParaRPr lang="zh-TW" altLang="en-US"/>
+                    </a:p>
+                  </a:txBody>
+                  <a:tcPr/>
+                </a:tc>
+                <a:tc>
+                  <a:txBody>
+                    <a:bodyPr/>
+                    <a:lstStyle/>
+                    <a:p>
+                      <a:endParaRPr lang="zh-TW" altLang="en-US"/>
+                    </a:p>
+                  </a:txBody>
+                  <a:tcPr/>
+                </a:tc>
+                <a:tc>
+                  <a:txBody>
+                    <a:bodyPr/>
+                    <a:lstStyle/>
+                    <a:p>
+                      <a:endParaRPr lang="zh-TW" altLang="en-US"/>
+                    </a:p>
+                  </a:txBody>
+                  <a:tcPr/>
+                </a:tc>
+                <a:tc>
+                  <a:txBody>
+                    <a:bodyPr/>
+                    <a:lstStyle/>
+                    <a:p>
+                      <a:endParaRPr lang="zh-TW" altLang="en-US"/>
+                    </a:p>
+                  </a:txBody>
+                  <a:tcPr/>
+                </a:tc>
+                <a:tc>
+                  <a:txBody>
+                    <a:bodyPr/>
+                    <a:lstStyle/>
+                    <a:p>
+                      <a:endParaRPr lang="zh-TW" altLang="en-US"/>
+                    </a:p>
+                  </a:txBody>
+                  <a:tcPr/>
+                </a:tc>
+                <a:tc>
+                  <a:txBody>
+                    <a:bodyPr/>
+                    <a:lstStyle/>
+                    <a:p>
+                      <a:endParaRPr lang="zh-TW" altLang="en-US" dirty="0"/>
+                    </a:p>
+                  </a:txBody>
+                  <a:tcPr/>
+                </a:tc>
+                <a:tc>
+                  <a:txBody>
+                    <a:bodyPr/>
+                    <a:lstStyle/>
+                    <a:p>
+                      <a:endParaRPr lang="zh-TW" altLang="en-US"/>
+                    </a:p>
+                  </a:txBody>
+                  <a:tcPr/>
+                </a:tc>
+                <a:tc>
+                  <a:txBody>
+                    <a:bodyPr/>
+                    <a:lstStyle/>
+                    <a:p>
+                      <a:endParaRPr lang="zh-TW" altLang="en-US"/>
+                    </a:p>
+                  </a:txBody>
+                  <a:tcPr/>
+                </a:tc>
+                <a:tc>
+                  <a:txBody>
+                    <a:bodyPr/>
+                    <a:lstStyle/>
+                    <a:p>
+                      <a:endParaRPr lang="zh-TW" altLang="en-US"/>
+                    </a:p>
+                  </a:txBody>
+                  <a:tcPr/>
+                </a:tc>
+                <a:tc>
+                  <a:txBody>
+                    <a:bodyPr/>
+                    <a:lstStyle/>
+                    <a:p>
+                      <a:endParaRPr lang="zh-TW" altLang="en-US"/>
+                    </a:p>
+                  </a:txBody>
+                  <a:tcPr/>
+                </a:tc>
+                <a:tc>
+                  <a:txBody>
+                    <a:bodyPr/>
+                    <a:lstStyle/>
+                    <a:p>
+                      <a:endParaRPr lang="zh-TW" altLang="en-US"/>
+                    </a:p>
+                  </a:txBody>
+                  <a:tcPr/>
+                </a:tc>
+                <a:tc>
+                  <a:txBody>
+                    <a:bodyPr/>
+                    <a:lstStyle/>
+                    <a:p>
+                      <a:endParaRPr lang="zh-TW" altLang="en-US"/>
+                    </a:p>
+                  </a:txBody>
+                  <a:tcPr/>
+                </a:tc>
+                <a:tc>
+                  <a:txBody>
+                    <a:bodyPr/>
+                    <a:lstStyle/>
+                    <a:p>
+                      <a:endParaRPr lang="zh-TW" altLang="en-US"/>
+                    </a:p>
+                  </a:txBody>
+                  <a:tcPr/>
+                </a:tc>
+                <a:tc>
+                  <a:txBody>
+                    <a:bodyPr/>
+                    <a:lstStyle/>
+                    <a:p>
+                      <a:endParaRPr lang="zh-TW" altLang="en-US"/>
+                    </a:p>
+                  </a:txBody>
+                  <a:tcPr/>
+                </a:tc>
+                <a:tc>
+                  <a:txBody>
+                    <a:bodyPr/>
+                    <a:lstStyle/>
+                    <a:p>
+                      <a:endParaRPr lang="zh-TW" altLang="en-US"/>
+                    </a:p>
+                  </a:txBody>
+                  <a:tcPr/>
+                </a:tc>
+                <a:tc>
+                  <a:txBody>
+                    <a:bodyPr/>
+                    <a:lstStyle/>
+                    <a:p>
+                      <a:endParaRPr lang="zh-TW" altLang="en-US"/>
+                    </a:p>
+                  </a:txBody>
+                  <a:tcPr/>
+                </a:tc>
+                <a:tc>
+                  <a:txBody>
+                    <a:bodyPr/>
+                    <a:lstStyle/>
+                    <a:p>
+                      <a:endParaRPr lang="zh-TW" altLang="en-US"/>
+                    </a:p>
+                  </a:txBody>
+                  <a:tcPr/>
+                </a:tc>
+                <a:tc>
+                  <a:txBody>
+                    <a:bodyPr/>
+                    <a:lstStyle/>
+                    <a:p>
+                      <a:endParaRPr lang="zh-TW" altLang="en-US"/>
+                    </a:p>
+                  </a:txBody>
+                  <a:tcPr/>
+                </a:tc>
+                <a:tc>
+                  <a:txBody>
+                    <a:bodyPr/>
+                    <a:lstStyle/>
+                    <a:p>
+                      <a:endParaRPr lang="zh-TW" altLang="en-US"/>
+                    </a:p>
+                  </a:txBody>
+                  <a:tcPr/>
+                </a:tc>
+                <a:extLst>
+                  <a:ext uri="{0D108BD9-81ED-4DB2-BD59-A6C34878D82A}">
+                    <a16:rowId xmlns:a16="http://schemas.microsoft.com/office/drawing/2014/main" val="401552448"/>
+                  </a:ext>
+                </a:extLst>
+              </a:tr>
+              <a:tr h="601423">
+                <a:tc>
+                  <a:txBody>
+                    <a:bodyPr/>
+                    <a:lstStyle/>
+                    <a:p>
+                      <a:endParaRPr lang="zh-TW" altLang="en-US"/>
+                    </a:p>
+                  </a:txBody>
+                  <a:tcPr/>
+                </a:tc>
+                <a:tc>
+                  <a:txBody>
+                    <a:bodyPr/>
+                    <a:lstStyle/>
+                    <a:p>
+                      <a:endParaRPr lang="zh-TW" altLang="en-US"/>
+                    </a:p>
+                  </a:txBody>
+                  <a:tcPr/>
+                </a:tc>
+                <a:tc>
+                  <a:txBody>
+                    <a:bodyPr/>
+                    <a:lstStyle/>
+                    <a:p>
+                      <a:endParaRPr lang="zh-TW" altLang="en-US" dirty="0"/>
+                    </a:p>
+                  </a:txBody>
+                  <a:tcPr/>
+                </a:tc>
+                <a:tc>
+                  <a:txBody>
+                    <a:bodyPr/>
+                    <a:lstStyle/>
+                    <a:p>
+                      <a:endParaRPr lang="zh-TW" altLang="en-US"/>
+                    </a:p>
+                  </a:txBody>
+                  <a:tcPr/>
+                </a:tc>
+                <a:tc>
+                  <a:txBody>
+                    <a:bodyPr/>
+                    <a:lstStyle/>
+                    <a:p>
+                      <a:endParaRPr lang="zh-TW" altLang="en-US"/>
+                    </a:p>
+                  </a:txBody>
+                  <a:tcPr/>
+                </a:tc>
+                <a:tc>
+                  <a:txBody>
+                    <a:bodyPr/>
+                    <a:lstStyle/>
+                    <a:p>
+                      <a:endParaRPr lang="zh-TW" altLang="en-US"/>
+                    </a:p>
+                  </a:txBody>
+                  <a:tcPr/>
+                </a:tc>
+                <a:tc>
+                  <a:txBody>
+                    <a:bodyPr/>
+                    <a:lstStyle/>
+                    <a:p>
+                      <a:endParaRPr lang="zh-TW" altLang="en-US"/>
+                    </a:p>
+                  </a:txBody>
+                  <a:tcPr/>
+                </a:tc>
+                <a:tc>
+                  <a:txBody>
+                    <a:bodyPr/>
+                    <a:lstStyle/>
+                    <a:p>
+                      <a:endParaRPr lang="zh-TW" altLang="en-US"/>
+                    </a:p>
+                  </a:txBody>
+                  <a:tcPr/>
+                </a:tc>
+                <a:tc>
+                  <a:txBody>
+                    <a:bodyPr/>
+                    <a:lstStyle/>
+                    <a:p>
+                      <a:endParaRPr lang="zh-TW" altLang="en-US"/>
+                    </a:p>
+                  </a:txBody>
+                  <a:tcPr/>
+                </a:tc>
+                <a:tc>
+                  <a:txBody>
+                    <a:bodyPr/>
+                    <a:lstStyle/>
+                    <a:p>
+                      <a:endParaRPr lang="zh-TW" altLang="en-US"/>
+                    </a:p>
+                  </a:txBody>
+                  <a:tcPr/>
+                </a:tc>
+                <a:tc>
+                  <a:txBody>
+                    <a:bodyPr/>
+                    <a:lstStyle/>
+                    <a:p>
+                      <a:endParaRPr lang="zh-TW" altLang="en-US"/>
+                    </a:p>
+                  </a:txBody>
+                  <a:tcPr/>
+                </a:tc>
+                <a:tc>
+                  <a:txBody>
+                    <a:bodyPr/>
+                    <a:lstStyle/>
+                    <a:p>
+                      <a:endParaRPr lang="zh-TW" altLang="en-US"/>
+                    </a:p>
+                  </a:txBody>
+                  <a:tcPr/>
+                </a:tc>
+                <a:tc>
+                  <a:txBody>
+                    <a:bodyPr/>
+                    <a:lstStyle/>
+                    <a:p>
+                      <a:endParaRPr lang="zh-TW" altLang="en-US"/>
+                    </a:p>
+                  </a:txBody>
+                  <a:tcPr/>
+                </a:tc>
+                <a:tc>
+                  <a:txBody>
+                    <a:bodyPr/>
+                    <a:lstStyle/>
+                    <a:p>
+                      <a:endParaRPr lang="zh-TW" altLang="en-US"/>
+                    </a:p>
+                  </a:txBody>
+                  <a:tcPr/>
+                </a:tc>
+                <a:tc>
+                  <a:txBody>
+                    <a:bodyPr/>
+                    <a:lstStyle/>
+                    <a:p>
+                      <a:endParaRPr lang="zh-TW" altLang="en-US"/>
+                    </a:p>
+                  </a:txBody>
+                  <a:tcPr/>
+                </a:tc>
+                <a:tc>
+                  <a:txBody>
+                    <a:bodyPr/>
+                    <a:lstStyle/>
+                    <a:p>
+                      <a:endParaRPr lang="zh-TW" altLang="en-US"/>
+                    </a:p>
+                  </a:txBody>
+                  <a:tcPr/>
+                </a:tc>
+                <a:tc>
+                  <a:txBody>
+                    <a:bodyPr/>
+                    <a:lstStyle/>
+                    <a:p>
+                      <a:endParaRPr lang="zh-TW" altLang="en-US"/>
+                    </a:p>
+                  </a:txBody>
+                  <a:tcPr/>
+                </a:tc>
+                <a:tc>
+                  <a:txBody>
+                    <a:bodyPr/>
+                    <a:lstStyle/>
+                    <a:p>
+                      <a:endParaRPr lang="zh-TW" altLang="en-US"/>
+                    </a:p>
+                  </a:txBody>
+                  <a:tcPr/>
+                </a:tc>
+                <a:tc>
+                  <a:txBody>
+                    <a:bodyPr/>
+                    <a:lstStyle/>
+                    <a:p>
+                      <a:endParaRPr lang="zh-TW" altLang="en-US"/>
+                    </a:p>
+                  </a:txBody>
+                  <a:tcPr/>
+                </a:tc>
+                <a:tc>
+                  <a:txBody>
+                    <a:bodyPr/>
+                    <a:lstStyle/>
+                    <a:p>
+                      <a:endParaRPr lang="zh-TW" altLang="en-US"/>
+                    </a:p>
+                  </a:txBody>
+                  <a:tcPr/>
+                </a:tc>
+                <a:tc>
+                  <a:txBody>
+                    <a:bodyPr/>
+                    <a:lstStyle/>
+                    <a:p>
+                      <a:endParaRPr lang="zh-TW" altLang="en-US"/>
+                    </a:p>
+                  </a:txBody>
+                  <a:tcPr/>
+                </a:tc>
+                <a:tc>
+                  <a:txBody>
+                    <a:bodyPr/>
+                    <a:lstStyle/>
+                    <a:p>
+                      <a:endParaRPr lang="zh-TW" altLang="en-US"/>
+                    </a:p>
+                  </a:txBody>
+                  <a:tcPr/>
+                </a:tc>
+                <a:tc>
+                  <a:txBody>
+                    <a:bodyPr/>
+                    <a:lstStyle/>
+                    <a:p>
+                      <a:endParaRPr lang="zh-TW" altLang="en-US"/>
+                    </a:p>
+                  </a:txBody>
+                  <a:tcPr/>
+                </a:tc>
+                <a:tc>
+                  <a:txBody>
+                    <a:bodyPr/>
+                    <a:lstStyle/>
+                    <a:p>
+                      <a:endParaRPr lang="zh-TW" altLang="en-US"/>
+                    </a:p>
+                  </a:txBody>
+                  <a:tcPr/>
+                </a:tc>
+                <a:tc>
+                  <a:txBody>
+                    <a:bodyPr/>
+                    <a:lstStyle/>
+                    <a:p>
+                      <a:endParaRPr lang="zh-TW" altLang="en-US"/>
+                    </a:p>
+                  </a:txBody>
+                  <a:tcPr/>
+                </a:tc>
+                <a:tc>
+                  <a:txBody>
+                    <a:bodyPr/>
+                    <a:lstStyle/>
+                    <a:p>
+                      <a:endParaRPr lang="zh-TW" altLang="en-US"/>
+                    </a:p>
+                  </a:txBody>
+                  <a:tcPr/>
+                </a:tc>
+                <a:tc>
+                  <a:txBody>
+                    <a:bodyPr/>
+                    <a:lstStyle/>
+                    <a:p>
+                      <a:endParaRPr lang="zh-TW" altLang="en-US"/>
+                    </a:p>
+                  </a:txBody>
+                  <a:tcPr/>
+                </a:tc>
+                <a:tc>
+                  <a:txBody>
+                    <a:bodyPr/>
+                    <a:lstStyle/>
+                    <a:p>
+                      <a:endParaRPr lang="zh-TW" altLang="en-US"/>
+                    </a:p>
+                  </a:txBody>
+                  <a:tcPr/>
+                </a:tc>
+                <a:extLst>
+                  <a:ext uri="{0D108BD9-81ED-4DB2-BD59-A6C34878D82A}">
+                    <a16:rowId xmlns:a16="http://schemas.microsoft.com/office/drawing/2014/main" val="4085147417"/>
+                  </a:ext>
+                </a:extLst>
+              </a:tr>
+              <a:tr h="601423">
+                <a:tc>
+                  <a:txBody>
+                    <a:bodyPr/>
+                    <a:lstStyle/>
+                    <a:p>
+                      <a:endParaRPr lang="zh-TW" altLang="en-US"/>
+                    </a:p>
+                  </a:txBody>
+                  <a:tcPr/>
+                </a:tc>
+                <a:tc>
+                  <a:txBody>
+                    <a:bodyPr/>
+                    <a:lstStyle/>
+                    <a:p>
+                      <a:endParaRPr lang="zh-TW" altLang="en-US"/>
+                    </a:p>
+                  </a:txBody>
+                  <a:tcPr/>
+                </a:tc>
+                <a:tc>
+                  <a:txBody>
+                    <a:bodyPr/>
+                    <a:lstStyle/>
+                    <a:p>
+                      <a:endParaRPr lang="zh-TW" altLang="en-US"/>
+                    </a:p>
+                  </a:txBody>
+                  <a:tcPr/>
+                </a:tc>
+                <a:tc>
+                  <a:txBody>
+                    <a:bodyPr/>
+                    <a:lstStyle/>
+                    <a:p>
+                      <a:endParaRPr lang="zh-TW" altLang="en-US"/>
+                    </a:p>
+                  </a:txBody>
+                  <a:tcPr/>
+                </a:tc>
+                <a:tc>
+                  <a:txBody>
+                    <a:bodyPr/>
+                    <a:lstStyle/>
+                    <a:p>
+                      <a:endParaRPr lang="zh-TW" altLang="en-US"/>
+                    </a:p>
+                  </a:txBody>
+                  <a:tcPr/>
+                </a:tc>
+                <a:tc>
+                  <a:txBody>
+                    <a:bodyPr/>
+                    <a:lstStyle/>
+                    <a:p>
+                      <a:endParaRPr lang="zh-TW" altLang="en-US"/>
+                    </a:p>
+                  </a:txBody>
+                  <a:tcPr/>
+                </a:tc>
+                <a:tc>
+                  <a:txBody>
+                    <a:bodyPr/>
+                    <a:lstStyle/>
+                    <a:p>
+                      <a:endParaRPr lang="zh-TW" altLang="en-US"/>
+                    </a:p>
+                  </a:txBody>
+                  <a:tcPr/>
+                </a:tc>
+                <a:tc>
+                  <a:txBody>
+                    <a:bodyPr/>
+                    <a:lstStyle/>
+                    <a:p>
+                      <a:endParaRPr lang="zh-TW" altLang="en-US"/>
+                    </a:p>
+                  </a:txBody>
+                  <a:tcPr/>
+                </a:tc>
+                <a:tc>
+                  <a:txBody>
+                    <a:bodyPr/>
+                    <a:lstStyle/>
+                    <a:p>
+                      <a:endParaRPr lang="zh-TW" altLang="en-US"/>
+                    </a:p>
+                  </a:txBody>
+                  <a:tcPr/>
+                </a:tc>
+                <a:tc>
+                  <a:txBody>
+                    <a:bodyPr/>
+                    <a:lstStyle/>
+                    <a:p>
+                      <a:endParaRPr lang="zh-TW" altLang="en-US"/>
+                    </a:p>
+                  </a:txBody>
+                  <a:tcPr/>
+                </a:tc>
+                <a:tc>
+                  <a:txBody>
+                    <a:bodyPr/>
+                    <a:lstStyle/>
+                    <a:p>
+                      <a:endParaRPr lang="zh-TW" altLang="en-US"/>
+                    </a:p>
+                  </a:txBody>
+                  <a:tcPr/>
+                </a:tc>
+                <a:tc>
+                  <a:txBody>
+                    <a:bodyPr/>
+                    <a:lstStyle/>
+                    <a:p>
+                      <a:endParaRPr lang="zh-TW" altLang="en-US"/>
+                    </a:p>
+                  </a:txBody>
+                  <a:tcPr/>
+                </a:tc>
+                <a:tc>
+                  <a:txBody>
+                    <a:bodyPr/>
+                    <a:lstStyle/>
+                    <a:p>
+                      <a:endParaRPr lang="zh-TW" altLang="en-US"/>
+                    </a:p>
+                  </a:txBody>
+                  <a:tcPr/>
+                </a:tc>
+                <a:tc>
+                  <a:txBody>
+                    <a:bodyPr/>
+                    <a:lstStyle/>
+                    <a:p>
+                      <a:endParaRPr lang="zh-TW" altLang="en-US"/>
+                    </a:p>
+                  </a:txBody>
+                  <a:tcPr/>
+                </a:tc>
+                <a:tc>
+                  <a:txBody>
+                    <a:bodyPr/>
+                    <a:lstStyle/>
+                    <a:p>
+                      <a:endParaRPr lang="zh-TW" altLang="en-US"/>
+                    </a:p>
+                  </a:txBody>
+                  <a:tcPr/>
+                </a:tc>
+                <a:tc>
+                  <a:txBody>
+                    <a:bodyPr/>
+                    <a:lstStyle/>
+                    <a:p>
+                      <a:endParaRPr lang="zh-TW" altLang="en-US"/>
+                    </a:p>
+                  </a:txBody>
+                  <a:tcPr/>
+                </a:tc>
+                <a:tc>
+                  <a:txBody>
+                    <a:bodyPr/>
+                    <a:lstStyle/>
+                    <a:p>
+                      <a:endParaRPr lang="zh-TW" altLang="en-US"/>
+                    </a:p>
+                  </a:txBody>
+                  <a:tcPr/>
+                </a:tc>
+                <a:tc>
+                  <a:txBody>
+                    <a:bodyPr/>
+                    <a:lstStyle/>
+                    <a:p>
+                      <a:endParaRPr lang="zh-TW" altLang="en-US"/>
+                    </a:p>
+                  </a:txBody>
+                  <a:tcPr/>
+                </a:tc>
+                <a:tc>
+                  <a:txBody>
+                    <a:bodyPr/>
+                    <a:lstStyle/>
+                    <a:p>
+                      <a:endParaRPr lang="zh-TW" altLang="en-US"/>
+                    </a:p>
+                  </a:txBody>
+                  <a:tcPr/>
+                </a:tc>
+                <a:tc>
+                  <a:txBody>
+                    <a:bodyPr/>
+                    <a:lstStyle/>
+                    <a:p>
+                      <a:endParaRPr lang="zh-TW" altLang="en-US"/>
+                    </a:p>
+                  </a:txBody>
+                  <a:tcPr/>
+                </a:tc>
+                <a:tc>
+                  <a:txBody>
+                    <a:bodyPr/>
+                    <a:lstStyle/>
+                    <a:p>
+                      <a:endParaRPr lang="zh-TW" altLang="en-US"/>
+                    </a:p>
+                  </a:txBody>
+                  <a:tcPr/>
+                </a:tc>
+                <a:tc>
+                  <a:txBody>
+                    <a:bodyPr/>
+                    <a:lstStyle/>
+                    <a:p>
+                      <a:endParaRPr lang="zh-TW" altLang="en-US"/>
+                    </a:p>
+                  </a:txBody>
+                  <a:tcPr/>
+                </a:tc>
+                <a:tc>
+                  <a:txBody>
+                    <a:bodyPr/>
+                    <a:lstStyle/>
+                    <a:p>
+                      <a:endParaRPr lang="zh-TW" altLang="en-US"/>
+                    </a:p>
+                  </a:txBody>
+                  <a:tcPr/>
+                </a:tc>
+                <a:tc>
+                  <a:txBody>
+                    <a:bodyPr/>
+                    <a:lstStyle/>
+                    <a:p>
+                      <a:endParaRPr lang="zh-TW" altLang="en-US"/>
+                    </a:p>
+                  </a:txBody>
+                  <a:tcPr/>
+                </a:tc>
+                <a:tc>
+                  <a:txBody>
+                    <a:bodyPr/>
+                    <a:lstStyle/>
+                    <a:p>
+                      <a:endParaRPr lang="zh-TW" altLang="en-US"/>
+                    </a:p>
+                  </a:txBody>
+                  <a:tcPr/>
+                </a:tc>
+                <a:tc>
+                  <a:txBody>
+                    <a:bodyPr/>
+                    <a:lstStyle/>
+                    <a:p>
+                      <a:endParaRPr lang="zh-TW" altLang="en-US"/>
+                    </a:p>
+                  </a:txBody>
+                  <a:tcPr/>
+                </a:tc>
+                <a:tc>
+                  <a:txBody>
+                    <a:bodyPr/>
+                    <a:lstStyle/>
+                    <a:p>
+                      <a:endParaRPr lang="zh-TW" altLang="en-US"/>
+                    </a:p>
+                  </a:txBody>
+                  <a:tcPr/>
+                </a:tc>
+                <a:tc>
+                  <a:txBody>
+                    <a:bodyPr/>
+                    <a:lstStyle/>
+                    <a:p>
+                      <a:endParaRPr lang="zh-TW" altLang="en-US"/>
+                    </a:p>
+                  </a:txBody>
+                  <a:tcPr/>
+                </a:tc>
+                <a:extLst>
+                  <a:ext uri="{0D108BD9-81ED-4DB2-BD59-A6C34878D82A}">
+                    <a16:rowId xmlns:a16="http://schemas.microsoft.com/office/drawing/2014/main" val="1246934448"/>
+                  </a:ext>
+                </a:extLst>
+              </a:tr>
+              <a:tr h="601423">
+                <a:tc>
+                  <a:txBody>
+                    <a:bodyPr/>
+                    <a:lstStyle/>
+                    <a:p>
+                      <a:endParaRPr lang="zh-TW" altLang="en-US"/>
+                    </a:p>
+                  </a:txBody>
+                  <a:tcPr/>
+                </a:tc>
+                <a:tc>
+                  <a:txBody>
+                    <a:bodyPr/>
+                    <a:lstStyle/>
+                    <a:p>
+                      <a:endParaRPr lang="zh-TW" altLang="en-US"/>
+                    </a:p>
+                  </a:txBody>
+                  <a:tcPr/>
+                </a:tc>
+                <a:tc>
+                  <a:txBody>
+                    <a:bodyPr/>
+                    <a:lstStyle/>
+                    <a:p>
+                      <a:endParaRPr lang="zh-TW" altLang="en-US"/>
+                    </a:p>
+                  </a:txBody>
+                  <a:tcPr/>
+                </a:tc>
+                <a:tc>
+                  <a:txBody>
+                    <a:bodyPr/>
+                    <a:lstStyle/>
+                    <a:p>
+                      <a:endParaRPr lang="zh-TW" altLang="en-US"/>
+                    </a:p>
+                  </a:txBody>
+                  <a:tcPr/>
+                </a:tc>
+                <a:tc>
+                  <a:txBody>
+                    <a:bodyPr/>
+                    <a:lstStyle/>
+                    <a:p>
+                      <a:endParaRPr lang="zh-TW" altLang="en-US"/>
+                    </a:p>
+                  </a:txBody>
+                  <a:tcPr/>
+                </a:tc>
+                <a:tc>
+                  <a:txBody>
+                    <a:bodyPr/>
+                    <a:lstStyle/>
+                    <a:p>
+                      <a:endParaRPr lang="zh-TW" altLang="en-US"/>
+                    </a:p>
+                  </a:txBody>
+                  <a:tcPr/>
+                </a:tc>
+                <a:tc>
+                  <a:txBody>
+                    <a:bodyPr/>
+                    <a:lstStyle/>
+                    <a:p>
+                      <a:endParaRPr lang="zh-TW" altLang="en-US"/>
+                    </a:p>
+                  </a:txBody>
+                  <a:tcPr/>
+                </a:tc>
+                <a:tc>
+                  <a:txBody>
+                    <a:bodyPr/>
+                    <a:lstStyle/>
+                    <a:p>
+                      <a:endParaRPr lang="zh-TW" altLang="en-US"/>
+                    </a:p>
+                  </a:txBody>
+                  <a:tcPr/>
+                </a:tc>
+                <a:tc>
+                  <a:txBody>
+                    <a:bodyPr/>
+                    <a:lstStyle/>
+                    <a:p>
+                      <a:endParaRPr lang="zh-TW" altLang="en-US"/>
+                    </a:p>
+                  </a:txBody>
+                  <a:tcPr/>
+                </a:tc>
+                <a:tc>
+                  <a:txBody>
+                    <a:bodyPr/>
+                    <a:lstStyle/>
+                    <a:p>
+                      <a:endParaRPr lang="zh-TW" altLang="en-US"/>
+                    </a:p>
+                  </a:txBody>
+                  <a:tcPr/>
+                </a:tc>
+                <a:tc>
+                  <a:txBody>
+                    <a:bodyPr/>
+                    <a:lstStyle/>
+                    <a:p>
+                      <a:endParaRPr lang="zh-TW" altLang="en-US"/>
+                    </a:p>
+                  </a:txBody>
+                  <a:tcPr/>
+                </a:tc>
+                <a:tc>
+                  <a:txBody>
+                    <a:bodyPr/>
+                    <a:lstStyle/>
+                    <a:p>
+                      <a:endParaRPr lang="zh-TW" altLang="en-US"/>
+                    </a:p>
+                  </a:txBody>
+                  <a:tcPr/>
+                </a:tc>
+                <a:tc>
+                  <a:txBody>
+                    <a:bodyPr/>
+                    <a:lstStyle/>
+                    <a:p>
+                      <a:endParaRPr lang="zh-TW" altLang="en-US"/>
+                    </a:p>
+                  </a:txBody>
+                  <a:tcPr/>
+                </a:tc>
+                <a:tc>
+                  <a:txBody>
+                    <a:bodyPr/>
+                    <a:lstStyle/>
+                    <a:p>
+                      <a:endParaRPr lang="zh-TW" altLang="en-US"/>
+                    </a:p>
+                  </a:txBody>
+                  <a:tcPr/>
+                </a:tc>
+                <a:tc>
+                  <a:txBody>
+                    <a:bodyPr/>
+                    <a:lstStyle/>
+                    <a:p>
+                      <a:endParaRPr lang="zh-TW" altLang="en-US"/>
+                    </a:p>
+                  </a:txBody>
+                  <a:tcPr/>
+                </a:tc>
+                <a:tc>
+                  <a:txBody>
+                    <a:bodyPr/>
+                    <a:lstStyle/>
+                    <a:p>
+                      <a:endParaRPr lang="zh-TW" altLang="en-US"/>
+                    </a:p>
+                  </a:txBody>
+                  <a:tcPr/>
+                </a:tc>
+                <a:tc>
+                  <a:txBody>
+                    <a:bodyPr/>
+                    <a:lstStyle/>
+                    <a:p>
+                      <a:endParaRPr lang="zh-TW" altLang="en-US"/>
+                    </a:p>
+                  </a:txBody>
+                  <a:tcPr/>
+                </a:tc>
+                <a:tc>
+                  <a:txBody>
+                    <a:bodyPr/>
+                    <a:lstStyle/>
+                    <a:p>
+                      <a:endParaRPr lang="zh-TW" altLang="en-US"/>
+                    </a:p>
+                  </a:txBody>
+                  <a:tcPr/>
+                </a:tc>
+                <a:tc>
+                  <a:txBody>
+                    <a:bodyPr/>
+                    <a:lstStyle/>
+                    <a:p>
+                      <a:endParaRPr lang="zh-TW" altLang="en-US"/>
+                    </a:p>
+                  </a:txBody>
+                  <a:tcPr/>
+                </a:tc>
+                <a:tc>
+                  <a:txBody>
+                    <a:bodyPr/>
+                    <a:lstStyle/>
+                    <a:p>
+                      <a:endParaRPr lang="zh-TW" altLang="en-US"/>
+                    </a:p>
+                  </a:txBody>
+                  <a:tcPr/>
+                </a:tc>
+                <a:tc>
+                  <a:txBody>
+                    <a:bodyPr/>
+                    <a:lstStyle/>
+                    <a:p>
+                      <a:endParaRPr lang="zh-TW" altLang="en-US"/>
+                    </a:p>
+                  </a:txBody>
+                  <a:tcPr/>
+                </a:tc>
+                <a:tc>
+                  <a:txBody>
+                    <a:bodyPr/>
+                    <a:lstStyle/>
+                    <a:p>
+                      <a:endParaRPr lang="zh-TW" altLang="en-US"/>
+                    </a:p>
+                  </a:txBody>
+                  <a:tcPr/>
+                </a:tc>
+                <a:tc>
+                  <a:txBody>
+                    <a:bodyPr/>
+                    <a:lstStyle/>
+                    <a:p>
+                      <a:endParaRPr lang="zh-TW" altLang="en-US"/>
+                    </a:p>
+                  </a:txBody>
+                  <a:tcPr/>
+                </a:tc>
+                <a:tc>
+                  <a:txBody>
+                    <a:bodyPr/>
+                    <a:lstStyle/>
+                    <a:p>
+                      <a:endParaRPr lang="zh-TW" altLang="en-US"/>
+                    </a:p>
+                  </a:txBody>
+                  <a:tcPr/>
+                </a:tc>
+                <a:tc>
+                  <a:txBody>
+                    <a:bodyPr/>
+                    <a:lstStyle/>
+                    <a:p>
+                      <a:endParaRPr lang="zh-TW" altLang="en-US"/>
+                    </a:p>
+                  </a:txBody>
+                  <a:tcPr/>
+                </a:tc>
+                <a:tc>
+                  <a:txBody>
+                    <a:bodyPr/>
+                    <a:lstStyle/>
+                    <a:p>
+                      <a:endParaRPr lang="zh-TW" altLang="en-US"/>
+                    </a:p>
+                  </a:txBody>
+                  <a:tcPr/>
+                </a:tc>
+                <a:tc>
+                  <a:txBody>
+                    <a:bodyPr/>
+                    <a:lstStyle/>
+                    <a:p>
+                      <a:endParaRPr lang="zh-TW" altLang="en-US"/>
+                    </a:p>
+                  </a:txBody>
+                  <a:tcPr/>
+                </a:tc>
+                <a:tc>
+                  <a:txBody>
+                    <a:bodyPr/>
+                    <a:lstStyle/>
+                    <a:p>
+                      <a:endParaRPr lang="zh-TW" altLang="en-US"/>
+                    </a:p>
+                  </a:txBody>
+                  <a:tcPr/>
+                </a:tc>
+                <a:extLst>
+                  <a:ext uri="{0D108BD9-81ED-4DB2-BD59-A6C34878D82A}">
+                    <a16:rowId xmlns:a16="http://schemas.microsoft.com/office/drawing/2014/main" val="3602872069"/>
+                  </a:ext>
+                </a:extLst>
+              </a:tr>
+              <a:tr h="601423">
+                <a:tc>
+                  <a:txBody>
+                    <a:bodyPr/>
+                    <a:lstStyle/>
+                    <a:p>
+                      <a:endParaRPr lang="zh-TW" altLang="en-US"/>
+                    </a:p>
+                  </a:txBody>
+                  <a:tcPr/>
+                </a:tc>
+                <a:tc>
+                  <a:txBody>
+                    <a:bodyPr/>
+                    <a:lstStyle/>
+                    <a:p>
+                      <a:endParaRPr lang="zh-TW" altLang="en-US"/>
+                    </a:p>
+                  </a:txBody>
+                  <a:tcPr/>
+                </a:tc>
+                <a:tc>
+                  <a:txBody>
+                    <a:bodyPr/>
+                    <a:lstStyle/>
+                    <a:p>
+                      <a:endParaRPr lang="zh-TW" altLang="en-US"/>
+                    </a:p>
+                  </a:txBody>
+                  <a:tcPr/>
+                </a:tc>
+                <a:tc>
+                  <a:txBody>
+                    <a:bodyPr/>
+                    <a:lstStyle/>
+                    <a:p>
+                      <a:endParaRPr lang="zh-TW" altLang="en-US"/>
+                    </a:p>
+                  </a:txBody>
+                  <a:tcPr/>
+                </a:tc>
+                <a:tc>
+                  <a:txBody>
+                    <a:bodyPr/>
+                    <a:lstStyle/>
+                    <a:p>
+                      <a:endParaRPr lang="zh-TW" altLang="en-US"/>
+                    </a:p>
+                  </a:txBody>
+                  <a:tcPr/>
+                </a:tc>
+                <a:tc>
+                  <a:txBody>
+                    <a:bodyPr/>
+                    <a:lstStyle/>
+                    <a:p>
+                      <a:endParaRPr lang="zh-TW" altLang="en-US"/>
+                    </a:p>
+                  </a:txBody>
+                  <a:tcPr/>
+                </a:tc>
+                <a:tc>
+                  <a:txBody>
+                    <a:bodyPr/>
+                    <a:lstStyle/>
+                    <a:p>
+                      <a:endParaRPr lang="zh-TW" altLang="en-US"/>
+                    </a:p>
+                  </a:txBody>
+                  <a:tcPr/>
+                </a:tc>
+                <a:tc>
+                  <a:txBody>
+                    <a:bodyPr/>
+                    <a:lstStyle/>
+                    <a:p>
+                      <a:endParaRPr lang="zh-TW" altLang="en-US"/>
+                    </a:p>
+                  </a:txBody>
+                  <a:tcPr/>
+                </a:tc>
+                <a:tc>
+                  <a:txBody>
+                    <a:bodyPr/>
+                    <a:lstStyle/>
+                    <a:p>
+                      <a:endParaRPr lang="zh-TW" altLang="en-US"/>
+                    </a:p>
+                  </a:txBody>
+                  <a:tcPr/>
+                </a:tc>
+                <a:tc>
+                  <a:txBody>
+                    <a:bodyPr/>
+                    <a:lstStyle/>
+                    <a:p>
+                      <a:endParaRPr lang="zh-TW" altLang="en-US"/>
+                    </a:p>
+                  </a:txBody>
+                  <a:tcPr/>
+                </a:tc>
+                <a:tc>
+                  <a:txBody>
+                    <a:bodyPr/>
+                    <a:lstStyle/>
+                    <a:p>
+                      <a:endParaRPr lang="zh-TW" altLang="en-US"/>
+                    </a:p>
+                  </a:txBody>
+                  <a:tcPr/>
+                </a:tc>
+                <a:tc>
+                  <a:txBody>
+                    <a:bodyPr/>
+                    <a:lstStyle/>
+                    <a:p>
+                      <a:endParaRPr lang="zh-TW" altLang="en-US"/>
+                    </a:p>
+                  </a:txBody>
+                  <a:tcPr/>
+                </a:tc>
+                <a:tc>
+                  <a:txBody>
+                    <a:bodyPr/>
+                    <a:lstStyle/>
+                    <a:p>
+                      <a:endParaRPr lang="zh-TW" altLang="en-US"/>
+                    </a:p>
+                  </a:txBody>
+                  <a:tcPr/>
+                </a:tc>
+                <a:tc>
+                  <a:txBody>
+                    <a:bodyPr/>
+                    <a:lstStyle/>
+                    <a:p>
+                      <a:endParaRPr lang="zh-TW" altLang="en-US"/>
+                    </a:p>
+                  </a:txBody>
+                  <a:tcPr/>
+                </a:tc>
+                <a:tc>
+                  <a:txBody>
+                    <a:bodyPr/>
+                    <a:lstStyle/>
+                    <a:p>
+                      <a:endParaRPr lang="zh-TW" altLang="en-US"/>
+                    </a:p>
+                  </a:txBody>
+                  <a:tcPr/>
+                </a:tc>
+                <a:tc>
+                  <a:txBody>
+                    <a:bodyPr/>
+                    <a:lstStyle/>
+                    <a:p>
+                      <a:endParaRPr lang="zh-TW" altLang="en-US"/>
+                    </a:p>
+                  </a:txBody>
+                  <a:tcPr/>
+                </a:tc>
+                <a:tc>
+                  <a:txBody>
+                    <a:bodyPr/>
+                    <a:lstStyle/>
+                    <a:p>
+                      <a:endParaRPr lang="zh-TW" altLang="en-US"/>
+                    </a:p>
+                  </a:txBody>
+                  <a:tcPr/>
+                </a:tc>
+                <a:tc>
+                  <a:txBody>
+                    <a:bodyPr/>
+                    <a:lstStyle/>
+                    <a:p>
+                      <a:endParaRPr lang="zh-TW" altLang="en-US"/>
+                    </a:p>
+                  </a:txBody>
+                  <a:tcPr/>
+                </a:tc>
+                <a:tc>
+                  <a:txBody>
+                    <a:bodyPr/>
+                    <a:lstStyle/>
+                    <a:p>
+                      <a:endParaRPr lang="zh-TW" altLang="en-US"/>
+                    </a:p>
+                  </a:txBody>
+                  <a:tcPr/>
+                </a:tc>
+                <a:tc>
+                  <a:txBody>
+                    <a:bodyPr/>
+                    <a:lstStyle/>
+                    <a:p>
+                      <a:endParaRPr lang="zh-TW" altLang="en-US"/>
+                    </a:p>
+                  </a:txBody>
+                  <a:tcPr/>
+                </a:tc>
+                <a:tc>
+                  <a:txBody>
+                    <a:bodyPr/>
+                    <a:lstStyle/>
+                    <a:p>
+                      <a:endParaRPr lang="zh-TW" altLang="en-US"/>
+                    </a:p>
+                  </a:txBody>
+                  <a:tcPr/>
+                </a:tc>
+                <a:tc>
+                  <a:txBody>
+                    <a:bodyPr/>
+                    <a:lstStyle/>
+                    <a:p>
+                      <a:endParaRPr lang="zh-TW" altLang="en-US"/>
+                    </a:p>
+                  </a:txBody>
+                  <a:tcPr/>
+                </a:tc>
+                <a:tc>
+                  <a:txBody>
+                    <a:bodyPr/>
+                    <a:lstStyle/>
+                    <a:p>
+                      <a:endParaRPr lang="zh-TW" altLang="en-US"/>
+                    </a:p>
+                  </a:txBody>
+                  <a:tcPr/>
+                </a:tc>
+                <a:tc>
+                  <a:txBody>
+                    <a:bodyPr/>
+                    <a:lstStyle/>
+                    <a:p>
+                      <a:endParaRPr lang="zh-TW" altLang="en-US"/>
+                    </a:p>
+                  </a:txBody>
+                  <a:tcPr/>
+                </a:tc>
+                <a:tc>
+                  <a:txBody>
+                    <a:bodyPr/>
+                    <a:lstStyle/>
+                    <a:p>
+                      <a:endParaRPr lang="zh-TW" altLang="en-US"/>
+                    </a:p>
+                  </a:txBody>
+                  <a:tcPr/>
+                </a:tc>
+                <a:tc>
+                  <a:txBody>
+                    <a:bodyPr/>
+                    <a:lstStyle/>
+                    <a:p>
+                      <a:endParaRPr lang="zh-TW" altLang="en-US"/>
+                    </a:p>
+                  </a:txBody>
+                  <a:tcPr/>
+                </a:tc>
+                <a:tc>
+                  <a:txBody>
+                    <a:bodyPr/>
+                    <a:lstStyle/>
+                    <a:p>
+                      <a:endParaRPr lang="zh-TW" altLang="en-US"/>
+                    </a:p>
+                  </a:txBody>
+                  <a:tcPr/>
+                </a:tc>
+                <a:tc>
+                  <a:txBody>
+                    <a:bodyPr/>
+                    <a:lstStyle/>
+                    <a:p>
+                      <a:endParaRPr lang="zh-TW" altLang="en-US"/>
+                    </a:p>
+                  </a:txBody>
+                  <a:tcPr/>
+                </a:tc>
+                <a:extLst>
+                  <a:ext uri="{0D108BD9-81ED-4DB2-BD59-A6C34878D82A}">
+                    <a16:rowId xmlns:a16="http://schemas.microsoft.com/office/drawing/2014/main" val="2602588230"/>
+                  </a:ext>
+                </a:extLst>
+              </a:tr>
+              <a:tr h="601423">
+                <a:tc>
+                  <a:txBody>
+                    <a:bodyPr/>
+                    <a:lstStyle/>
+                    <a:p>
+                      <a:endParaRPr lang="zh-TW" altLang="en-US"/>
+                    </a:p>
+                  </a:txBody>
+                  <a:tcPr/>
+                </a:tc>
+                <a:tc>
+                  <a:txBody>
+                    <a:bodyPr/>
+                    <a:lstStyle/>
+                    <a:p>
+                      <a:endParaRPr lang="zh-TW" altLang="en-US"/>
+                    </a:p>
+                  </a:txBody>
+                  <a:tcPr/>
+                </a:tc>
+                <a:tc>
+                  <a:txBody>
+                    <a:bodyPr/>
+                    <a:lstStyle/>
+                    <a:p>
+                      <a:endParaRPr lang="zh-TW" altLang="en-US"/>
+                    </a:p>
+                  </a:txBody>
+                  <a:tcPr/>
+                </a:tc>
+                <a:tc>
+                  <a:txBody>
+                    <a:bodyPr/>
+                    <a:lstStyle/>
+                    <a:p>
+                      <a:endParaRPr lang="zh-TW" altLang="en-US"/>
+                    </a:p>
+                  </a:txBody>
+                  <a:tcPr/>
+                </a:tc>
+                <a:tc>
+                  <a:txBody>
+                    <a:bodyPr/>
+                    <a:lstStyle/>
+                    <a:p>
+                      <a:endParaRPr lang="zh-TW" altLang="en-US"/>
+                    </a:p>
+                  </a:txBody>
+                  <a:tcPr/>
+                </a:tc>
+                <a:tc>
+                  <a:txBody>
+                    <a:bodyPr/>
+                    <a:lstStyle/>
+                    <a:p>
+                      <a:endParaRPr lang="zh-TW" altLang="en-US"/>
+                    </a:p>
+                  </a:txBody>
+                  <a:tcPr/>
+                </a:tc>
+                <a:tc>
+                  <a:txBody>
+                    <a:bodyPr/>
+                    <a:lstStyle/>
+                    <a:p>
+                      <a:endParaRPr lang="zh-TW" altLang="en-US"/>
+                    </a:p>
+                  </a:txBody>
+                  <a:tcPr/>
+                </a:tc>
+                <a:tc>
+                  <a:txBody>
+                    <a:bodyPr/>
+                    <a:lstStyle/>
+                    <a:p>
+                      <a:endParaRPr lang="zh-TW" altLang="en-US"/>
+                    </a:p>
+                  </a:txBody>
+                  <a:tcPr/>
+                </a:tc>
+                <a:tc>
+                  <a:txBody>
+                    <a:bodyPr/>
+                    <a:lstStyle/>
+                    <a:p>
+                      <a:endParaRPr lang="zh-TW" altLang="en-US"/>
+                    </a:p>
+                  </a:txBody>
+                  <a:tcPr/>
+                </a:tc>
+                <a:tc>
+                  <a:txBody>
+                    <a:bodyPr/>
+                    <a:lstStyle/>
+                    <a:p>
+                      <a:endParaRPr lang="zh-TW" altLang="en-US"/>
+                    </a:p>
+                  </a:txBody>
+                  <a:tcPr/>
+                </a:tc>
+                <a:tc>
+                  <a:txBody>
+                    <a:bodyPr/>
+                    <a:lstStyle/>
+                    <a:p>
+                      <a:endParaRPr lang="zh-TW" altLang="en-US"/>
+                    </a:p>
+                  </a:txBody>
+                  <a:tcPr/>
+                </a:tc>
+                <a:tc>
+                  <a:txBody>
+                    <a:bodyPr/>
+                    <a:lstStyle/>
+                    <a:p>
+                      <a:endParaRPr lang="zh-TW" altLang="en-US"/>
+                    </a:p>
+                  </a:txBody>
+                  <a:tcPr/>
+                </a:tc>
+                <a:tc>
+                  <a:txBody>
+                    <a:bodyPr/>
+                    <a:lstStyle/>
+                    <a:p>
+                      <a:endParaRPr lang="zh-TW" altLang="en-US"/>
+                    </a:p>
+                  </a:txBody>
+                  <a:tcPr/>
+                </a:tc>
+                <a:tc>
+                  <a:txBody>
+                    <a:bodyPr/>
+                    <a:lstStyle/>
+                    <a:p>
+                      <a:endParaRPr lang="zh-TW" altLang="en-US"/>
+                    </a:p>
+                  </a:txBody>
+                  <a:tcPr/>
+                </a:tc>
+                <a:tc>
+                  <a:txBody>
+                    <a:bodyPr/>
+                    <a:lstStyle/>
+                    <a:p>
+                      <a:endParaRPr lang="zh-TW" altLang="en-US"/>
+                    </a:p>
+                  </a:txBody>
+                  <a:tcPr/>
+                </a:tc>
+                <a:tc>
+                  <a:txBody>
+                    <a:bodyPr/>
+                    <a:lstStyle/>
+                    <a:p>
+                      <a:endParaRPr lang="zh-TW" altLang="en-US"/>
+                    </a:p>
+                  </a:txBody>
+                  <a:tcPr/>
+                </a:tc>
+                <a:tc>
+                  <a:txBody>
+                    <a:bodyPr/>
+                    <a:lstStyle/>
+                    <a:p>
+                      <a:endParaRPr lang="zh-TW" altLang="en-US"/>
+                    </a:p>
+                  </a:txBody>
+                  <a:tcPr/>
+                </a:tc>
+                <a:tc>
+                  <a:txBody>
+                    <a:bodyPr/>
+                    <a:lstStyle/>
+                    <a:p>
+                      <a:endParaRPr lang="zh-TW" altLang="en-US"/>
+                    </a:p>
+                  </a:txBody>
+                  <a:tcPr/>
+                </a:tc>
+                <a:tc>
+                  <a:txBody>
+                    <a:bodyPr/>
+                    <a:lstStyle/>
+                    <a:p>
+                      <a:endParaRPr lang="zh-TW" altLang="en-US"/>
+                    </a:p>
+                  </a:txBody>
+                  <a:tcPr/>
+                </a:tc>
+                <a:tc>
+                  <a:txBody>
+                    <a:bodyPr/>
+                    <a:lstStyle/>
+                    <a:p>
+                      <a:endParaRPr lang="zh-TW" altLang="en-US"/>
+                    </a:p>
+                  </a:txBody>
+                  <a:tcPr/>
+                </a:tc>
+                <a:tc>
+                  <a:txBody>
+                    <a:bodyPr/>
+                    <a:lstStyle/>
+                    <a:p>
+                      <a:endParaRPr lang="zh-TW" altLang="en-US"/>
+                    </a:p>
+                  </a:txBody>
+                  <a:tcPr/>
+                </a:tc>
+                <a:tc>
+                  <a:txBody>
+                    <a:bodyPr/>
+                    <a:lstStyle/>
+                    <a:p>
+                      <a:endParaRPr lang="zh-TW" altLang="en-US"/>
+                    </a:p>
+                  </a:txBody>
+                  <a:tcPr/>
+                </a:tc>
+                <a:tc>
+                  <a:txBody>
+                    <a:bodyPr/>
+                    <a:lstStyle/>
+                    <a:p>
+                      <a:endParaRPr lang="zh-TW" altLang="en-US"/>
+                    </a:p>
+                  </a:txBody>
+                  <a:tcPr/>
+                </a:tc>
+                <a:tc>
+                  <a:txBody>
+                    <a:bodyPr/>
+                    <a:lstStyle/>
+                    <a:p>
+                      <a:endParaRPr lang="zh-TW" altLang="en-US"/>
+                    </a:p>
+                  </a:txBody>
+                  <a:tcPr/>
+                </a:tc>
+                <a:tc>
+                  <a:txBody>
+                    <a:bodyPr/>
+                    <a:lstStyle/>
+                    <a:p>
+                      <a:endParaRPr lang="zh-TW" altLang="en-US"/>
+                    </a:p>
+                  </a:txBody>
+                  <a:tcPr/>
+                </a:tc>
+                <a:tc>
+                  <a:txBody>
+                    <a:bodyPr/>
+                    <a:lstStyle/>
+                    <a:p>
+                      <a:endParaRPr lang="zh-TW" altLang="en-US"/>
+                    </a:p>
+                  </a:txBody>
+                  <a:tcPr/>
+                </a:tc>
+                <a:tc>
+                  <a:txBody>
+                    <a:bodyPr/>
+                    <a:lstStyle/>
+                    <a:p>
+                      <a:endParaRPr lang="zh-TW" altLang="en-US"/>
+                    </a:p>
+                  </a:txBody>
+                  <a:tcPr/>
+                </a:tc>
+                <a:tc>
+                  <a:txBody>
+                    <a:bodyPr/>
+                    <a:lstStyle/>
+                    <a:p>
+                      <a:endParaRPr lang="zh-TW" altLang="en-US"/>
+                    </a:p>
+                  </a:txBody>
+                  <a:tcPr/>
+                </a:tc>
+                <a:extLst>
+                  <a:ext uri="{0D108BD9-81ED-4DB2-BD59-A6C34878D82A}">
+                    <a16:rowId xmlns:a16="http://schemas.microsoft.com/office/drawing/2014/main" val="2866063066"/>
+                  </a:ext>
+                </a:extLst>
+              </a:tr>
+              <a:tr h="601423">
+                <a:tc>
+                  <a:txBody>
+                    <a:bodyPr/>
+                    <a:lstStyle/>
+                    <a:p>
+                      <a:endParaRPr lang="zh-TW" altLang="en-US"/>
+                    </a:p>
+                  </a:txBody>
+                  <a:tcPr/>
+                </a:tc>
+                <a:tc>
+                  <a:txBody>
+                    <a:bodyPr/>
+                    <a:lstStyle/>
+                    <a:p>
+                      <a:endParaRPr lang="zh-TW" altLang="en-US"/>
+                    </a:p>
+                  </a:txBody>
+                  <a:tcPr/>
+                </a:tc>
+                <a:tc>
+                  <a:txBody>
+                    <a:bodyPr/>
+                    <a:lstStyle/>
+                    <a:p>
+                      <a:endParaRPr lang="zh-TW" altLang="en-US"/>
+                    </a:p>
+                  </a:txBody>
+                  <a:tcPr/>
+                </a:tc>
+                <a:tc>
+                  <a:txBody>
+                    <a:bodyPr/>
+                    <a:lstStyle/>
+                    <a:p>
+                      <a:endParaRPr lang="zh-TW" altLang="en-US"/>
+                    </a:p>
+                  </a:txBody>
+                  <a:tcPr/>
+                </a:tc>
+                <a:tc>
+                  <a:txBody>
+                    <a:bodyPr/>
+                    <a:lstStyle/>
+                    <a:p>
+                      <a:endParaRPr lang="zh-TW" altLang="en-US"/>
+                    </a:p>
+                  </a:txBody>
+                  <a:tcPr/>
+                </a:tc>
+                <a:tc>
+                  <a:txBody>
+                    <a:bodyPr/>
+                    <a:lstStyle/>
+                    <a:p>
+                      <a:endParaRPr lang="zh-TW" altLang="en-US"/>
+                    </a:p>
+                  </a:txBody>
+                  <a:tcPr/>
+                </a:tc>
+                <a:tc>
+                  <a:txBody>
+                    <a:bodyPr/>
+                    <a:lstStyle/>
+                    <a:p>
+                      <a:endParaRPr lang="zh-TW" altLang="en-US"/>
+                    </a:p>
+                  </a:txBody>
+                  <a:tcPr/>
+                </a:tc>
+                <a:tc>
+                  <a:txBody>
+                    <a:bodyPr/>
+                    <a:lstStyle/>
+                    <a:p>
+                      <a:endParaRPr lang="zh-TW" altLang="en-US"/>
+                    </a:p>
+                  </a:txBody>
+                  <a:tcPr/>
+                </a:tc>
+                <a:tc>
+                  <a:txBody>
+                    <a:bodyPr/>
+                    <a:lstStyle/>
+                    <a:p>
+                      <a:endParaRPr lang="zh-TW" altLang="en-US"/>
+                    </a:p>
+                  </a:txBody>
+                  <a:tcPr/>
+                </a:tc>
+                <a:tc>
+                  <a:txBody>
+                    <a:bodyPr/>
+                    <a:lstStyle/>
+                    <a:p>
+                      <a:endParaRPr lang="zh-TW" altLang="en-US"/>
+                    </a:p>
+                  </a:txBody>
+                  <a:tcPr/>
+                </a:tc>
+                <a:tc>
+                  <a:txBody>
+                    <a:bodyPr/>
+                    <a:lstStyle/>
+                    <a:p>
+                      <a:endParaRPr lang="zh-TW" altLang="en-US"/>
+                    </a:p>
+                  </a:txBody>
+                  <a:tcPr/>
+                </a:tc>
+                <a:tc>
+                  <a:txBody>
+                    <a:bodyPr/>
+                    <a:lstStyle/>
+                    <a:p>
+                      <a:endParaRPr lang="zh-TW" altLang="en-US"/>
+                    </a:p>
+                  </a:txBody>
+                  <a:tcPr/>
+                </a:tc>
+                <a:tc>
+                  <a:txBody>
+                    <a:bodyPr/>
+                    <a:lstStyle/>
+                    <a:p>
+                      <a:endParaRPr lang="zh-TW" altLang="en-US"/>
+                    </a:p>
+                  </a:txBody>
+                  <a:tcPr/>
+                </a:tc>
+                <a:tc>
+                  <a:txBody>
+                    <a:bodyPr/>
+                    <a:lstStyle/>
+                    <a:p>
+                      <a:endParaRPr lang="zh-TW" altLang="en-US"/>
+                    </a:p>
+                  </a:txBody>
+                  <a:tcPr/>
+                </a:tc>
+                <a:tc>
+                  <a:txBody>
+                    <a:bodyPr/>
+                    <a:lstStyle/>
+                    <a:p>
+                      <a:endParaRPr lang="zh-TW" altLang="en-US"/>
+                    </a:p>
+                  </a:txBody>
+                  <a:tcPr/>
+                </a:tc>
+                <a:tc>
+                  <a:txBody>
+                    <a:bodyPr/>
+                    <a:lstStyle/>
+                    <a:p>
+                      <a:endParaRPr lang="zh-TW" altLang="en-US"/>
+                    </a:p>
+                  </a:txBody>
+                  <a:tcPr/>
+                </a:tc>
+                <a:tc>
+                  <a:txBody>
+                    <a:bodyPr/>
+                    <a:lstStyle/>
+                    <a:p>
+                      <a:endParaRPr lang="zh-TW" altLang="en-US"/>
+                    </a:p>
+                  </a:txBody>
+                  <a:tcPr/>
+                </a:tc>
+                <a:tc>
+                  <a:txBody>
+                    <a:bodyPr/>
+                    <a:lstStyle/>
+                    <a:p>
+                      <a:endParaRPr lang="zh-TW" altLang="en-US"/>
+                    </a:p>
+                  </a:txBody>
+                  <a:tcPr/>
+                </a:tc>
+                <a:tc>
+                  <a:txBody>
+                    <a:bodyPr/>
+                    <a:lstStyle/>
+                    <a:p>
+                      <a:endParaRPr lang="zh-TW" altLang="en-US"/>
+                    </a:p>
+                  </a:txBody>
+                  <a:tcPr/>
+                </a:tc>
+                <a:tc>
+                  <a:txBody>
+                    <a:bodyPr/>
+                    <a:lstStyle/>
+                    <a:p>
+                      <a:endParaRPr lang="zh-TW" altLang="en-US"/>
+                    </a:p>
+                  </a:txBody>
+                  <a:tcPr/>
+                </a:tc>
+                <a:tc>
+                  <a:txBody>
+                    <a:bodyPr/>
+                    <a:lstStyle/>
+                    <a:p>
+                      <a:endParaRPr lang="zh-TW" altLang="en-US"/>
+                    </a:p>
+                  </a:txBody>
+                  <a:tcPr/>
+                </a:tc>
+                <a:tc>
+                  <a:txBody>
+                    <a:bodyPr/>
+                    <a:lstStyle/>
+                    <a:p>
+                      <a:endParaRPr lang="zh-TW" altLang="en-US"/>
+                    </a:p>
+                  </a:txBody>
+                  <a:tcPr/>
+                </a:tc>
+                <a:tc>
+                  <a:txBody>
+                    <a:bodyPr/>
+                    <a:lstStyle/>
+                    <a:p>
+                      <a:endParaRPr lang="zh-TW" altLang="en-US"/>
+                    </a:p>
+                  </a:txBody>
+                  <a:tcPr/>
+                </a:tc>
+                <a:tc>
+                  <a:txBody>
+                    <a:bodyPr/>
+                    <a:lstStyle/>
+                    <a:p>
+                      <a:endParaRPr lang="zh-TW" altLang="en-US"/>
+                    </a:p>
+                  </a:txBody>
+                  <a:tcPr/>
+                </a:tc>
+                <a:tc>
+                  <a:txBody>
+                    <a:bodyPr/>
+                    <a:lstStyle/>
+                    <a:p>
+                      <a:endParaRPr lang="zh-TW" altLang="en-US"/>
+                    </a:p>
+                  </a:txBody>
+                  <a:tcPr/>
+                </a:tc>
+                <a:tc>
+                  <a:txBody>
+                    <a:bodyPr/>
+                    <a:lstStyle/>
+                    <a:p>
+                      <a:endParaRPr lang="zh-TW" altLang="en-US"/>
+                    </a:p>
+                  </a:txBody>
+                  <a:tcPr/>
+                </a:tc>
+                <a:tc>
+                  <a:txBody>
+                    <a:bodyPr/>
+                    <a:lstStyle/>
+                    <a:p>
+                      <a:endParaRPr lang="zh-TW" altLang="en-US"/>
+                    </a:p>
+                  </a:txBody>
+                  <a:tcPr/>
+                </a:tc>
+                <a:tc>
+                  <a:txBody>
+                    <a:bodyPr/>
+                    <a:lstStyle/>
+                    <a:p>
+                      <a:endParaRPr lang="zh-TW" altLang="en-US"/>
+                    </a:p>
+                  </a:txBody>
+                  <a:tcPr/>
+                </a:tc>
+                <a:extLst>
+                  <a:ext uri="{0D108BD9-81ED-4DB2-BD59-A6C34878D82A}">
+                    <a16:rowId xmlns:a16="http://schemas.microsoft.com/office/drawing/2014/main" val="3825852777"/>
+                  </a:ext>
+                </a:extLst>
+              </a:tr>
+              <a:tr h="601423">
+                <a:tc>
+                  <a:txBody>
+                    <a:bodyPr/>
+                    <a:lstStyle/>
+                    <a:p>
+                      <a:endParaRPr lang="zh-TW" altLang="en-US"/>
+                    </a:p>
+                  </a:txBody>
+                  <a:tcPr/>
+                </a:tc>
+                <a:tc>
+                  <a:txBody>
+                    <a:bodyPr/>
+                    <a:lstStyle/>
+                    <a:p>
+                      <a:endParaRPr lang="zh-TW" altLang="en-US"/>
+                    </a:p>
+                  </a:txBody>
+                  <a:tcPr/>
+                </a:tc>
+                <a:tc>
+                  <a:txBody>
+                    <a:bodyPr/>
+                    <a:lstStyle/>
+                    <a:p>
+                      <a:endParaRPr lang="zh-TW" altLang="en-US"/>
+                    </a:p>
+                  </a:txBody>
+                  <a:tcPr/>
+                </a:tc>
+                <a:tc>
+                  <a:txBody>
+                    <a:bodyPr/>
+                    <a:lstStyle/>
+                    <a:p>
+                      <a:endParaRPr lang="zh-TW" altLang="en-US"/>
+                    </a:p>
+                  </a:txBody>
+                  <a:tcPr/>
+                </a:tc>
+                <a:tc>
+                  <a:txBody>
+                    <a:bodyPr/>
+                    <a:lstStyle/>
+                    <a:p>
+                      <a:endParaRPr lang="zh-TW" altLang="en-US"/>
+                    </a:p>
+                  </a:txBody>
+                  <a:tcPr/>
+                </a:tc>
+                <a:tc>
+                  <a:txBody>
+                    <a:bodyPr/>
+                    <a:lstStyle/>
+                    <a:p>
+                      <a:endParaRPr lang="zh-TW" altLang="en-US"/>
+                    </a:p>
+                  </a:txBody>
+                  <a:tcPr/>
+                </a:tc>
+                <a:tc>
+                  <a:txBody>
+                    <a:bodyPr/>
+                    <a:lstStyle/>
+                    <a:p>
+                      <a:endParaRPr lang="zh-TW" altLang="en-US"/>
+                    </a:p>
+                  </a:txBody>
+                  <a:tcPr/>
+                </a:tc>
+                <a:tc>
+                  <a:txBody>
+                    <a:bodyPr/>
+                    <a:lstStyle/>
+                    <a:p>
+                      <a:endParaRPr lang="zh-TW" altLang="en-US"/>
+                    </a:p>
+                  </a:txBody>
+                  <a:tcPr/>
+                </a:tc>
+                <a:tc>
+                  <a:txBody>
+                    <a:bodyPr/>
+                    <a:lstStyle/>
+                    <a:p>
+                      <a:endParaRPr lang="zh-TW" altLang="en-US"/>
+                    </a:p>
+                  </a:txBody>
+                  <a:tcPr/>
+                </a:tc>
+                <a:tc>
+                  <a:txBody>
+                    <a:bodyPr/>
+                    <a:lstStyle/>
+                    <a:p>
+                      <a:endParaRPr lang="zh-TW" altLang="en-US"/>
+                    </a:p>
+                  </a:txBody>
+                  <a:tcPr/>
+                </a:tc>
+                <a:tc>
+                  <a:txBody>
+                    <a:bodyPr/>
+                    <a:lstStyle/>
+                    <a:p>
+                      <a:endParaRPr lang="zh-TW" altLang="en-US"/>
+                    </a:p>
+                  </a:txBody>
+                  <a:tcPr/>
+                </a:tc>
+                <a:tc>
+                  <a:txBody>
+                    <a:bodyPr/>
+                    <a:lstStyle/>
+                    <a:p>
+                      <a:endParaRPr lang="zh-TW" altLang="en-US"/>
+                    </a:p>
+                  </a:txBody>
+                  <a:tcPr/>
+                </a:tc>
+                <a:tc>
+                  <a:txBody>
+                    <a:bodyPr/>
+                    <a:lstStyle/>
+                    <a:p>
+                      <a:endParaRPr lang="zh-TW" altLang="en-US"/>
+                    </a:p>
+                  </a:txBody>
+                  <a:tcPr/>
+                </a:tc>
+                <a:tc>
+                  <a:txBody>
+                    <a:bodyPr/>
+                    <a:lstStyle/>
+                    <a:p>
+                      <a:endParaRPr lang="zh-TW" altLang="en-US"/>
+                    </a:p>
+                  </a:txBody>
+                  <a:tcPr/>
+                </a:tc>
+                <a:tc>
+                  <a:txBody>
+                    <a:bodyPr/>
+                    <a:lstStyle/>
+                    <a:p>
+                      <a:endParaRPr lang="zh-TW" altLang="en-US"/>
+                    </a:p>
+                  </a:txBody>
+                  <a:tcPr/>
+                </a:tc>
+                <a:tc>
+                  <a:txBody>
+                    <a:bodyPr/>
+                    <a:lstStyle/>
+                    <a:p>
+                      <a:endParaRPr lang="zh-TW" altLang="en-US"/>
+                    </a:p>
+                  </a:txBody>
+                  <a:tcPr/>
+                </a:tc>
+                <a:tc>
+                  <a:txBody>
+                    <a:bodyPr/>
+                    <a:lstStyle/>
+                    <a:p>
+                      <a:endParaRPr lang="zh-TW" altLang="en-US"/>
+                    </a:p>
+                  </a:txBody>
+                  <a:tcPr/>
+                </a:tc>
+                <a:tc>
+                  <a:txBody>
+                    <a:bodyPr/>
+                    <a:lstStyle/>
+                    <a:p>
+                      <a:endParaRPr lang="zh-TW" altLang="en-US"/>
+                    </a:p>
+                  </a:txBody>
+                  <a:tcPr/>
+                </a:tc>
+                <a:tc>
+                  <a:txBody>
+                    <a:bodyPr/>
+                    <a:lstStyle/>
+                    <a:p>
+                      <a:endParaRPr lang="zh-TW" altLang="en-US"/>
+                    </a:p>
+                  </a:txBody>
+                  <a:tcPr/>
+                </a:tc>
+                <a:tc>
+                  <a:txBody>
+                    <a:bodyPr/>
+                    <a:lstStyle/>
+                    <a:p>
+                      <a:endParaRPr lang="zh-TW" altLang="en-US"/>
+                    </a:p>
+                  </a:txBody>
+                  <a:tcPr/>
+                </a:tc>
+                <a:tc>
+                  <a:txBody>
+                    <a:bodyPr/>
+                    <a:lstStyle/>
+                    <a:p>
+                      <a:endParaRPr lang="zh-TW" altLang="en-US"/>
+                    </a:p>
+                  </a:txBody>
+                  <a:tcPr/>
+                </a:tc>
+                <a:tc>
+                  <a:txBody>
+                    <a:bodyPr/>
+                    <a:lstStyle/>
+                    <a:p>
+                      <a:endParaRPr lang="zh-TW" altLang="en-US"/>
+                    </a:p>
+                  </a:txBody>
+                  <a:tcPr/>
+                </a:tc>
+                <a:tc>
+                  <a:txBody>
+                    <a:bodyPr/>
+                    <a:lstStyle/>
+                    <a:p>
+                      <a:endParaRPr lang="zh-TW" altLang="en-US"/>
+                    </a:p>
+                  </a:txBody>
+                  <a:tcPr/>
+                </a:tc>
+                <a:tc>
+                  <a:txBody>
+                    <a:bodyPr/>
+                    <a:lstStyle/>
+                    <a:p>
+                      <a:endParaRPr lang="zh-TW" altLang="en-US"/>
+                    </a:p>
+                  </a:txBody>
+                  <a:tcPr/>
+                </a:tc>
+                <a:tc>
+                  <a:txBody>
+                    <a:bodyPr/>
+                    <a:lstStyle/>
+                    <a:p>
+                      <a:endParaRPr lang="zh-TW" altLang="en-US"/>
+                    </a:p>
+                  </a:txBody>
+                  <a:tcPr/>
+                </a:tc>
+                <a:tc>
+                  <a:txBody>
+                    <a:bodyPr/>
+                    <a:lstStyle/>
+                    <a:p>
+                      <a:endParaRPr lang="zh-TW" altLang="en-US"/>
+                    </a:p>
+                  </a:txBody>
+                  <a:tcPr/>
+                </a:tc>
+                <a:tc>
+                  <a:txBody>
+                    <a:bodyPr/>
+                    <a:lstStyle/>
+                    <a:p>
+                      <a:endParaRPr lang="zh-TW" altLang="en-US"/>
+                    </a:p>
+                  </a:txBody>
+                  <a:tcPr/>
+                </a:tc>
+                <a:tc>
+                  <a:txBody>
+                    <a:bodyPr/>
+                    <a:lstStyle/>
+                    <a:p>
+                      <a:endParaRPr lang="zh-TW" altLang="en-US"/>
+                    </a:p>
+                  </a:txBody>
+                  <a:tcPr/>
+                </a:tc>
+                <a:extLst>
+                  <a:ext uri="{0D108BD9-81ED-4DB2-BD59-A6C34878D82A}">
+                    <a16:rowId xmlns:a16="http://schemas.microsoft.com/office/drawing/2014/main" val="2253512448"/>
+                  </a:ext>
+                </a:extLst>
+              </a:tr>
+              <a:tr h="601423">
+                <a:tc>
+                  <a:txBody>
+                    <a:bodyPr/>
+                    <a:lstStyle/>
+                    <a:p>
+                      <a:endParaRPr lang="zh-TW" altLang="en-US"/>
+                    </a:p>
+                  </a:txBody>
+                  <a:tcPr/>
+                </a:tc>
+                <a:tc>
+                  <a:txBody>
+                    <a:bodyPr/>
+                    <a:lstStyle/>
+                    <a:p>
+                      <a:endParaRPr lang="zh-TW" altLang="en-US"/>
+                    </a:p>
+                  </a:txBody>
+                  <a:tcPr/>
+                </a:tc>
+                <a:tc>
+                  <a:txBody>
+                    <a:bodyPr/>
+                    <a:lstStyle/>
+                    <a:p>
+                      <a:endParaRPr lang="zh-TW" altLang="en-US"/>
+                    </a:p>
+                  </a:txBody>
+                  <a:tcPr/>
+                </a:tc>
+                <a:tc>
+                  <a:txBody>
+                    <a:bodyPr/>
+                    <a:lstStyle/>
+                    <a:p>
+                      <a:endParaRPr lang="zh-TW" altLang="en-US"/>
+                    </a:p>
+                  </a:txBody>
+                  <a:tcPr/>
+                </a:tc>
+                <a:tc>
+                  <a:txBody>
+                    <a:bodyPr/>
+                    <a:lstStyle/>
+                    <a:p>
+                      <a:endParaRPr lang="zh-TW" altLang="en-US"/>
+                    </a:p>
+                  </a:txBody>
+                  <a:tcPr/>
+                </a:tc>
+                <a:tc>
+                  <a:txBody>
+                    <a:bodyPr/>
+                    <a:lstStyle/>
+                    <a:p>
+                      <a:endParaRPr lang="zh-TW" altLang="en-US"/>
+                    </a:p>
+                  </a:txBody>
+                  <a:tcPr/>
+                </a:tc>
+                <a:tc>
+                  <a:txBody>
+                    <a:bodyPr/>
+                    <a:lstStyle/>
+                    <a:p>
+                      <a:endParaRPr lang="zh-TW" altLang="en-US"/>
+                    </a:p>
+                  </a:txBody>
+                  <a:tcPr/>
+                </a:tc>
+                <a:tc>
+                  <a:txBody>
+                    <a:bodyPr/>
+                    <a:lstStyle/>
+                    <a:p>
+                      <a:endParaRPr lang="zh-TW" altLang="en-US"/>
+                    </a:p>
+                  </a:txBody>
+                  <a:tcPr/>
+                </a:tc>
+                <a:tc>
+                  <a:txBody>
+                    <a:bodyPr/>
+                    <a:lstStyle/>
+                    <a:p>
+                      <a:endParaRPr lang="zh-TW" altLang="en-US"/>
+                    </a:p>
+                  </a:txBody>
+                  <a:tcPr/>
+                </a:tc>
+                <a:tc>
+                  <a:txBody>
+                    <a:bodyPr/>
+                    <a:lstStyle/>
+                    <a:p>
+                      <a:endParaRPr lang="zh-TW" altLang="en-US"/>
+                    </a:p>
+                  </a:txBody>
+                  <a:tcPr/>
+                </a:tc>
+                <a:tc>
+                  <a:txBody>
+                    <a:bodyPr/>
+                    <a:lstStyle/>
+                    <a:p>
+                      <a:endParaRPr lang="zh-TW" altLang="en-US"/>
+                    </a:p>
+                  </a:txBody>
+                  <a:tcPr/>
+                </a:tc>
+                <a:tc>
+                  <a:txBody>
+                    <a:bodyPr/>
+                    <a:lstStyle/>
+                    <a:p>
+                      <a:endParaRPr lang="zh-TW" altLang="en-US"/>
+                    </a:p>
+                  </a:txBody>
+                  <a:tcPr/>
+                </a:tc>
+                <a:tc>
+                  <a:txBody>
+                    <a:bodyPr/>
+                    <a:lstStyle/>
+                    <a:p>
+                      <a:endParaRPr lang="zh-TW" altLang="en-US"/>
+                    </a:p>
+                  </a:txBody>
+                  <a:tcPr/>
+                </a:tc>
+                <a:tc>
+                  <a:txBody>
+                    <a:bodyPr/>
+                    <a:lstStyle/>
+                    <a:p>
+                      <a:endParaRPr lang="zh-TW" altLang="en-US"/>
+                    </a:p>
+                  </a:txBody>
+                  <a:tcPr/>
+                </a:tc>
+                <a:tc>
+                  <a:txBody>
+                    <a:bodyPr/>
+                    <a:lstStyle/>
+                    <a:p>
+                      <a:endParaRPr lang="zh-TW" altLang="en-US"/>
+                    </a:p>
+                  </a:txBody>
+                  <a:tcPr/>
+                </a:tc>
+                <a:tc>
+                  <a:txBody>
+                    <a:bodyPr/>
+                    <a:lstStyle/>
+                    <a:p>
+                      <a:endParaRPr lang="zh-TW" altLang="en-US"/>
+                    </a:p>
+                  </a:txBody>
+                  <a:tcPr/>
+                </a:tc>
+                <a:tc>
+                  <a:txBody>
+                    <a:bodyPr/>
+                    <a:lstStyle/>
+                    <a:p>
+                      <a:endParaRPr lang="zh-TW" altLang="en-US"/>
+                    </a:p>
+                  </a:txBody>
+                  <a:tcPr/>
+                </a:tc>
+                <a:tc>
+                  <a:txBody>
+                    <a:bodyPr/>
+                    <a:lstStyle/>
+                    <a:p>
+                      <a:endParaRPr lang="zh-TW" altLang="en-US"/>
+                    </a:p>
+                  </a:txBody>
+                  <a:tcPr/>
+                </a:tc>
+                <a:tc>
+                  <a:txBody>
+                    <a:bodyPr/>
+                    <a:lstStyle/>
+                    <a:p>
+                      <a:endParaRPr lang="zh-TW" altLang="en-US"/>
+                    </a:p>
+                  </a:txBody>
+                  <a:tcPr/>
+                </a:tc>
+                <a:tc>
+                  <a:txBody>
+                    <a:bodyPr/>
+                    <a:lstStyle/>
+                    <a:p>
+                      <a:endParaRPr lang="zh-TW" altLang="en-US"/>
+                    </a:p>
+                  </a:txBody>
+                  <a:tcPr/>
+                </a:tc>
+                <a:tc>
+                  <a:txBody>
+                    <a:bodyPr/>
+                    <a:lstStyle/>
+                    <a:p>
+                      <a:endParaRPr lang="zh-TW" altLang="en-US"/>
+                    </a:p>
+                  </a:txBody>
+                  <a:tcPr/>
+                </a:tc>
+                <a:tc>
+                  <a:txBody>
+                    <a:bodyPr/>
+                    <a:lstStyle/>
+                    <a:p>
+                      <a:endParaRPr lang="zh-TW" altLang="en-US"/>
+                    </a:p>
+                  </a:txBody>
+                  <a:tcPr/>
+                </a:tc>
+                <a:tc>
+                  <a:txBody>
+                    <a:bodyPr/>
+                    <a:lstStyle/>
+                    <a:p>
+                      <a:endParaRPr lang="zh-TW" altLang="en-US"/>
+                    </a:p>
+                  </a:txBody>
+                  <a:tcPr/>
+                </a:tc>
+                <a:tc>
+                  <a:txBody>
+                    <a:bodyPr/>
+                    <a:lstStyle/>
+                    <a:p>
+                      <a:endParaRPr lang="zh-TW" altLang="en-US"/>
+                    </a:p>
+                  </a:txBody>
+                  <a:tcPr/>
+                </a:tc>
+                <a:tc>
+                  <a:txBody>
+                    <a:bodyPr/>
+                    <a:lstStyle/>
+                    <a:p>
+                      <a:endParaRPr lang="zh-TW" altLang="en-US"/>
+                    </a:p>
+                  </a:txBody>
+                  <a:tcPr/>
+                </a:tc>
+                <a:tc>
+                  <a:txBody>
+                    <a:bodyPr/>
+                    <a:lstStyle/>
+                    <a:p>
+                      <a:endParaRPr lang="zh-TW" altLang="en-US"/>
+                    </a:p>
+                  </a:txBody>
+                  <a:tcPr/>
+                </a:tc>
+                <a:tc>
+                  <a:txBody>
+                    <a:bodyPr/>
+                    <a:lstStyle/>
+                    <a:p>
+                      <a:endParaRPr lang="zh-TW" altLang="en-US"/>
+                    </a:p>
+                  </a:txBody>
+                  <a:tcPr/>
+                </a:tc>
+                <a:tc>
+                  <a:txBody>
+                    <a:bodyPr/>
+                    <a:lstStyle/>
+                    <a:p>
+                      <a:endParaRPr lang="zh-TW" altLang="en-US"/>
+                    </a:p>
+                  </a:txBody>
+                  <a:tcPr/>
+                </a:tc>
+                <a:extLst>
+                  <a:ext uri="{0D108BD9-81ED-4DB2-BD59-A6C34878D82A}">
+                    <a16:rowId xmlns:a16="http://schemas.microsoft.com/office/drawing/2014/main" val="2906271852"/>
+                  </a:ext>
+                </a:extLst>
+              </a:tr>
+              <a:tr h="601423">
+                <a:tc>
+                  <a:txBody>
+                    <a:bodyPr/>
+                    <a:lstStyle/>
+                    <a:p>
+                      <a:endParaRPr lang="zh-TW" altLang="en-US"/>
+                    </a:p>
+                  </a:txBody>
+                  <a:tcPr/>
+                </a:tc>
+                <a:tc>
+                  <a:txBody>
+                    <a:bodyPr/>
+                    <a:lstStyle/>
+                    <a:p>
+                      <a:endParaRPr lang="zh-TW" altLang="en-US"/>
+                    </a:p>
+                  </a:txBody>
+                  <a:tcPr/>
+                </a:tc>
+                <a:tc>
+                  <a:txBody>
+                    <a:bodyPr/>
+                    <a:lstStyle/>
+                    <a:p>
+                      <a:endParaRPr lang="zh-TW" altLang="en-US"/>
+                    </a:p>
+                  </a:txBody>
+                  <a:tcPr/>
+                </a:tc>
+                <a:tc>
+                  <a:txBody>
+                    <a:bodyPr/>
+                    <a:lstStyle/>
+                    <a:p>
+                      <a:endParaRPr lang="zh-TW" altLang="en-US"/>
+                    </a:p>
+                  </a:txBody>
+                  <a:tcPr/>
+                </a:tc>
+                <a:tc>
+                  <a:txBody>
+                    <a:bodyPr/>
+                    <a:lstStyle/>
+                    <a:p>
+                      <a:endParaRPr lang="zh-TW" altLang="en-US"/>
+                    </a:p>
+                  </a:txBody>
+                  <a:tcPr/>
+                </a:tc>
+                <a:tc>
+                  <a:txBody>
+                    <a:bodyPr/>
+                    <a:lstStyle/>
+                    <a:p>
+                      <a:endParaRPr lang="zh-TW" altLang="en-US"/>
+                    </a:p>
+                  </a:txBody>
+                  <a:tcPr/>
+                </a:tc>
+                <a:tc>
+                  <a:txBody>
+                    <a:bodyPr/>
+                    <a:lstStyle/>
+                    <a:p>
+                      <a:endParaRPr lang="zh-TW" altLang="en-US"/>
+                    </a:p>
+                  </a:txBody>
+                  <a:tcPr/>
+                </a:tc>
+                <a:tc>
+                  <a:txBody>
+                    <a:bodyPr/>
+                    <a:lstStyle/>
+                    <a:p>
+                      <a:endParaRPr lang="zh-TW" altLang="en-US"/>
+                    </a:p>
+                  </a:txBody>
+                  <a:tcPr/>
+                </a:tc>
+                <a:tc>
+                  <a:txBody>
+                    <a:bodyPr/>
+                    <a:lstStyle/>
+                    <a:p>
+                      <a:endParaRPr lang="zh-TW" altLang="en-US"/>
+                    </a:p>
+                  </a:txBody>
+                  <a:tcPr/>
+                </a:tc>
+                <a:tc>
+                  <a:txBody>
+                    <a:bodyPr/>
+                    <a:lstStyle/>
+                    <a:p>
+                      <a:endParaRPr lang="zh-TW" altLang="en-US"/>
+                    </a:p>
+                  </a:txBody>
+                  <a:tcPr/>
+                </a:tc>
+                <a:tc>
+                  <a:txBody>
+                    <a:bodyPr/>
+                    <a:lstStyle/>
+                    <a:p>
+                      <a:endParaRPr lang="zh-TW" altLang="en-US"/>
+                    </a:p>
+                  </a:txBody>
+                  <a:tcPr/>
+                </a:tc>
+                <a:tc>
+                  <a:txBody>
+                    <a:bodyPr/>
+                    <a:lstStyle/>
+                    <a:p>
+                      <a:endParaRPr lang="zh-TW" altLang="en-US"/>
+                    </a:p>
+                  </a:txBody>
+                  <a:tcPr/>
+                </a:tc>
+                <a:tc>
+                  <a:txBody>
+                    <a:bodyPr/>
+                    <a:lstStyle/>
+                    <a:p>
+                      <a:endParaRPr lang="zh-TW" altLang="en-US"/>
+                    </a:p>
+                  </a:txBody>
+                  <a:tcPr/>
+                </a:tc>
+                <a:tc>
+                  <a:txBody>
+                    <a:bodyPr/>
+                    <a:lstStyle/>
+                    <a:p>
+                      <a:endParaRPr lang="zh-TW" altLang="en-US"/>
+                    </a:p>
+                  </a:txBody>
+                  <a:tcPr/>
+                </a:tc>
+                <a:tc>
+                  <a:txBody>
+                    <a:bodyPr/>
+                    <a:lstStyle/>
+                    <a:p>
+                      <a:endParaRPr lang="zh-TW" altLang="en-US"/>
+                    </a:p>
+                  </a:txBody>
+                  <a:tcPr/>
+                </a:tc>
+                <a:tc>
+                  <a:txBody>
+                    <a:bodyPr/>
+                    <a:lstStyle/>
+                    <a:p>
+                      <a:endParaRPr lang="zh-TW" altLang="en-US"/>
+                    </a:p>
+                  </a:txBody>
+                  <a:tcPr/>
+                </a:tc>
+                <a:tc>
+                  <a:txBody>
+                    <a:bodyPr/>
+                    <a:lstStyle/>
+                    <a:p>
+                      <a:endParaRPr lang="zh-TW" altLang="en-US"/>
+                    </a:p>
+                  </a:txBody>
+                  <a:tcPr/>
+                </a:tc>
+                <a:tc>
+                  <a:txBody>
+                    <a:bodyPr/>
+                    <a:lstStyle/>
+                    <a:p>
+                      <a:endParaRPr lang="zh-TW" altLang="en-US"/>
+                    </a:p>
+                  </a:txBody>
+                  <a:tcPr/>
+                </a:tc>
+                <a:tc>
+                  <a:txBody>
+                    <a:bodyPr/>
+                    <a:lstStyle/>
+                    <a:p>
+                      <a:endParaRPr lang="zh-TW" altLang="en-US"/>
+                    </a:p>
+                  </a:txBody>
+                  <a:tcPr/>
+                </a:tc>
+                <a:tc>
+                  <a:txBody>
+                    <a:bodyPr/>
+                    <a:lstStyle/>
+                    <a:p>
+                      <a:endParaRPr lang="zh-TW" altLang="en-US"/>
+                    </a:p>
+                  </a:txBody>
+                  <a:tcPr/>
+                </a:tc>
+                <a:tc>
+                  <a:txBody>
+                    <a:bodyPr/>
+                    <a:lstStyle/>
+                    <a:p>
+                      <a:endParaRPr lang="zh-TW" altLang="en-US"/>
+                    </a:p>
+                  </a:txBody>
+                  <a:tcPr/>
+                </a:tc>
+                <a:tc>
+                  <a:txBody>
+                    <a:bodyPr/>
+                    <a:lstStyle/>
+                    <a:p>
+                      <a:endParaRPr lang="zh-TW" altLang="en-US"/>
+                    </a:p>
+                  </a:txBody>
+                  <a:tcPr/>
+                </a:tc>
+                <a:tc>
+                  <a:txBody>
+                    <a:bodyPr/>
+                    <a:lstStyle/>
+                    <a:p>
+                      <a:endParaRPr lang="zh-TW" altLang="en-US"/>
+                    </a:p>
+                  </a:txBody>
+                  <a:tcPr/>
+                </a:tc>
+                <a:tc>
+                  <a:txBody>
+                    <a:bodyPr/>
+                    <a:lstStyle/>
+                    <a:p>
+                      <a:endParaRPr lang="zh-TW" altLang="en-US"/>
+                    </a:p>
+                  </a:txBody>
+                  <a:tcPr/>
+                </a:tc>
+                <a:tc>
+                  <a:txBody>
+                    <a:bodyPr/>
+                    <a:lstStyle/>
+                    <a:p>
+                      <a:endParaRPr lang="zh-TW" altLang="en-US"/>
+                    </a:p>
+                  </a:txBody>
+                  <a:tcPr/>
+                </a:tc>
+                <a:tc>
+                  <a:txBody>
+                    <a:bodyPr/>
+                    <a:lstStyle/>
+                    <a:p>
+                      <a:endParaRPr lang="zh-TW" altLang="en-US"/>
+                    </a:p>
+                  </a:txBody>
+                  <a:tcPr/>
+                </a:tc>
+                <a:tc>
+                  <a:txBody>
+                    <a:bodyPr/>
+                    <a:lstStyle/>
+                    <a:p>
+                      <a:endParaRPr lang="zh-TW" altLang="en-US"/>
+                    </a:p>
+                  </a:txBody>
+                  <a:tcPr/>
+                </a:tc>
+                <a:tc>
+                  <a:txBody>
+                    <a:bodyPr/>
+                    <a:lstStyle/>
+                    <a:p>
+                      <a:endParaRPr lang="zh-TW" altLang="en-US"/>
+                    </a:p>
+                  </a:txBody>
+                  <a:tcPr/>
+                </a:tc>
+                <a:extLst>
+                  <a:ext uri="{0D108BD9-81ED-4DB2-BD59-A6C34878D82A}">
+                    <a16:rowId xmlns:a16="http://schemas.microsoft.com/office/drawing/2014/main" val="980513270"/>
+                  </a:ext>
+                </a:extLst>
+              </a:tr>
+              <a:tr h="601423">
+                <a:tc>
+                  <a:txBody>
+                    <a:bodyPr/>
+                    <a:lstStyle/>
+                    <a:p>
+                      <a:endParaRPr lang="zh-TW" altLang="en-US"/>
+                    </a:p>
+                  </a:txBody>
+                  <a:tcPr/>
+                </a:tc>
+                <a:tc>
+                  <a:txBody>
+                    <a:bodyPr/>
+                    <a:lstStyle/>
+                    <a:p>
+                      <a:endParaRPr lang="zh-TW" altLang="en-US"/>
+                    </a:p>
+                  </a:txBody>
+                  <a:tcPr/>
+                </a:tc>
+                <a:tc>
+                  <a:txBody>
+                    <a:bodyPr/>
+                    <a:lstStyle/>
+                    <a:p>
+                      <a:endParaRPr lang="zh-TW" altLang="en-US"/>
+                    </a:p>
+                  </a:txBody>
+                  <a:tcPr/>
+                </a:tc>
+                <a:tc>
+                  <a:txBody>
+                    <a:bodyPr/>
+                    <a:lstStyle/>
+                    <a:p>
+                      <a:endParaRPr lang="zh-TW" altLang="en-US"/>
+                    </a:p>
+                  </a:txBody>
+                  <a:tcPr/>
+                </a:tc>
+                <a:tc>
+                  <a:txBody>
+                    <a:bodyPr/>
+                    <a:lstStyle/>
+                    <a:p>
+                      <a:endParaRPr lang="zh-TW" altLang="en-US"/>
+                    </a:p>
+                  </a:txBody>
+                  <a:tcPr/>
+                </a:tc>
+                <a:tc>
+                  <a:txBody>
+                    <a:bodyPr/>
+                    <a:lstStyle/>
+                    <a:p>
+                      <a:endParaRPr lang="zh-TW" altLang="en-US"/>
+                    </a:p>
+                  </a:txBody>
+                  <a:tcPr/>
+                </a:tc>
+                <a:tc>
+                  <a:txBody>
+                    <a:bodyPr/>
+                    <a:lstStyle/>
+                    <a:p>
+                      <a:endParaRPr lang="zh-TW" altLang="en-US"/>
+                    </a:p>
+                  </a:txBody>
+                  <a:tcPr/>
+                </a:tc>
+                <a:tc>
+                  <a:txBody>
+                    <a:bodyPr/>
+                    <a:lstStyle/>
+                    <a:p>
+                      <a:endParaRPr lang="zh-TW" altLang="en-US"/>
+                    </a:p>
+                  </a:txBody>
+                  <a:tcPr/>
+                </a:tc>
+                <a:tc>
+                  <a:txBody>
+                    <a:bodyPr/>
+                    <a:lstStyle/>
+                    <a:p>
+                      <a:endParaRPr lang="zh-TW" altLang="en-US"/>
+                    </a:p>
+                  </a:txBody>
+                  <a:tcPr/>
+                </a:tc>
+                <a:tc>
+                  <a:txBody>
+                    <a:bodyPr/>
+                    <a:lstStyle/>
+                    <a:p>
+                      <a:endParaRPr lang="zh-TW" altLang="en-US"/>
+                    </a:p>
+                  </a:txBody>
+                  <a:tcPr/>
+                </a:tc>
+                <a:tc>
+                  <a:txBody>
+                    <a:bodyPr/>
+                    <a:lstStyle/>
+                    <a:p>
+                      <a:endParaRPr lang="zh-TW" altLang="en-US"/>
+                    </a:p>
+                  </a:txBody>
+                  <a:tcPr/>
+                </a:tc>
+                <a:tc>
+                  <a:txBody>
+                    <a:bodyPr/>
+                    <a:lstStyle/>
+                    <a:p>
+                      <a:endParaRPr lang="zh-TW" altLang="en-US"/>
+                    </a:p>
+                  </a:txBody>
+                  <a:tcPr/>
+                </a:tc>
+                <a:tc>
+                  <a:txBody>
+                    <a:bodyPr/>
+                    <a:lstStyle/>
+                    <a:p>
+                      <a:endParaRPr lang="zh-TW" altLang="en-US"/>
+                    </a:p>
+                  </a:txBody>
+                  <a:tcPr/>
+                </a:tc>
+                <a:tc>
+                  <a:txBody>
+                    <a:bodyPr/>
+                    <a:lstStyle/>
+                    <a:p>
+                      <a:endParaRPr lang="zh-TW" altLang="en-US"/>
+                    </a:p>
+                  </a:txBody>
+                  <a:tcPr/>
+                </a:tc>
+                <a:tc>
+                  <a:txBody>
+                    <a:bodyPr/>
+                    <a:lstStyle/>
+                    <a:p>
+                      <a:endParaRPr lang="zh-TW" altLang="en-US"/>
+                    </a:p>
+                  </a:txBody>
+                  <a:tcPr/>
+                </a:tc>
+                <a:tc>
+                  <a:txBody>
+                    <a:bodyPr/>
+                    <a:lstStyle/>
+                    <a:p>
+                      <a:endParaRPr lang="zh-TW" altLang="en-US"/>
+                    </a:p>
+                  </a:txBody>
+                  <a:tcPr/>
+                </a:tc>
+                <a:tc>
+                  <a:txBody>
+                    <a:bodyPr/>
+                    <a:lstStyle/>
+                    <a:p>
+                      <a:endParaRPr lang="zh-TW" altLang="en-US"/>
+                    </a:p>
+                  </a:txBody>
+                  <a:tcPr/>
+                </a:tc>
+                <a:tc>
+                  <a:txBody>
+                    <a:bodyPr/>
+                    <a:lstStyle/>
+                    <a:p>
+                      <a:endParaRPr lang="zh-TW" altLang="en-US"/>
+                    </a:p>
+                  </a:txBody>
+                  <a:tcPr/>
+                </a:tc>
+                <a:tc>
+                  <a:txBody>
+                    <a:bodyPr/>
+                    <a:lstStyle/>
+                    <a:p>
+                      <a:endParaRPr lang="zh-TW" altLang="en-US"/>
+                    </a:p>
+                  </a:txBody>
+                  <a:tcPr/>
+                </a:tc>
+                <a:tc>
+                  <a:txBody>
+                    <a:bodyPr/>
+                    <a:lstStyle/>
+                    <a:p>
+                      <a:endParaRPr lang="zh-TW" altLang="en-US"/>
+                    </a:p>
+                  </a:txBody>
+                  <a:tcPr/>
+                </a:tc>
+                <a:tc>
+                  <a:txBody>
+                    <a:bodyPr/>
+                    <a:lstStyle/>
+                    <a:p>
+                      <a:endParaRPr lang="zh-TW" altLang="en-US"/>
+                    </a:p>
+                  </a:txBody>
+                  <a:tcPr/>
+                </a:tc>
+                <a:tc>
+                  <a:txBody>
+                    <a:bodyPr/>
+                    <a:lstStyle/>
+                    <a:p>
+                      <a:endParaRPr lang="zh-TW" altLang="en-US"/>
+                    </a:p>
+                  </a:txBody>
+                  <a:tcPr/>
+                </a:tc>
+                <a:tc>
+                  <a:txBody>
+                    <a:bodyPr/>
+                    <a:lstStyle/>
+                    <a:p>
+                      <a:endParaRPr lang="zh-TW" altLang="en-US"/>
+                    </a:p>
+                  </a:txBody>
+                  <a:tcPr/>
+                </a:tc>
+                <a:tc>
+                  <a:txBody>
+                    <a:bodyPr/>
+                    <a:lstStyle/>
+                    <a:p>
+                      <a:endParaRPr lang="zh-TW" altLang="en-US"/>
+                    </a:p>
+                  </a:txBody>
+                  <a:tcPr/>
+                </a:tc>
+                <a:tc>
+                  <a:txBody>
+                    <a:bodyPr/>
+                    <a:lstStyle/>
+                    <a:p>
+                      <a:endParaRPr lang="zh-TW" altLang="en-US"/>
+                    </a:p>
+                  </a:txBody>
+                  <a:tcPr/>
+                </a:tc>
+                <a:tc>
+                  <a:txBody>
+                    <a:bodyPr/>
+                    <a:lstStyle/>
+                    <a:p>
+                      <a:endParaRPr lang="zh-TW" altLang="en-US"/>
+                    </a:p>
+                  </a:txBody>
+                  <a:tcPr/>
+                </a:tc>
+                <a:tc>
+                  <a:txBody>
+                    <a:bodyPr/>
+                    <a:lstStyle/>
+                    <a:p>
+                      <a:endParaRPr lang="zh-TW" altLang="en-US"/>
+                    </a:p>
+                  </a:txBody>
+                  <a:tcPr/>
+                </a:tc>
+                <a:tc>
+                  <a:txBody>
+                    <a:bodyPr/>
+                    <a:lstStyle/>
+                    <a:p>
+                      <a:endParaRPr lang="zh-TW" altLang="en-US"/>
+                    </a:p>
+                  </a:txBody>
+                  <a:tcPr/>
+                </a:tc>
+                <a:extLst>
+                  <a:ext uri="{0D108BD9-81ED-4DB2-BD59-A6C34878D82A}">
+                    <a16:rowId xmlns:a16="http://schemas.microsoft.com/office/drawing/2014/main" val="4260149122"/>
+                  </a:ext>
+                </a:extLst>
+              </a:tr>
+              <a:tr h="601423">
+                <a:tc>
+                  <a:txBody>
+                    <a:bodyPr/>
+                    <a:lstStyle/>
+                    <a:p>
+                      <a:endParaRPr lang="zh-TW" altLang="en-US"/>
+                    </a:p>
+                  </a:txBody>
+                  <a:tcPr/>
+                </a:tc>
+                <a:tc>
+                  <a:txBody>
+                    <a:bodyPr/>
+                    <a:lstStyle/>
+                    <a:p>
+                      <a:endParaRPr lang="zh-TW" altLang="en-US"/>
+                    </a:p>
+                  </a:txBody>
+                  <a:tcPr/>
+                </a:tc>
+                <a:tc>
+                  <a:txBody>
+                    <a:bodyPr/>
+                    <a:lstStyle/>
+                    <a:p>
+                      <a:endParaRPr lang="zh-TW" altLang="en-US"/>
+                    </a:p>
+                  </a:txBody>
+                  <a:tcPr/>
+                </a:tc>
+                <a:tc>
+                  <a:txBody>
+                    <a:bodyPr/>
+                    <a:lstStyle/>
+                    <a:p>
+                      <a:endParaRPr lang="zh-TW" altLang="en-US"/>
+                    </a:p>
+                  </a:txBody>
+                  <a:tcPr/>
+                </a:tc>
+                <a:tc>
+                  <a:txBody>
+                    <a:bodyPr/>
+                    <a:lstStyle/>
+                    <a:p>
+                      <a:endParaRPr lang="zh-TW" altLang="en-US"/>
+                    </a:p>
+                  </a:txBody>
+                  <a:tcPr/>
+                </a:tc>
+                <a:tc>
+                  <a:txBody>
+                    <a:bodyPr/>
+                    <a:lstStyle/>
+                    <a:p>
+                      <a:endParaRPr lang="zh-TW" altLang="en-US"/>
+                    </a:p>
+                  </a:txBody>
+                  <a:tcPr/>
+                </a:tc>
+                <a:tc>
+                  <a:txBody>
+                    <a:bodyPr/>
+                    <a:lstStyle/>
+                    <a:p>
+                      <a:endParaRPr lang="zh-TW" altLang="en-US"/>
+                    </a:p>
+                  </a:txBody>
+                  <a:tcPr/>
+                </a:tc>
+                <a:tc>
+                  <a:txBody>
+                    <a:bodyPr/>
+                    <a:lstStyle/>
+                    <a:p>
+                      <a:endParaRPr lang="zh-TW" altLang="en-US"/>
+                    </a:p>
+                  </a:txBody>
+                  <a:tcPr/>
+                </a:tc>
+                <a:tc>
+                  <a:txBody>
+                    <a:bodyPr/>
+                    <a:lstStyle/>
+                    <a:p>
+                      <a:endParaRPr lang="zh-TW" altLang="en-US"/>
+                    </a:p>
+                  </a:txBody>
+                  <a:tcPr/>
+                </a:tc>
+                <a:tc>
+                  <a:txBody>
+                    <a:bodyPr/>
+                    <a:lstStyle/>
+                    <a:p>
+                      <a:endParaRPr lang="zh-TW" altLang="en-US"/>
+                    </a:p>
+                  </a:txBody>
+                  <a:tcPr/>
+                </a:tc>
+                <a:tc>
+                  <a:txBody>
+                    <a:bodyPr/>
+                    <a:lstStyle/>
+                    <a:p>
+                      <a:endParaRPr lang="zh-TW" altLang="en-US"/>
+                    </a:p>
+                  </a:txBody>
+                  <a:tcPr/>
+                </a:tc>
+                <a:tc>
+                  <a:txBody>
+                    <a:bodyPr/>
+                    <a:lstStyle/>
+                    <a:p>
+                      <a:endParaRPr lang="zh-TW" altLang="en-US"/>
+                    </a:p>
+                  </a:txBody>
+                  <a:tcPr/>
+                </a:tc>
+                <a:tc>
+                  <a:txBody>
+                    <a:bodyPr/>
+                    <a:lstStyle/>
+                    <a:p>
+                      <a:endParaRPr lang="zh-TW" altLang="en-US"/>
+                    </a:p>
+                  </a:txBody>
+                  <a:tcPr/>
+                </a:tc>
+                <a:tc>
+                  <a:txBody>
+                    <a:bodyPr/>
+                    <a:lstStyle/>
+                    <a:p>
+                      <a:endParaRPr lang="zh-TW" altLang="en-US"/>
+                    </a:p>
+                  </a:txBody>
+                  <a:tcPr/>
+                </a:tc>
+                <a:tc>
+                  <a:txBody>
+                    <a:bodyPr/>
+                    <a:lstStyle/>
+                    <a:p>
+                      <a:endParaRPr lang="zh-TW" altLang="en-US"/>
+                    </a:p>
+                  </a:txBody>
+                  <a:tcPr/>
+                </a:tc>
+                <a:tc>
+                  <a:txBody>
+                    <a:bodyPr/>
+                    <a:lstStyle/>
+                    <a:p>
+                      <a:endParaRPr lang="zh-TW" altLang="en-US"/>
+                    </a:p>
+                  </a:txBody>
+                  <a:tcPr/>
+                </a:tc>
+                <a:tc>
+                  <a:txBody>
+                    <a:bodyPr/>
+                    <a:lstStyle/>
+                    <a:p>
+                      <a:endParaRPr lang="zh-TW" altLang="en-US"/>
+                    </a:p>
+                  </a:txBody>
+                  <a:tcPr/>
+                </a:tc>
+                <a:tc>
+                  <a:txBody>
+                    <a:bodyPr/>
+                    <a:lstStyle/>
+                    <a:p>
+                      <a:endParaRPr lang="zh-TW" altLang="en-US"/>
+                    </a:p>
+                  </a:txBody>
+                  <a:tcPr/>
+                </a:tc>
+                <a:tc>
+                  <a:txBody>
+                    <a:bodyPr/>
+                    <a:lstStyle/>
+                    <a:p>
+                      <a:endParaRPr lang="zh-TW" altLang="en-US"/>
+                    </a:p>
+                  </a:txBody>
+                  <a:tcPr/>
+                </a:tc>
+                <a:tc>
+                  <a:txBody>
+                    <a:bodyPr/>
+                    <a:lstStyle/>
+                    <a:p>
+                      <a:endParaRPr lang="zh-TW" altLang="en-US"/>
+                    </a:p>
+                  </a:txBody>
+                  <a:tcPr/>
+                </a:tc>
+                <a:tc>
+                  <a:txBody>
+                    <a:bodyPr/>
+                    <a:lstStyle/>
+                    <a:p>
+                      <a:endParaRPr lang="zh-TW" altLang="en-US"/>
+                    </a:p>
+                  </a:txBody>
+                  <a:tcPr/>
+                </a:tc>
+                <a:tc>
+                  <a:txBody>
+                    <a:bodyPr/>
+                    <a:lstStyle/>
+                    <a:p>
+                      <a:endParaRPr lang="zh-TW" altLang="en-US"/>
+                    </a:p>
+                  </a:txBody>
+                  <a:tcPr/>
+                </a:tc>
+                <a:tc>
+                  <a:txBody>
+                    <a:bodyPr/>
+                    <a:lstStyle/>
+                    <a:p>
+                      <a:endParaRPr lang="zh-TW" altLang="en-US"/>
+                    </a:p>
+                  </a:txBody>
+                  <a:tcPr/>
+                </a:tc>
+                <a:tc>
+                  <a:txBody>
+                    <a:bodyPr/>
+                    <a:lstStyle/>
+                    <a:p>
+                      <a:endParaRPr lang="zh-TW" altLang="en-US"/>
+                    </a:p>
+                  </a:txBody>
+                  <a:tcPr/>
+                </a:tc>
+                <a:tc>
+                  <a:txBody>
+                    <a:bodyPr/>
+                    <a:lstStyle/>
+                    <a:p>
+                      <a:endParaRPr lang="zh-TW" altLang="en-US"/>
+                    </a:p>
+                  </a:txBody>
+                  <a:tcPr/>
+                </a:tc>
+                <a:tc>
+                  <a:txBody>
+                    <a:bodyPr/>
+                    <a:lstStyle/>
+                    <a:p>
+                      <a:endParaRPr lang="zh-TW" altLang="en-US"/>
+                    </a:p>
+                  </a:txBody>
+                  <a:tcPr/>
+                </a:tc>
+                <a:tc>
+                  <a:txBody>
+                    <a:bodyPr/>
+                    <a:lstStyle/>
+                    <a:p>
+                      <a:endParaRPr lang="zh-TW" altLang="en-US"/>
+                    </a:p>
+                  </a:txBody>
+                  <a:tcPr/>
+                </a:tc>
+                <a:tc>
+                  <a:txBody>
+                    <a:bodyPr/>
+                    <a:lstStyle/>
+                    <a:p>
+                      <a:endParaRPr lang="zh-TW" altLang="en-US"/>
+                    </a:p>
+                  </a:txBody>
+                  <a:tcPr/>
+                </a:tc>
+                <a:extLst>
+                  <a:ext uri="{0D108BD9-81ED-4DB2-BD59-A6C34878D82A}">
+                    <a16:rowId xmlns:a16="http://schemas.microsoft.com/office/drawing/2014/main" val="2087824753"/>
+                  </a:ext>
+                </a:extLst>
+              </a:tr>
+              <a:tr h="601423">
+                <a:tc>
+                  <a:txBody>
+                    <a:bodyPr/>
+                    <a:lstStyle/>
+                    <a:p>
+                      <a:endParaRPr lang="zh-TW" altLang="en-US"/>
+                    </a:p>
+                  </a:txBody>
+                  <a:tcPr/>
+                </a:tc>
+                <a:tc>
+                  <a:txBody>
+                    <a:bodyPr/>
+                    <a:lstStyle/>
+                    <a:p>
+                      <a:endParaRPr lang="zh-TW" altLang="en-US"/>
+                    </a:p>
+                  </a:txBody>
+                  <a:tcPr/>
+                </a:tc>
+                <a:tc>
+                  <a:txBody>
+                    <a:bodyPr/>
+                    <a:lstStyle/>
+                    <a:p>
+                      <a:endParaRPr lang="zh-TW" altLang="en-US"/>
+                    </a:p>
+                  </a:txBody>
+                  <a:tcPr/>
+                </a:tc>
+                <a:tc>
+                  <a:txBody>
+                    <a:bodyPr/>
+                    <a:lstStyle/>
+                    <a:p>
+                      <a:endParaRPr lang="zh-TW" altLang="en-US"/>
+                    </a:p>
+                  </a:txBody>
+                  <a:tcPr/>
+                </a:tc>
+                <a:tc>
+                  <a:txBody>
+                    <a:bodyPr/>
+                    <a:lstStyle/>
+                    <a:p>
+                      <a:endParaRPr lang="zh-TW" altLang="en-US"/>
+                    </a:p>
+                  </a:txBody>
+                  <a:tcPr/>
+                </a:tc>
+                <a:tc>
+                  <a:txBody>
+                    <a:bodyPr/>
+                    <a:lstStyle/>
+                    <a:p>
+                      <a:endParaRPr lang="zh-TW" altLang="en-US"/>
+                    </a:p>
+                  </a:txBody>
+                  <a:tcPr/>
+                </a:tc>
+                <a:tc>
+                  <a:txBody>
+                    <a:bodyPr/>
+                    <a:lstStyle/>
+                    <a:p>
+                      <a:endParaRPr lang="zh-TW" altLang="en-US"/>
+                    </a:p>
+                  </a:txBody>
+                  <a:tcPr/>
+                </a:tc>
+                <a:tc>
+                  <a:txBody>
+                    <a:bodyPr/>
+                    <a:lstStyle/>
+                    <a:p>
+                      <a:endParaRPr lang="zh-TW" altLang="en-US"/>
+                    </a:p>
+                  </a:txBody>
+                  <a:tcPr/>
+                </a:tc>
+                <a:tc>
+                  <a:txBody>
+                    <a:bodyPr/>
+                    <a:lstStyle/>
+                    <a:p>
+                      <a:endParaRPr lang="zh-TW" altLang="en-US"/>
+                    </a:p>
+                  </a:txBody>
+                  <a:tcPr/>
+                </a:tc>
+                <a:tc>
+                  <a:txBody>
+                    <a:bodyPr/>
+                    <a:lstStyle/>
+                    <a:p>
+                      <a:endParaRPr lang="zh-TW" altLang="en-US"/>
+                    </a:p>
+                  </a:txBody>
+                  <a:tcPr/>
+                </a:tc>
+                <a:tc>
+                  <a:txBody>
+                    <a:bodyPr/>
+                    <a:lstStyle/>
+                    <a:p>
+                      <a:endParaRPr lang="zh-TW" altLang="en-US"/>
+                    </a:p>
+                  </a:txBody>
+                  <a:tcPr/>
+                </a:tc>
+                <a:tc>
+                  <a:txBody>
+                    <a:bodyPr/>
+                    <a:lstStyle/>
+                    <a:p>
+                      <a:endParaRPr lang="zh-TW" altLang="en-US"/>
+                    </a:p>
+                  </a:txBody>
+                  <a:tcPr/>
+                </a:tc>
+                <a:tc>
+                  <a:txBody>
+                    <a:bodyPr/>
+                    <a:lstStyle/>
+                    <a:p>
+                      <a:endParaRPr lang="zh-TW" altLang="en-US"/>
+                    </a:p>
+                  </a:txBody>
+                  <a:tcPr/>
+                </a:tc>
+                <a:tc>
+                  <a:txBody>
+                    <a:bodyPr/>
+                    <a:lstStyle/>
+                    <a:p>
+                      <a:endParaRPr lang="zh-TW" altLang="en-US"/>
+                    </a:p>
+                  </a:txBody>
+                  <a:tcPr/>
+                </a:tc>
+                <a:tc>
+                  <a:txBody>
+                    <a:bodyPr/>
+                    <a:lstStyle/>
+                    <a:p>
+                      <a:endParaRPr lang="zh-TW" altLang="en-US"/>
+                    </a:p>
+                  </a:txBody>
+                  <a:tcPr/>
+                </a:tc>
+                <a:tc>
+                  <a:txBody>
+                    <a:bodyPr/>
+                    <a:lstStyle/>
+                    <a:p>
+                      <a:endParaRPr lang="zh-TW" altLang="en-US"/>
+                    </a:p>
+                  </a:txBody>
+                  <a:tcPr/>
+                </a:tc>
+                <a:tc>
+                  <a:txBody>
+                    <a:bodyPr/>
+                    <a:lstStyle/>
+                    <a:p>
+                      <a:endParaRPr lang="zh-TW" altLang="en-US"/>
+                    </a:p>
+                  </a:txBody>
+                  <a:tcPr/>
+                </a:tc>
+                <a:tc>
+                  <a:txBody>
+                    <a:bodyPr/>
+                    <a:lstStyle/>
+                    <a:p>
+                      <a:endParaRPr lang="zh-TW" altLang="en-US"/>
+                    </a:p>
+                  </a:txBody>
+                  <a:tcPr/>
+                </a:tc>
+                <a:tc>
+                  <a:txBody>
+                    <a:bodyPr/>
+                    <a:lstStyle/>
+                    <a:p>
+                      <a:endParaRPr lang="zh-TW" altLang="en-US"/>
+                    </a:p>
+                  </a:txBody>
+                  <a:tcPr/>
+                </a:tc>
+                <a:tc>
+                  <a:txBody>
+                    <a:bodyPr/>
+                    <a:lstStyle/>
+                    <a:p>
+                      <a:endParaRPr lang="zh-TW" altLang="en-US"/>
+                    </a:p>
+                  </a:txBody>
+                  <a:tcPr/>
+                </a:tc>
+                <a:tc>
+                  <a:txBody>
+                    <a:bodyPr/>
+                    <a:lstStyle/>
+                    <a:p>
+                      <a:endParaRPr lang="zh-TW" altLang="en-US"/>
+                    </a:p>
+                  </a:txBody>
+                  <a:tcPr/>
+                </a:tc>
+                <a:tc>
+                  <a:txBody>
+                    <a:bodyPr/>
+                    <a:lstStyle/>
+                    <a:p>
+                      <a:endParaRPr lang="zh-TW" altLang="en-US"/>
+                    </a:p>
+                  </a:txBody>
+                  <a:tcPr/>
+                </a:tc>
+                <a:tc>
+                  <a:txBody>
+                    <a:bodyPr/>
+                    <a:lstStyle/>
+                    <a:p>
+                      <a:endParaRPr lang="zh-TW" altLang="en-US"/>
+                    </a:p>
+                  </a:txBody>
+                  <a:tcPr/>
+                </a:tc>
+                <a:tc>
+                  <a:txBody>
+                    <a:bodyPr/>
+                    <a:lstStyle/>
+                    <a:p>
+                      <a:endParaRPr lang="zh-TW" altLang="en-US"/>
+                    </a:p>
+                  </a:txBody>
+                  <a:tcPr/>
+                </a:tc>
+                <a:tc>
+                  <a:txBody>
+                    <a:bodyPr/>
+                    <a:lstStyle/>
+                    <a:p>
+                      <a:endParaRPr lang="zh-TW" altLang="en-US"/>
+                    </a:p>
+                  </a:txBody>
+                  <a:tcPr/>
+                </a:tc>
+                <a:tc>
+                  <a:txBody>
+                    <a:bodyPr/>
+                    <a:lstStyle/>
+                    <a:p>
+                      <a:endParaRPr lang="zh-TW" altLang="en-US"/>
+                    </a:p>
+                  </a:txBody>
+                  <a:tcPr/>
+                </a:tc>
+                <a:tc>
+                  <a:txBody>
+                    <a:bodyPr/>
+                    <a:lstStyle/>
+                    <a:p>
+                      <a:endParaRPr lang="zh-TW" altLang="en-US"/>
+                    </a:p>
+                  </a:txBody>
+                  <a:tcPr/>
+                </a:tc>
+                <a:tc>
+                  <a:txBody>
+                    <a:bodyPr/>
+                    <a:lstStyle/>
+                    <a:p>
+                      <a:endParaRPr lang="zh-TW" altLang="en-US"/>
+                    </a:p>
+                  </a:txBody>
+                  <a:tcPr/>
+                </a:tc>
+                <a:extLst>
+                  <a:ext uri="{0D108BD9-81ED-4DB2-BD59-A6C34878D82A}">
+                    <a16:rowId xmlns:a16="http://schemas.microsoft.com/office/drawing/2014/main" val="2182881507"/>
+                  </a:ext>
+                </a:extLst>
+              </a:tr>
+              <a:tr h="601423">
+                <a:tc>
+                  <a:txBody>
+                    <a:bodyPr/>
+                    <a:lstStyle/>
+                    <a:p>
+                      <a:endParaRPr lang="zh-TW" altLang="en-US"/>
+                    </a:p>
+                  </a:txBody>
+                  <a:tcPr/>
+                </a:tc>
+                <a:tc>
+                  <a:txBody>
+                    <a:bodyPr/>
+                    <a:lstStyle/>
+                    <a:p>
+                      <a:endParaRPr lang="zh-TW" altLang="en-US"/>
+                    </a:p>
+                  </a:txBody>
+                  <a:tcPr/>
+                </a:tc>
+                <a:tc>
+                  <a:txBody>
+                    <a:bodyPr/>
+                    <a:lstStyle/>
+                    <a:p>
+                      <a:endParaRPr lang="zh-TW" altLang="en-US"/>
+                    </a:p>
+                  </a:txBody>
+                  <a:tcPr/>
+                </a:tc>
+                <a:tc>
+                  <a:txBody>
+                    <a:bodyPr/>
+                    <a:lstStyle/>
+                    <a:p>
+                      <a:endParaRPr lang="zh-TW" altLang="en-US"/>
+                    </a:p>
+                  </a:txBody>
+                  <a:tcPr/>
+                </a:tc>
+                <a:tc>
+                  <a:txBody>
+                    <a:bodyPr/>
+                    <a:lstStyle/>
+                    <a:p>
+                      <a:endParaRPr lang="zh-TW" altLang="en-US"/>
+                    </a:p>
+                  </a:txBody>
+                  <a:tcPr/>
+                </a:tc>
+                <a:tc>
+                  <a:txBody>
+                    <a:bodyPr/>
+                    <a:lstStyle/>
+                    <a:p>
+                      <a:endParaRPr lang="zh-TW" altLang="en-US"/>
+                    </a:p>
+                  </a:txBody>
+                  <a:tcPr/>
+                </a:tc>
+                <a:tc>
+                  <a:txBody>
+                    <a:bodyPr/>
+                    <a:lstStyle/>
+                    <a:p>
+                      <a:endParaRPr lang="zh-TW" altLang="en-US"/>
+                    </a:p>
+                  </a:txBody>
+                  <a:tcPr/>
+                </a:tc>
+                <a:tc>
+                  <a:txBody>
+                    <a:bodyPr/>
+                    <a:lstStyle/>
+                    <a:p>
+                      <a:endParaRPr lang="zh-TW" altLang="en-US"/>
+                    </a:p>
+                  </a:txBody>
+                  <a:tcPr/>
+                </a:tc>
+                <a:tc>
+                  <a:txBody>
+                    <a:bodyPr/>
+                    <a:lstStyle/>
+                    <a:p>
+                      <a:endParaRPr lang="zh-TW" altLang="en-US"/>
+                    </a:p>
+                  </a:txBody>
+                  <a:tcPr/>
+                </a:tc>
+                <a:tc>
+                  <a:txBody>
+                    <a:bodyPr/>
+                    <a:lstStyle/>
+                    <a:p>
+                      <a:endParaRPr lang="zh-TW" altLang="en-US"/>
+                    </a:p>
+                  </a:txBody>
+                  <a:tcPr/>
+                </a:tc>
+                <a:tc>
+                  <a:txBody>
+                    <a:bodyPr/>
+                    <a:lstStyle/>
+                    <a:p>
+                      <a:endParaRPr lang="zh-TW" altLang="en-US"/>
+                    </a:p>
+                  </a:txBody>
+                  <a:tcPr/>
+                </a:tc>
+                <a:tc>
+                  <a:txBody>
+                    <a:bodyPr/>
+                    <a:lstStyle/>
+                    <a:p>
+                      <a:endParaRPr lang="zh-TW" altLang="en-US"/>
+                    </a:p>
+                  </a:txBody>
+                  <a:tcPr/>
+                </a:tc>
+                <a:tc>
+                  <a:txBody>
+                    <a:bodyPr/>
+                    <a:lstStyle/>
+                    <a:p>
+                      <a:endParaRPr lang="zh-TW" altLang="en-US"/>
+                    </a:p>
+                  </a:txBody>
+                  <a:tcPr/>
+                </a:tc>
+                <a:tc>
+                  <a:txBody>
+                    <a:bodyPr/>
+                    <a:lstStyle/>
+                    <a:p>
+                      <a:endParaRPr lang="zh-TW" altLang="en-US"/>
+                    </a:p>
+                  </a:txBody>
+                  <a:tcPr/>
+                </a:tc>
+                <a:tc>
+                  <a:txBody>
+                    <a:bodyPr/>
+                    <a:lstStyle/>
+                    <a:p>
+                      <a:endParaRPr lang="zh-TW" altLang="en-US"/>
+                    </a:p>
+                  </a:txBody>
+                  <a:tcPr/>
+                </a:tc>
+                <a:tc>
+                  <a:txBody>
+                    <a:bodyPr/>
+                    <a:lstStyle/>
+                    <a:p>
+                      <a:endParaRPr lang="zh-TW" altLang="en-US"/>
+                    </a:p>
+                  </a:txBody>
+                  <a:tcPr/>
+                </a:tc>
+                <a:tc>
+                  <a:txBody>
+                    <a:bodyPr/>
+                    <a:lstStyle/>
+                    <a:p>
+                      <a:endParaRPr lang="zh-TW" altLang="en-US"/>
+                    </a:p>
+                  </a:txBody>
+                  <a:tcPr/>
+                </a:tc>
+                <a:tc>
+                  <a:txBody>
+                    <a:bodyPr/>
+                    <a:lstStyle/>
+                    <a:p>
+                      <a:endParaRPr lang="zh-TW" altLang="en-US"/>
+                    </a:p>
+                  </a:txBody>
+                  <a:tcPr/>
+                </a:tc>
+                <a:tc>
+                  <a:txBody>
+                    <a:bodyPr/>
+                    <a:lstStyle/>
+                    <a:p>
+                      <a:endParaRPr lang="zh-TW" altLang="en-US"/>
+                    </a:p>
+                  </a:txBody>
+                  <a:tcPr/>
+                </a:tc>
+                <a:tc>
+                  <a:txBody>
+                    <a:bodyPr/>
+                    <a:lstStyle/>
+                    <a:p>
+                      <a:endParaRPr lang="zh-TW" altLang="en-US"/>
+                    </a:p>
+                  </a:txBody>
+                  <a:tcPr/>
+                </a:tc>
+                <a:tc>
+                  <a:txBody>
+                    <a:bodyPr/>
+                    <a:lstStyle/>
+                    <a:p>
+                      <a:endParaRPr lang="zh-TW" altLang="en-US"/>
+                    </a:p>
+                  </a:txBody>
+                  <a:tcPr/>
+                </a:tc>
+                <a:tc>
+                  <a:txBody>
+                    <a:bodyPr/>
+                    <a:lstStyle/>
+                    <a:p>
+                      <a:endParaRPr lang="zh-TW" altLang="en-US"/>
+                    </a:p>
+                  </a:txBody>
+                  <a:tcPr/>
+                </a:tc>
+                <a:tc>
+                  <a:txBody>
+                    <a:bodyPr/>
+                    <a:lstStyle/>
+                    <a:p>
+                      <a:endParaRPr lang="zh-TW" altLang="en-US"/>
+                    </a:p>
+                  </a:txBody>
+                  <a:tcPr/>
+                </a:tc>
+                <a:tc>
+                  <a:txBody>
+                    <a:bodyPr/>
+                    <a:lstStyle/>
+                    <a:p>
+                      <a:endParaRPr lang="zh-TW" altLang="en-US"/>
+                    </a:p>
+                  </a:txBody>
+                  <a:tcPr/>
+                </a:tc>
+                <a:tc>
+                  <a:txBody>
+                    <a:bodyPr/>
+                    <a:lstStyle/>
+                    <a:p>
+                      <a:endParaRPr lang="zh-TW" altLang="en-US"/>
+                    </a:p>
+                  </a:txBody>
+                  <a:tcPr/>
+                </a:tc>
+                <a:tc>
+                  <a:txBody>
+                    <a:bodyPr/>
+                    <a:lstStyle/>
+                    <a:p>
+                      <a:endParaRPr lang="zh-TW" altLang="en-US"/>
+                    </a:p>
+                  </a:txBody>
+                  <a:tcPr/>
+                </a:tc>
+                <a:tc>
+                  <a:txBody>
+                    <a:bodyPr/>
+                    <a:lstStyle/>
+                    <a:p>
+                      <a:endParaRPr lang="zh-TW" altLang="en-US"/>
+                    </a:p>
+                  </a:txBody>
+                  <a:tcPr/>
+                </a:tc>
+                <a:tc>
+                  <a:txBody>
+                    <a:bodyPr/>
+                    <a:lstStyle/>
+                    <a:p>
+                      <a:endParaRPr lang="zh-TW" altLang="en-US"/>
+                    </a:p>
+                  </a:txBody>
+                  <a:tcPr/>
+                </a:tc>
+                <a:extLst>
+                  <a:ext uri="{0D108BD9-81ED-4DB2-BD59-A6C34878D82A}">
+                    <a16:rowId xmlns:a16="http://schemas.microsoft.com/office/drawing/2014/main" val="3057573734"/>
+                  </a:ext>
+                </a:extLst>
+              </a:tr>
+              <a:tr h="601423">
+                <a:tc>
+                  <a:txBody>
+                    <a:bodyPr/>
+                    <a:lstStyle/>
+                    <a:p>
+                      <a:endParaRPr lang="zh-TW" altLang="en-US"/>
+                    </a:p>
+                  </a:txBody>
+                  <a:tcPr/>
+                </a:tc>
+                <a:tc>
+                  <a:txBody>
+                    <a:bodyPr/>
+                    <a:lstStyle/>
+                    <a:p>
+                      <a:endParaRPr lang="zh-TW" altLang="en-US"/>
+                    </a:p>
+                  </a:txBody>
+                  <a:tcPr/>
+                </a:tc>
+                <a:tc>
+                  <a:txBody>
+                    <a:bodyPr/>
+                    <a:lstStyle/>
+                    <a:p>
+                      <a:endParaRPr lang="zh-TW" altLang="en-US"/>
+                    </a:p>
+                  </a:txBody>
+                  <a:tcPr/>
+                </a:tc>
+                <a:tc>
+                  <a:txBody>
+                    <a:bodyPr/>
+                    <a:lstStyle/>
+                    <a:p>
+                      <a:endParaRPr lang="zh-TW" altLang="en-US"/>
+                    </a:p>
+                  </a:txBody>
+                  <a:tcPr/>
+                </a:tc>
+                <a:tc>
+                  <a:txBody>
+                    <a:bodyPr/>
+                    <a:lstStyle/>
+                    <a:p>
+                      <a:endParaRPr lang="zh-TW" altLang="en-US"/>
+                    </a:p>
+                  </a:txBody>
+                  <a:tcPr/>
+                </a:tc>
+                <a:tc>
+                  <a:txBody>
+                    <a:bodyPr/>
+                    <a:lstStyle/>
+                    <a:p>
+                      <a:endParaRPr lang="zh-TW" altLang="en-US"/>
+                    </a:p>
+                  </a:txBody>
+                  <a:tcPr/>
+                </a:tc>
+                <a:tc>
+                  <a:txBody>
+                    <a:bodyPr/>
+                    <a:lstStyle/>
+                    <a:p>
+                      <a:endParaRPr lang="zh-TW" altLang="en-US"/>
+                    </a:p>
+                  </a:txBody>
+                  <a:tcPr/>
+                </a:tc>
+                <a:tc>
+                  <a:txBody>
+                    <a:bodyPr/>
+                    <a:lstStyle/>
+                    <a:p>
+                      <a:endParaRPr lang="zh-TW" altLang="en-US"/>
+                    </a:p>
+                  </a:txBody>
+                  <a:tcPr/>
+                </a:tc>
+                <a:tc>
+                  <a:txBody>
+                    <a:bodyPr/>
+                    <a:lstStyle/>
+                    <a:p>
+                      <a:endParaRPr lang="zh-TW" altLang="en-US"/>
+                    </a:p>
+                  </a:txBody>
+                  <a:tcPr/>
+                </a:tc>
+                <a:tc>
+                  <a:txBody>
+                    <a:bodyPr/>
+                    <a:lstStyle/>
+                    <a:p>
+                      <a:endParaRPr lang="zh-TW" altLang="en-US"/>
+                    </a:p>
+                  </a:txBody>
+                  <a:tcPr/>
+                </a:tc>
+                <a:tc>
+                  <a:txBody>
+                    <a:bodyPr/>
+                    <a:lstStyle/>
+                    <a:p>
+                      <a:endParaRPr lang="zh-TW" altLang="en-US"/>
+                    </a:p>
+                  </a:txBody>
+                  <a:tcPr/>
+                </a:tc>
+                <a:tc>
+                  <a:txBody>
+                    <a:bodyPr/>
+                    <a:lstStyle/>
+                    <a:p>
+                      <a:endParaRPr lang="zh-TW" altLang="en-US"/>
+                    </a:p>
+                  </a:txBody>
+                  <a:tcPr/>
+                </a:tc>
+                <a:tc>
+                  <a:txBody>
+                    <a:bodyPr/>
+                    <a:lstStyle/>
+                    <a:p>
+                      <a:endParaRPr lang="zh-TW" altLang="en-US"/>
+                    </a:p>
+                  </a:txBody>
+                  <a:tcPr/>
+                </a:tc>
+                <a:tc>
+                  <a:txBody>
+                    <a:bodyPr/>
+                    <a:lstStyle/>
+                    <a:p>
+                      <a:endParaRPr lang="zh-TW" altLang="en-US"/>
+                    </a:p>
+                  </a:txBody>
+                  <a:tcPr/>
+                </a:tc>
+                <a:tc>
+                  <a:txBody>
+                    <a:bodyPr/>
+                    <a:lstStyle/>
+                    <a:p>
+                      <a:endParaRPr lang="zh-TW" altLang="en-US"/>
+                    </a:p>
+                  </a:txBody>
+                  <a:tcPr/>
+                </a:tc>
+                <a:tc>
+                  <a:txBody>
+                    <a:bodyPr/>
+                    <a:lstStyle/>
+                    <a:p>
+                      <a:endParaRPr lang="zh-TW" altLang="en-US"/>
+                    </a:p>
+                  </a:txBody>
+                  <a:tcPr/>
+                </a:tc>
+                <a:tc>
+                  <a:txBody>
+                    <a:bodyPr/>
+                    <a:lstStyle/>
+                    <a:p>
+                      <a:endParaRPr lang="zh-TW" altLang="en-US"/>
+                    </a:p>
+                  </a:txBody>
+                  <a:tcPr/>
+                </a:tc>
+                <a:tc>
+                  <a:txBody>
+                    <a:bodyPr/>
+                    <a:lstStyle/>
+                    <a:p>
+                      <a:endParaRPr lang="zh-TW" altLang="en-US"/>
+                    </a:p>
+                  </a:txBody>
+                  <a:tcPr/>
+                </a:tc>
+                <a:tc>
+                  <a:txBody>
+                    <a:bodyPr/>
+                    <a:lstStyle/>
+                    <a:p>
+                      <a:endParaRPr lang="zh-TW" altLang="en-US"/>
+                    </a:p>
+                  </a:txBody>
+                  <a:tcPr/>
+                </a:tc>
+                <a:tc>
+                  <a:txBody>
+                    <a:bodyPr/>
+                    <a:lstStyle/>
+                    <a:p>
+                      <a:endParaRPr lang="zh-TW" altLang="en-US"/>
+                    </a:p>
+                  </a:txBody>
+                  <a:tcPr/>
+                </a:tc>
+                <a:tc>
+                  <a:txBody>
+                    <a:bodyPr/>
+                    <a:lstStyle/>
+                    <a:p>
+                      <a:endParaRPr lang="zh-TW" altLang="en-US"/>
+                    </a:p>
+                  </a:txBody>
+                  <a:tcPr/>
+                </a:tc>
+                <a:tc>
+                  <a:txBody>
+                    <a:bodyPr/>
+                    <a:lstStyle/>
+                    <a:p>
+                      <a:endParaRPr lang="zh-TW" altLang="en-US"/>
+                    </a:p>
+                  </a:txBody>
+                  <a:tcPr/>
+                </a:tc>
+                <a:tc>
+                  <a:txBody>
+                    <a:bodyPr/>
+                    <a:lstStyle/>
+                    <a:p>
+                      <a:endParaRPr lang="zh-TW" altLang="en-US"/>
+                    </a:p>
+                  </a:txBody>
+                  <a:tcPr/>
+                </a:tc>
+                <a:tc>
+                  <a:txBody>
+                    <a:bodyPr/>
+                    <a:lstStyle/>
+                    <a:p>
+                      <a:endParaRPr lang="zh-TW" altLang="en-US"/>
+                    </a:p>
+                  </a:txBody>
+                  <a:tcPr/>
+                </a:tc>
+                <a:tc>
+                  <a:txBody>
+                    <a:bodyPr/>
+                    <a:lstStyle/>
+                    <a:p>
+                      <a:endParaRPr lang="zh-TW" altLang="en-US"/>
+                    </a:p>
+                  </a:txBody>
+                  <a:tcPr/>
+                </a:tc>
+                <a:tc>
+                  <a:txBody>
+                    <a:bodyPr/>
+                    <a:lstStyle/>
+                    <a:p>
+                      <a:endParaRPr lang="zh-TW" altLang="en-US"/>
+                    </a:p>
+                  </a:txBody>
+                  <a:tcPr/>
+                </a:tc>
+                <a:tc>
+                  <a:txBody>
+                    <a:bodyPr/>
+                    <a:lstStyle/>
+                    <a:p>
+                      <a:endParaRPr lang="zh-TW" altLang="en-US"/>
+                    </a:p>
+                  </a:txBody>
+                  <a:tcPr/>
+                </a:tc>
+                <a:tc>
+                  <a:txBody>
+                    <a:bodyPr/>
+                    <a:lstStyle/>
+                    <a:p>
+                      <a:endParaRPr lang="zh-TW" altLang="en-US"/>
+                    </a:p>
+                  </a:txBody>
+                  <a:tcPr/>
+                </a:tc>
+                <a:extLst>
+                  <a:ext uri="{0D108BD9-81ED-4DB2-BD59-A6C34878D82A}">
+                    <a16:rowId xmlns:a16="http://schemas.microsoft.com/office/drawing/2014/main" val="2619132550"/>
+                  </a:ext>
+                </a:extLst>
+              </a:tr>
+              <a:tr h="601423">
+                <a:tc>
+                  <a:txBody>
+                    <a:bodyPr/>
+                    <a:lstStyle/>
+                    <a:p>
+                      <a:endParaRPr lang="zh-TW" altLang="en-US"/>
+                    </a:p>
+                  </a:txBody>
+                  <a:tcPr/>
+                </a:tc>
+                <a:tc>
+                  <a:txBody>
+                    <a:bodyPr/>
+                    <a:lstStyle/>
+                    <a:p>
+                      <a:endParaRPr lang="zh-TW" altLang="en-US"/>
+                    </a:p>
+                  </a:txBody>
+                  <a:tcPr/>
+                </a:tc>
+                <a:tc>
+                  <a:txBody>
+                    <a:bodyPr/>
+                    <a:lstStyle/>
+                    <a:p>
+                      <a:endParaRPr lang="zh-TW" altLang="en-US"/>
+                    </a:p>
+                  </a:txBody>
+                  <a:tcPr/>
+                </a:tc>
+                <a:tc>
+                  <a:txBody>
+                    <a:bodyPr/>
+                    <a:lstStyle/>
+                    <a:p>
+                      <a:endParaRPr lang="zh-TW" altLang="en-US"/>
+                    </a:p>
+                  </a:txBody>
+                  <a:tcPr/>
+                </a:tc>
+                <a:tc>
+                  <a:txBody>
+                    <a:bodyPr/>
+                    <a:lstStyle/>
+                    <a:p>
+                      <a:endParaRPr lang="zh-TW" altLang="en-US"/>
+                    </a:p>
+                  </a:txBody>
+                  <a:tcPr/>
+                </a:tc>
+                <a:tc>
+                  <a:txBody>
+                    <a:bodyPr/>
+                    <a:lstStyle/>
+                    <a:p>
+                      <a:endParaRPr lang="zh-TW" altLang="en-US"/>
+                    </a:p>
+                  </a:txBody>
+                  <a:tcPr/>
+                </a:tc>
+                <a:tc>
+                  <a:txBody>
+                    <a:bodyPr/>
+                    <a:lstStyle/>
+                    <a:p>
+                      <a:endParaRPr lang="zh-TW" altLang="en-US"/>
+                    </a:p>
+                  </a:txBody>
+                  <a:tcPr/>
+                </a:tc>
+                <a:tc>
+                  <a:txBody>
+                    <a:bodyPr/>
+                    <a:lstStyle/>
+                    <a:p>
+                      <a:endParaRPr lang="zh-TW" altLang="en-US"/>
+                    </a:p>
+                  </a:txBody>
+                  <a:tcPr/>
+                </a:tc>
+                <a:tc>
+                  <a:txBody>
+                    <a:bodyPr/>
+                    <a:lstStyle/>
+                    <a:p>
+                      <a:endParaRPr lang="zh-TW" altLang="en-US"/>
+                    </a:p>
+                  </a:txBody>
+                  <a:tcPr/>
+                </a:tc>
+                <a:tc>
+                  <a:txBody>
+                    <a:bodyPr/>
+                    <a:lstStyle/>
+                    <a:p>
+                      <a:endParaRPr lang="zh-TW" altLang="en-US"/>
+                    </a:p>
+                  </a:txBody>
+                  <a:tcPr/>
+                </a:tc>
+                <a:tc>
+                  <a:txBody>
+                    <a:bodyPr/>
+                    <a:lstStyle/>
+                    <a:p>
+                      <a:endParaRPr lang="zh-TW" altLang="en-US"/>
+                    </a:p>
+                  </a:txBody>
+                  <a:tcPr/>
+                </a:tc>
+                <a:tc>
+                  <a:txBody>
+                    <a:bodyPr/>
+                    <a:lstStyle/>
+                    <a:p>
+                      <a:endParaRPr lang="zh-TW" altLang="en-US"/>
+                    </a:p>
+                  </a:txBody>
+                  <a:tcPr/>
+                </a:tc>
+                <a:tc>
+                  <a:txBody>
+                    <a:bodyPr/>
+                    <a:lstStyle/>
+                    <a:p>
+                      <a:endParaRPr lang="zh-TW" altLang="en-US"/>
+                    </a:p>
+                  </a:txBody>
+                  <a:tcPr/>
+                </a:tc>
+                <a:tc>
+                  <a:txBody>
+                    <a:bodyPr/>
+                    <a:lstStyle/>
+                    <a:p>
+                      <a:endParaRPr lang="zh-TW" altLang="en-US"/>
+                    </a:p>
+                  </a:txBody>
+                  <a:tcPr/>
+                </a:tc>
+                <a:tc>
+                  <a:txBody>
+                    <a:bodyPr/>
+                    <a:lstStyle/>
+                    <a:p>
+                      <a:endParaRPr lang="zh-TW" altLang="en-US"/>
+                    </a:p>
+                  </a:txBody>
+                  <a:tcPr/>
+                </a:tc>
+                <a:tc>
+                  <a:txBody>
+                    <a:bodyPr/>
+                    <a:lstStyle/>
+                    <a:p>
+                      <a:endParaRPr lang="zh-TW" altLang="en-US"/>
+                    </a:p>
+                  </a:txBody>
+                  <a:tcPr/>
+                </a:tc>
+                <a:tc>
+                  <a:txBody>
+                    <a:bodyPr/>
+                    <a:lstStyle/>
+                    <a:p>
+                      <a:endParaRPr lang="zh-TW" altLang="en-US"/>
+                    </a:p>
+                  </a:txBody>
+                  <a:tcPr/>
+                </a:tc>
+                <a:tc>
+                  <a:txBody>
+                    <a:bodyPr/>
+                    <a:lstStyle/>
+                    <a:p>
+                      <a:endParaRPr lang="zh-TW" altLang="en-US"/>
+                    </a:p>
+                  </a:txBody>
+                  <a:tcPr/>
+                </a:tc>
+                <a:tc>
+                  <a:txBody>
+                    <a:bodyPr/>
+                    <a:lstStyle/>
+                    <a:p>
+                      <a:endParaRPr lang="zh-TW" altLang="en-US"/>
+                    </a:p>
+                  </a:txBody>
+                  <a:tcPr/>
+                </a:tc>
+                <a:tc>
+                  <a:txBody>
+                    <a:bodyPr/>
+                    <a:lstStyle/>
+                    <a:p>
+                      <a:endParaRPr lang="zh-TW" altLang="en-US"/>
+                    </a:p>
+                  </a:txBody>
+                  <a:tcPr/>
+                </a:tc>
+                <a:tc>
+                  <a:txBody>
+                    <a:bodyPr/>
+                    <a:lstStyle/>
+                    <a:p>
+                      <a:endParaRPr lang="zh-TW" altLang="en-US"/>
+                    </a:p>
+                  </a:txBody>
+                  <a:tcPr/>
+                </a:tc>
+                <a:tc>
+                  <a:txBody>
+                    <a:bodyPr/>
+                    <a:lstStyle/>
+                    <a:p>
+                      <a:endParaRPr lang="zh-TW" altLang="en-US"/>
+                    </a:p>
+                  </a:txBody>
+                  <a:tcPr/>
+                </a:tc>
+                <a:tc>
+                  <a:txBody>
+                    <a:bodyPr/>
+                    <a:lstStyle/>
+                    <a:p>
+                      <a:endParaRPr lang="zh-TW" altLang="en-US"/>
+                    </a:p>
+                  </a:txBody>
+                  <a:tcPr/>
+                </a:tc>
+                <a:tc>
+                  <a:txBody>
+                    <a:bodyPr/>
+                    <a:lstStyle/>
+                    <a:p>
+                      <a:endParaRPr lang="zh-TW" altLang="en-US"/>
+                    </a:p>
+                  </a:txBody>
+                  <a:tcPr/>
+                </a:tc>
+                <a:tc>
+                  <a:txBody>
+                    <a:bodyPr/>
+                    <a:lstStyle/>
+                    <a:p>
+                      <a:endParaRPr lang="zh-TW" altLang="en-US"/>
+                    </a:p>
+                  </a:txBody>
+                  <a:tcPr/>
+                </a:tc>
+                <a:tc>
+                  <a:txBody>
+                    <a:bodyPr/>
+                    <a:lstStyle/>
+                    <a:p>
+                      <a:endParaRPr lang="zh-TW" altLang="en-US"/>
+                    </a:p>
+                  </a:txBody>
+                  <a:tcPr/>
+                </a:tc>
+                <a:tc>
+                  <a:txBody>
+                    <a:bodyPr/>
+                    <a:lstStyle/>
+                    <a:p>
+                      <a:endParaRPr lang="zh-TW" altLang="en-US"/>
+                    </a:p>
+                  </a:txBody>
+                  <a:tcPr/>
+                </a:tc>
+                <a:tc>
+                  <a:txBody>
+                    <a:bodyPr/>
+                    <a:lstStyle/>
+                    <a:p>
+                      <a:endParaRPr lang="zh-TW" altLang="en-US"/>
+                    </a:p>
+                  </a:txBody>
+                  <a:tcPr/>
+                </a:tc>
+                <a:extLst>
+                  <a:ext uri="{0D108BD9-81ED-4DB2-BD59-A6C34878D82A}">
+                    <a16:rowId xmlns:a16="http://schemas.microsoft.com/office/drawing/2014/main" val="769067106"/>
+                  </a:ext>
+                </a:extLst>
+              </a:tr>
+              <a:tr h="601423">
+                <a:tc>
+                  <a:txBody>
+                    <a:bodyPr/>
+                    <a:lstStyle/>
+                    <a:p>
+                      <a:endParaRPr lang="zh-TW" altLang="en-US"/>
+                    </a:p>
+                  </a:txBody>
+                  <a:tcPr/>
+                </a:tc>
+                <a:tc>
+                  <a:txBody>
+                    <a:bodyPr/>
+                    <a:lstStyle/>
+                    <a:p>
+                      <a:endParaRPr lang="zh-TW" altLang="en-US"/>
+                    </a:p>
+                  </a:txBody>
+                  <a:tcPr/>
+                </a:tc>
+                <a:tc>
+                  <a:txBody>
+                    <a:bodyPr/>
+                    <a:lstStyle/>
+                    <a:p>
+                      <a:endParaRPr lang="zh-TW" altLang="en-US"/>
+                    </a:p>
+                  </a:txBody>
+                  <a:tcPr/>
+                </a:tc>
+                <a:tc>
+                  <a:txBody>
+                    <a:bodyPr/>
+                    <a:lstStyle/>
+                    <a:p>
+                      <a:endParaRPr lang="zh-TW" altLang="en-US"/>
+                    </a:p>
+                  </a:txBody>
+                  <a:tcPr/>
+                </a:tc>
+                <a:tc>
+                  <a:txBody>
+                    <a:bodyPr/>
+                    <a:lstStyle/>
+                    <a:p>
+                      <a:endParaRPr lang="zh-TW" altLang="en-US"/>
+                    </a:p>
+                  </a:txBody>
+                  <a:tcPr/>
+                </a:tc>
+                <a:tc>
+                  <a:txBody>
+                    <a:bodyPr/>
+                    <a:lstStyle/>
+                    <a:p>
+                      <a:endParaRPr lang="zh-TW" altLang="en-US"/>
+                    </a:p>
+                  </a:txBody>
+                  <a:tcPr/>
+                </a:tc>
+                <a:tc>
+                  <a:txBody>
+                    <a:bodyPr/>
+                    <a:lstStyle/>
+                    <a:p>
+                      <a:endParaRPr lang="zh-TW" altLang="en-US"/>
+                    </a:p>
+                  </a:txBody>
+                  <a:tcPr/>
+                </a:tc>
+                <a:tc>
+                  <a:txBody>
+                    <a:bodyPr/>
+                    <a:lstStyle/>
+                    <a:p>
+                      <a:endParaRPr lang="zh-TW" altLang="en-US"/>
+                    </a:p>
+                  </a:txBody>
+                  <a:tcPr/>
+                </a:tc>
+                <a:tc>
+                  <a:txBody>
+                    <a:bodyPr/>
+                    <a:lstStyle/>
+                    <a:p>
+                      <a:endParaRPr lang="zh-TW" altLang="en-US"/>
+                    </a:p>
+                  </a:txBody>
+                  <a:tcPr/>
+                </a:tc>
+                <a:tc>
+                  <a:txBody>
+                    <a:bodyPr/>
+                    <a:lstStyle/>
+                    <a:p>
+                      <a:endParaRPr lang="zh-TW" altLang="en-US"/>
+                    </a:p>
+                  </a:txBody>
+                  <a:tcPr/>
+                </a:tc>
+                <a:tc>
+                  <a:txBody>
+                    <a:bodyPr/>
+                    <a:lstStyle/>
+                    <a:p>
+                      <a:endParaRPr lang="zh-TW" altLang="en-US"/>
+                    </a:p>
+                  </a:txBody>
+                  <a:tcPr/>
+                </a:tc>
+                <a:tc>
+                  <a:txBody>
+                    <a:bodyPr/>
+                    <a:lstStyle/>
+                    <a:p>
+                      <a:endParaRPr lang="zh-TW" altLang="en-US"/>
+                    </a:p>
+                  </a:txBody>
+                  <a:tcPr/>
+                </a:tc>
+                <a:tc>
+                  <a:txBody>
+                    <a:bodyPr/>
+                    <a:lstStyle/>
+                    <a:p>
+                      <a:endParaRPr lang="zh-TW" altLang="en-US"/>
+                    </a:p>
+                  </a:txBody>
+                  <a:tcPr/>
+                </a:tc>
+                <a:tc>
+                  <a:txBody>
+                    <a:bodyPr/>
+                    <a:lstStyle/>
+                    <a:p>
+                      <a:endParaRPr lang="zh-TW" altLang="en-US"/>
+                    </a:p>
+                  </a:txBody>
+                  <a:tcPr/>
+                </a:tc>
+                <a:tc>
+                  <a:txBody>
+                    <a:bodyPr/>
+                    <a:lstStyle/>
+                    <a:p>
+                      <a:endParaRPr lang="zh-TW" altLang="en-US"/>
+                    </a:p>
+                  </a:txBody>
+                  <a:tcPr/>
+                </a:tc>
+                <a:tc>
+                  <a:txBody>
+                    <a:bodyPr/>
+                    <a:lstStyle/>
+                    <a:p>
+                      <a:endParaRPr lang="zh-TW" altLang="en-US"/>
+                    </a:p>
+                  </a:txBody>
+                  <a:tcPr/>
+                </a:tc>
+                <a:tc>
+                  <a:txBody>
+                    <a:bodyPr/>
+                    <a:lstStyle/>
+                    <a:p>
+                      <a:endParaRPr lang="zh-TW" altLang="en-US"/>
+                    </a:p>
+                  </a:txBody>
+                  <a:tcPr/>
+                </a:tc>
+                <a:tc>
+                  <a:txBody>
+                    <a:bodyPr/>
+                    <a:lstStyle/>
+                    <a:p>
+                      <a:endParaRPr lang="zh-TW" altLang="en-US"/>
+                    </a:p>
+                  </a:txBody>
+                  <a:tcPr/>
+                </a:tc>
+                <a:tc>
+                  <a:txBody>
+                    <a:bodyPr/>
+                    <a:lstStyle/>
+                    <a:p>
+                      <a:endParaRPr lang="zh-TW" altLang="en-US"/>
+                    </a:p>
+                  </a:txBody>
+                  <a:tcPr/>
+                </a:tc>
+                <a:tc>
+                  <a:txBody>
+                    <a:bodyPr/>
+                    <a:lstStyle/>
+                    <a:p>
+                      <a:endParaRPr lang="zh-TW" altLang="en-US"/>
+                    </a:p>
+                  </a:txBody>
+                  <a:tcPr/>
+                </a:tc>
+                <a:tc>
+                  <a:txBody>
+                    <a:bodyPr/>
+                    <a:lstStyle/>
+                    <a:p>
+                      <a:endParaRPr lang="zh-TW" altLang="en-US"/>
+                    </a:p>
+                  </a:txBody>
+                  <a:tcPr/>
+                </a:tc>
+                <a:tc>
+                  <a:txBody>
+                    <a:bodyPr/>
+                    <a:lstStyle/>
+                    <a:p>
+                      <a:endParaRPr lang="zh-TW" altLang="en-US"/>
+                    </a:p>
+                  </a:txBody>
+                  <a:tcPr/>
+                </a:tc>
+                <a:tc>
+                  <a:txBody>
+                    <a:bodyPr/>
+                    <a:lstStyle/>
+                    <a:p>
+                      <a:endParaRPr lang="zh-TW" altLang="en-US"/>
+                    </a:p>
+                  </a:txBody>
+                  <a:tcPr/>
+                </a:tc>
+                <a:tc>
+                  <a:txBody>
+                    <a:bodyPr/>
+                    <a:lstStyle/>
+                    <a:p>
+                      <a:endParaRPr lang="zh-TW" altLang="en-US"/>
+                    </a:p>
+                  </a:txBody>
+                  <a:tcPr/>
+                </a:tc>
+                <a:tc>
+                  <a:txBody>
+                    <a:bodyPr/>
+                    <a:lstStyle/>
+                    <a:p>
+                      <a:endParaRPr lang="zh-TW" altLang="en-US"/>
+                    </a:p>
+                  </a:txBody>
+                  <a:tcPr/>
+                </a:tc>
+                <a:tc>
+                  <a:txBody>
+                    <a:bodyPr/>
+                    <a:lstStyle/>
+                    <a:p>
+                      <a:endParaRPr lang="zh-TW" altLang="en-US"/>
+                    </a:p>
+                  </a:txBody>
+                  <a:tcPr/>
+                </a:tc>
+                <a:tc>
+                  <a:txBody>
+                    <a:bodyPr/>
+                    <a:lstStyle/>
+                    <a:p>
+                      <a:endParaRPr lang="zh-TW" altLang="en-US"/>
+                    </a:p>
+                  </a:txBody>
+                  <a:tcPr/>
+                </a:tc>
+                <a:tc>
+                  <a:txBody>
+                    <a:bodyPr/>
+                    <a:lstStyle/>
+                    <a:p>
+                      <a:endParaRPr lang="zh-TW" altLang="en-US"/>
+                    </a:p>
+                  </a:txBody>
+                  <a:tcPr/>
+                </a:tc>
+                <a:extLst>
+                  <a:ext uri="{0D108BD9-81ED-4DB2-BD59-A6C34878D82A}">
+                    <a16:rowId xmlns:a16="http://schemas.microsoft.com/office/drawing/2014/main" val="602993724"/>
+                  </a:ext>
+                </a:extLst>
+              </a:tr>
+              <a:tr h="601423">
+                <a:tc>
+                  <a:txBody>
+                    <a:bodyPr/>
+                    <a:lstStyle/>
+                    <a:p>
+                      <a:endParaRPr lang="zh-TW" altLang="en-US"/>
+                    </a:p>
+                  </a:txBody>
+                  <a:tcPr/>
+                </a:tc>
+                <a:tc>
+                  <a:txBody>
+                    <a:bodyPr/>
+                    <a:lstStyle/>
+                    <a:p>
+                      <a:endParaRPr lang="zh-TW" altLang="en-US"/>
+                    </a:p>
+                  </a:txBody>
+                  <a:tcPr/>
+                </a:tc>
+                <a:tc>
+                  <a:txBody>
+                    <a:bodyPr/>
+                    <a:lstStyle/>
+                    <a:p>
+                      <a:endParaRPr lang="zh-TW" altLang="en-US"/>
+                    </a:p>
+                  </a:txBody>
+                  <a:tcPr/>
+                </a:tc>
+                <a:tc>
+                  <a:txBody>
+                    <a:bodyPr/>
+                    <a:lstStyle/>
+                    <a:p>
+                      <a:endParaRPr lang="zh-TW" altLang="en-US"/>
+                    </a:p>
+                  </a:txBody>
+                  <a:tcPr/>
+                </a:tc>
+                <a:tc>
+                  <a:txBody>
+                    <a:bodyPr/>
+                    <a:lstStyle/>
+                    <a:p>
+                      <a:endParaRPr lang="zh-TW" altLang="en-US"/>
+                    </a:p>
+                  </a:txBody>
+                  <a:tcPr/>
+                </a:tc>
+                <a:tc>
+                  <a:txBody>
+                    <a:bodyPr/>
+                    <a:lstStyle/>
+                    <a:p>
+                      <a:endParaRPr lang="zh-TW" altLang="en-US"/>
+                    </a:p>
+                  </a:txBody>
+                  <a:tcPr/>
+                </a:tc>
+                <a:tc>
+                  <a:txBody>
+                    <a:bodyPr/>
+                    <a:lstStyle/>
+                    <a:p>
+                      <a:endParaRPr lang="zh-TW" altLang="en-US"/>
+                    </a:p>
+                  </a:txBody>
+                  <a:tcPr/>
+                </a:tc>
+                <a:tc>
+                  <a:txBody>
+                    <a:bodyPr/>
+                    <a:lstStyle/>
+                    <a:p>
+                      <a:endParaRPr lang="zh-TW" altLang="en-US"/>
+                    </a:p>
+                  </a:txBody>
+                  <a:tcPr/>
+                </a:tc>
+                <a:tc>
+                  <a:txBody>
+                    <a:bodyPr/>
+                    <a:lstStyle/>
+                    <a:p>
+                      <a:endParaRPr lang="zh-TW" altLang="en-US"/>
+                    </a:p>
+                  </a:txBody>
+                  <a:tcPr/>
+                </a:tc>
+                <a:tc>
+                  <a:txBody>
+                    <a:bodyPr/>
+                    <a:lstStyle/>
+                    <a:p>
+                      <a:endParaRPr lang="zh-TW" altLang="en-US"/>
+                    </a:p>
+                  </a:txBody>
+                  <a:tcPr/>
+                </a:tc>
+                <a:tc>
+                  <a:txBody>
+                    <a:bodyPr/>
+                    <a:lstStyle/>
+                    <a:p>
+                      <a:endParaRPr lang="zh-TW" altLang="en-US"/>
+                    </a:p>
+                  </a:txBody>
+                  <a:tcPr/>
+                </a:tc>
+                <a:tc>
+                  <a:txBody>
+                    <a:bodyPr/>
+                    <a:lstStyle/>
+                    <a:p>
+                      <a:endParaRPr lang="zh-TW" altLang="en-US"/>
+                    </a:p>
+                  </a:txBody>
+                  <a:tcPr/>
+                </a:tc>
+                <a:tc>
+                  <a:txBody>
+                    <a:bodyPr/>
+                    <a:lstStyle/>
+                    <a:p>
+                      <a:endParaRPr lang="zh-TW" altLang="en-US"/>
+                    </a:p>
+                  </a:txBody>
+                  <a:tcPr/>
+                </a:tc>
+                <a:tc>
+                  <a:txBody>
+                    <a:bodyPr/>
+                    <a:lstStyle/>
+                    <a:p>
+                      <a:endParaRPr lang="zh-TW" altLang="en-US"/>
+                    </a:p>
+                  </a:txBody>
+                  <a:tcPr/>
+                </a:tc>
+                <a:tc>
+                  <a:txBody>
+                    <a:bodyPr/>
+                    <a:lstStyle/>
+                    <a:p>
+                      <a:endParaRPr lang="zh-TW" altLang="en-US"/>
+                    </a:p>
+                  </a:txBody>
+                  <a:tcPr/>
+                </a:tc>
+                <a:tc>
+                  <a:txBody>
+                    <a:bodyPr/>
+                    <a:lstStyle/>
+                    <a:p>
+                      <a:endParaRPr lang="zh-TW" altLang="en-US"/>
+                    </a:p>
+                  </a:txBody>
+                  <a:tcPr/>
+                </a:tc>
+                <a:tc>
+                  <a:txBody>
+                    <a:bodyPr/>
+                    <a:lstStyle/>
+                    <a:p>
+                      <a:endParaRPr lang="zh-TW" altLang="en-US"/>
+                    </a:p>
+                  </a:txBody>
+                  <a:tcPr/>
+                </a:tc>
+                <a:tc>
+                  <a:txBody>
+                    <a:bodyPr/>
+                    <a:lstStyle/>
+                    <a:p>
+                      <a:endParaRPr lang="zh-TW" altLang="en-US"/>
+                    </a:p>
+                  </a:txBody>
+                  <a:tcPr/>
+                </a:tc>
+                <a:tc>
+                  <a:txBody>
+                    <a:bodyPr/>
+                    <a:lstStyle/>
+                    <a:p>
+                      <a:endParaRPr lang="zh-TW" altLang="en-US"/>
+                    </a:p>
+                  </a:txBody>
+                  <a:tcPr/>
+                </a:tc>
+                <a:tc>
+                  <a:txBody>
+                    <a:bodyPr/>
+                    <a:lstStyle/>
+                    <a:p>
+                      <a:endParaRPr lang="zh-TW" altLang="en-US"/>
+                    </a:p>
+                  </a:txBody>
+                  <a:tcPr/>
+                </a:tc>
+                <a:tc>
+                  <a:txBody>
+                    <a:bodyPr/>
+                    <a:lstStyle/>
+                    <a:p>
+                      <a:endParaRPr lang="zh-TW" altLang="en-US"/>
+                    </a:p>
+                  </a:txBody>
+                  <a:tcPr/>
+                </a:tc>
+                <a:tc>
+                  <a:txBody>
+                    <a:bodyPr/>
+                    <a:lstStyle/>
+                    <a:p>
+                      <a:endParaRPr lang="zh-TW" altLang="en-US"/>
+                    </a:p>
+                  </a:txBody>
+                  <a:tcPr/>
+                </a:tc>
+                <a:tc>
+                  <a:txBody>
+                    <a:bodyPr/>
+                    <a:lstStyle/>
+                    <a:p>
+                      <a:endParaRPr lang="zh-TW" altLang="en-US"/>
+                    </a:p>
+                  </a:txBody>
+                  <a:tcPr/>
+                </a:tc>
+                <a:tc>
+                  <a:txBody>
+                    <a:bodyPr/>
+                    <a:lstStyle/>
+                    <a:p>
+                      <a:endParaRPr lang="zh-TW" altLang="en-US"/>
+                    </a:p>
+                  </a:txBody>
+                  <a:tcPr/>
+                </a:tc>
+                <a:tc>
+                  <a:txBody>
+                    <a:bodyPr/>
+                    <a:lstStyle/>
+                    <a:p>
+                      <a:endParaRPr lang="zh-TW" altLang="en-US"/>
+                    </a:p>
+                  </a:txBody>
+                  <a:tcPr/>
+                </a:tc>
+                <a:tc>
+                  <a:txBody>
+                    <a:bodyPr/>
+                    <a:lstStyle/>
+                    <a:p>
+                      <a:endParaRPr lang="zh-TW" altLang="en-US"/>
+                    </a:p>
+                  </a:txBody>
+                  <a:tcPr/>
+                </a:tc>
+                <a:tc>
+                  <a:txBody>
+                    <a:bodyPr/>
+                    <a:lstStyle/>
+                    <a:p>
+                      <a:endParaRPr lang="zh-TW" altLang="en-US"/>
+                    </a:p>
+                  </a:txBody>
+                  <a:tcPr/>
+                </a:tc>
+                <a:tc>
+                  <a:txBody>
+                    <a:bodyPr/>
+                    <a:lstStyle/>
+                    <a:p>
+                      <a:endParaRPr lang="zh-TW" altLang="en-US"/>
+                    </a:p>
+                  </a:txBody>
+                  <a:tcPr/>
+                </a:tc>
+                <a:extLst>
+                  <a:ext uri="{0D108BD9-81ED-4DB2-BD59-A6C34878D82A}">
+                    <a16:rowId xmlns:a16="http://schemas.microsoft.com/office/drawing/2014/main" val="441375880"/>
+                  </a:ext>
+                </a:extLst>
+              </a:tr>
+              <a:tr h="601423">
+                <a:tc>
+                  <a:txBody>
+                    <a:bodyPr/>
+                    <a:lstStyle/>
+                    <a:p>
+                      <a:endParaRPr lang="zh-TW" altLang="en-US"/>
+                    </a:p>
+                  </a:txBody>
+                  <a:tcPr/>
+                </a:tc>
+                <a:tc>
+                  <a:txBody>
+                    <a:bodyPr/>
+                    <a:lstStyle/>
+                    <a:p>
+                      <a:endParaRPr lang="zh-TW" altLang="en-US"/>
+                    </a:p>
+                  </a:txBody>
+                  <a:tcPr/>
+                </a:tc>
+                <a:tc>
+                  <a:txBody>
+                    <a:bodyPr/>
+                    <a:lstStyle/>
+                    <a:p>
+                      <a:endParaRPr lang="zh-TW" altLang="en-US"/>
+                    </a:p>
+                  </a:txBody>
+                  <a:tcPr/>
+                </a:tc>
+                <a:tc>
+                  <a:txBody>
+                    <a:bodyPr/>
+                    <a:lstStyle/>
+                    <a:p>
+                      <a:endParaRPr lang="zh-TW" altLang="en-US"/>
+                    </a:p>
+                  </a:txBody>
+                  <a:tcPr/>
+                </a:tc>
+                <a:tc>
+                  <a:txBody>
+                    <a:bodyPr/>
+                    <a:lstStyle/>
+                    <a:p>
+                      <a:endParaRPr lang="zh-TW" altLang="en-US"/>
+                    </a:p>
+                  </a:txBody>
+                  <a:tcPr/>
+                </a:tc>
+                <a:tc>
+                  <a:txBody>
+                    <a:bodyPr/>
+                    <a:lstStyle/>
+                    <a:p>
+                      <a:endParaRPr lang="zh-TW" altLang="en-US"/>
+                    </a:p>
+                  </a:txBody>
+                  <a:tcPr/>
+                </a:tc>
+                <a:tc>
+                  <a:txBody>
+                    <a:bodyPr/>
+                    <a:lstStyle/>
+                    <a:p>
+                      <a:endParaRPr lang="zh-TW" altLang="en-US"/>
+                    </a:p>
+                  </a:txBody>
+                  <a:tcPr/>
+                </a:tc>
+                <a:tc>
+                  <a:txBody>
+                    <a:bodyPr/>
+                    <a:lstStyle/>
+                    <a:p>
+                      <a:endParaRPr lang="zh-TW" altLang="en-US"/>
+                    </a:p>
+                  </a:txBody>
+                  <a:tcPr/>
+                </a:tc>
+                <a:tc>
+                  <a:txBody>
+                    <a:bodyPr/>
+                    <a:lstStyle/>
+                    <a:p>
+                      <a:endParaRPr lang="zh-TW" altLang="en-US"/>
+                    </a:p>
+                  </a:txBody>
+                  <a:tcPr/>
+                </a:tc>
+                <a:tc>
+                  <a:txBody>
+                    <a:bodyPr/>
+                    <a:lstStyle/>
+                    <a:p>
+                      <a:endParaRPr lang="zh-TW" altLang="en-US"/>
+                    </a:p>
+                  </a:txBody>
+                  <a:tcPr/>
+                </a:tc>
+                <a:tc>
+                  <a:txBody>
+                    <a:bodyPr/>
+                    <a:lstStyle/>
+                    <a:p>
+                      <a:endParaRPr lang="zh-TW" altLang="en-US"/>
+                    </a:p>
+                  </a:txBody>
+                  <a:tcPr/>
+                </a:tc>
+                <a:tc>
+                  <a:txBody>
+                    <a:bodyPr/>
+                    <a:lstStyle/>
+                    <a:p>
+                      <a:endParaRPr lang="zh-TW" altLang="en-US"/>
+                    </a:p>
+                  </a:txBody>
+                  <a:tcPr/>
+                </a:tc>
+                <a:tc>
+                  <a:txBody>
+                    <a:bodyPr/>
+                    <a:lstStyle/>
+                    <a:p>
+                      <a:endParaRPr lang="zh-TW" altLang="en-US"/>
+                    </a:p>
+                  </a:txBody>
+                  <a:tcPr/>
+                </a:tc>
+                <a:tc>
+                  <a:txBody>
+                    <a:bodyPr/>
+                    <a:lstStyle/>
+                    <a:p>
+                      <a:endParaRPr lang="zh-TW" altLang="en-US"/>
+                    </a:p>
+                  </a:txBody>
+                  <a:tcPr/>
+                </a:tc>
+                <a:tc>
+                  <a:txBody>
+                    <a:bodyPr/>
+                    <a:lstStyle/>
+                    <a:p>
+                      <a:endParaRPr lang="zh-TW" altLang="en-US"/>
+                    </a:p>
+                  </a:txBody>
+                  <a:tcPr/>
+                </a:tc>
+                <a:tc>
+                  <a:txBody>
+                    <a:bodyPr/>
+                    <a:lstStyle/>
+                    <a:p>
+                      <a:endParaRPr lang="zh-TW" altLang="en-US"/>
+                    </a:p>
+                  </a:txBody>
+                  <a:tcPr/>
+                </a:tc>
+                <a:tc>
+                  <a:txBody>
+                    <a:bodyPr/>
+                    <a:lstStyle/>
+                    <a:p>
+                      <a:endParaRPr lang="zh-TW" altLang="en-US"/>
+                    </a:p>
+                  </a:txBody>
+                  <a:tcPr/>
+                </a:tc>
+                <a:tc>
+                  <a:txBody>
+                    <a:bodyPr/>
+                    <a:lstStyle/>
+                    <a:p>
+                      <a:endParaRPr lang="zh-TW" altLang="en-US"/>
+                    </a:p>
+                  </a:txBody>
+                  <a:tcPr/>
+                </a:tc>
+                <a:tc>
+                  <a:txBody>
+                    <a:bodyPr/>
+                    <a:lstStyle/>
+                    <a:p>
+                      <a:endParaRPr lang="zh-TW" altLang="en-US"/>
+                    </a:p>
+                  </a:txBody>
+                  <a:tcPr/>
+                </a:tc>
+                <a:tc>
+                  <a:txBody>
+                    <a:bodyPr/>
+                    <a:lstStyle/>
+                    <a:p>
+                      <a:endParaRPr lang="zh-TW" altLang="en-US"/>
+                    </a:p>
+                  </a:txBody>
+                  <a:tcPr/>
+                </a:tc>
+                <a:tc>
+                  <a:txBody>
+                    <a:bodyPr/>
+                    <a:lstStyle/>
+                    <a:p>
+                      <a:endParaRPr lang="zh-TW" altLang="en-US"/>
+                    </a:p>
+                  </a:txBody>
+                  <a:tcPr/>
+                </a:tc>
+                <a:tc>
+                  <a:txBody>
+                    <a:bodyPr/>
+                    <a:lstStyle/>
+                    <a:p>
+                      <a:endParaRPr lang="zh-TW" altLang="en-US"/>
+                    </a:p>
+                  </a:txBody>
+                  <a:tcPr/>
+                </a:tc>
+                <a:tc>
+                  <a:txBody>
+                    <a:bodyPr/>
+                    <a:lstStyle/>
+                    <a:p>
+                      <a:endParaRPr lang="zh-TW" altLang="en-US"/>
+                    </a:p>
+                  </a:txBody>
+                  <a:tcPr/>
+                </a:tc>
+                <a:tc>
+                  <a:txBody>
+                    <a:bodyPr/>
+                    <a:lstStyle/>
+                    <a:p>
+                      <a:endParaRPr lang="zh-TW" altLang="en-US"/>
+                    </a:p>
+                  </a:txBody>
+                  <a:tcPr/>
+                </a:tc>
+                <a:tc>
+                  <a:txBody>
+                    <a:bodyPr/>
+                    <a:lstStyle/>
+                    <a:p>
+                      <a:endParaRPr lang="zh-TW" altLang="en-US"/>
+                    </a:p>
+                  </a:txBody>
+                  <a:tcPr/>
+                </a:tc>
+                <a:tc>
+                  <a:txBody>
+                    <a:bodyPr/>
+                    <a:lstStyle/>
+                    <a:p>
+                      <a:endParaRPr lang="zh-TW" altLang="en-US"/>
+                    </a:p>
+                  </a:txBody>
+                  <a:tcPr/>
+                </a:tc>
+                <a:tc>
+                  <a:txBody>
+                    <a:bodyPr/>
+                    <a:lstStyle/>
+                    <a:p>
+                      <a:endParaRPr lang="zh-TW" altLang="en-US"/>
+                    </a:p>
+                  </a:txBody>
+                  <a:tcPr/>
+                </a:tc>
+                <a:tc>
+                  <a:txBody>
+                    <a:bodyPr/>
+                    <a:lstStyle/>
+                    <a:p>
+                      <a:endParaRPr lang="zh-TW" altLang="en-US"/>
+                    </a:p>
+                  </a:txBody>
+                  <a:tcPr/>
+                </a:tc>
+                <a:extLst>
+                  <a:ext uri="{0D108BD9-81ED-4DB2-BD59-A6C34878D82A}">
+                    <a16:rowId xmlns:a16="http://schemas.microsoft.com/office/drawing/2014/main" val="499360751"/>
+                  </a:ext>
+                </a:extLst>
+              </a:tr>
+              <a:tr h="601423">
+                <a:tc>
+                  <a:txBody>
+                    <a:bodyPr/>
+                    <a:lstStyle/>
+                    <a:p>
+                      <a:endParaRPr lang="zh-TW" altLang="en-US"/>
+                    </a:p>
+                  </a:txBody>
+                  <a:tcPr/>
+                </a:tc>
+                <a:tc>
+                  <a:txBody>
+                    <a:bodyPr/>
+                    <a:lstStyle/>
+                    <a:p>
+                      <a:endParaRPr lang="zh-TW" altLang="en-US"/>
+                    </a:p>
+                  </a:txBody>
+                  <a:tcPr/>
+                </a:tc>
+                <a:tc>
+                  <a:txBody>
+                    <a:bodyPr/>
+                    <a:lstStyle/>
+                    <a:p>
+                      <a:endParaRPr lang="zh-TW" altLang="en-US"/>
+                    </a:p>
+                  </a:txBody>
+                  <a:tcPr/>
+                </a:tc>
+                <a:tc>
+                  <a:txBody>
+                    <a:bodyPr/>
+                    <a:lstStyle/>
+                    <a:p>
+                      <a:endParaRPr lang="zh-TW" altLang="en-US"/>
+                    </a:p>
+                  </a:txBody>
+                  <a:tcPr/>
+                </a:tc>
+                <a:tc>
+                  <a:txBody>
+                    <a:bodyPr/>
+                    <a:lstStyle/>
+                    <a:p>
+                      <a:endParaRPr lang="zh-TW" altLang="en-US"/>
+                    </a:p>
+                  </a:txBody>
+                  <a:tcPr/>
+                </a:tc>
+                <a:tc>
+                  <a:txBody>
+                    <a:bodyPr/>
+                    <a:lstStyle/>
+                    <a:p>
+                      <a:endParaRPr lang="zh-TW" altLang="en-US"/>
+                    </a:p>
+                  </a:txBody>
+                  <a:tcPr/>
+                </a:tc>
+                <a:tc>
+                  <a:txBody>
+                    <a:bodyPr/>
+                    <a:lstStyle/>
+                    <a:p>
+                      <a:endParaRPr lang="zh-TW" altLang="en-US"/>
+                    </a:p>
+                  </a:txBody>
+                  <a:tcPr/>
+                </a:tc>
+                <a:tc>
+                  <a:txBody>
+                    <a:bodyPr/>
+                    <a:lstStyle/>
+                    <a:p>
+                      <a:endParaRPr lang="zh-TW" altLang="en-US"/>
+                    </a:p>
+                  </a:txBody>
+                  <a:tcPr/>
+                </a:tc>
+                <a:tc>
+                  <a:txBody>
+                    <a:bodyPr/>
+                    <a:lstStyle/>
+                    <a:p>
+                      <a:endParaRPr lang="zh-TW" altLang="en-US"/>
+                    </a:p>
+                  </a:txBody>
+                  <a:tcPr/>
+                </a:tc>
+                <a:tc>
+                  <a:txBody>
+                    <a:bodyPr/>
+                    <a:lstStyle/>
+                    <a:p>
+                      <a:endParaRPr lang="zh-TW" altLang="en-US"/>
+                    </a:p>
+                  </a:txBody>
+                  <a:tcPr/>
+                </a:tc>
+                <a:tc>
+                  <a:txBody>
+                    <a:bodyPr/>
+                    <a:lstStyle/>
+                    <a:p>
+                      <a:endParaRPr lang="zh-TW" altLang="en-US"/>
+                    </a:p>
+                  </a:txBody>
+                  <a:tcPr/>
+                </a:tc>
+                <a:tc>
+                  <a:txBody>
+                    <a:bodyPr/>
+                    <a:lstStyle/>
+                    <a:p>
+                      <a:endParaRPr lang="zh-TW" altLang="en-US"/>
+                    </a:p>
+                  </a:txBody>
+                  <a:tcPr/>
+                </a:tc>
+                <a:tc>
+                  <a:txBody>
+                    <a:bodyPr/>
+                    <a:lstStyle/>
+                    <a:p>
+                      <a:endParaRPr lang="zh-TW" altLang="en-US"/>
+                    </a:p>
+                  </a:txBody>
+                  <a:tcPr/>
+                </a:tc>
+                <a:tc>
+                  <a:txBody>
+                    <a:bodyPr/>
+                    <a:lstStyle/>
+                    <a:p>
+                      <a:endParaRPr lang="zh-TW" altLang="en-US"/>
+                    </a:p>
+                  </a:txBody>
+                  <a:tcPr/>
+                </a:tc>
+                <a:tc>
+                  <a:txBody>
+                    <a:bodyPr/>
+                    <a:lstStyle/>
+                    <a:p>
+                      <a:endParaRPr lang="zh-TW" altLang="en-US"/>
+                    </a:p>
+                  </a:txBody>
+                  <a:tcPr/>
+                </a:tc>
+                <a:tc>
+                  <a:txBody>
+                    <a:bodyPr/>
+                    <a:lstStyle/>
+                    <a:p>
+                      <a:endParaRPr lang="zh-TW" altLang="en-US"/>
+                    </a:p>
+                  </a:txBody>
+                  <a:tcPr/>
+                </a:tc>
+                <a:tc>
+                  <a:txBody>
+                    <a:bodyPr/>
+                    <a:lstStyle/>
+                    <a:p>
+                      <a:endParaRPr lang="zh-TW" altLang="en-US"/>
+                    </a:p>
+                  </a:txBody>
+                  <a:tcPr/>
+                </a:tc>
+                <a:tc>
+                  <a:txBody>
+                    <a:bodyPr/>
+                    <a:lstStyle/>
+                    <a:p>
+                      <a:endParaRPr lang="zh-TW" altLang="en-US"/>
+                    </a:p>
+                  </a:txBody>
+                  <a:tcPr/>
+                </a:tc>
+                <a:tc>
+                  <a:txBody>
+                    <a:bodyPr/>
+                    <a:lstStyle/>
+                    <a:p>
+                      <a:endParaRPr lang="zh-TW" altLang="en-US"/>
+                    </a:p>
+                  </a:txBody>
+                  <a:tcPr/>
+                </a:tc>
+                <a:tc>
+                  <a:txBody>
+                    <a:bodyPr/>
+                    <a:lstStyle/>
+                    <a:p>
+                      <a:endParaRPr lang="zh-TW" altLang="en-US"/>
+                    </a:p>
+                  </a:txBody>
+                  <a:tcPr/>
+                </a:tc>
+                <a:tc>
+                  <a:txBody>
+                    <a:bodyPr/>
+                    <a:lstStyle/>
+                    <a:p>
+                      <a:endParaRPr lang="zh-TW" altLang="en-US"/>
+                    </a:p>
+                  </a:txBody>
+                  <a:tcPr/>
+                </a:tc>
+                <a:tc>
+                  <a:txBody>
+                    <a:bodyPr/>
+                    <a:lstStyle/>
+                    <a:p>
+                      <a:endParaRPr lang="zh-TW" altLang="en-US"/>
+                    </a:p>
+                  </a:txBody>
+                  <a:tcPr/>
+                </a:tc>
+                <a:tc>
+                  <a:txBody>
+                    <a:bodyPr/>
+                    <a:lstStyle/>
+                    <a:p>
+                      <a:endParaRPr lang="zh-TW" altLang="en-US"/>
+                    </a:p>
+                  </a:txBody>
+                  <a:tcPr/>
+                </a:tc>
+                <a:tc>
+                  <a:txBody>
+                    <a:bodyPr/>
+                    <a:lstStyle/>
+                    <a:p>
+                      <a:endParaRPr lang="zh-TW" altLang="en-US"/>
+                    </a:p>
+                  </a:txBody>
+                  <a:tcPr/>
+                </a:tc>
+                <a:tc>
+                  <a:txBody>
+                    <a:bodyPr/>
+                    <a:lstStyle/>
+                    <a:p>
+                      <a:endParaRPr lang="zh-TW" altLang="en-US"/>
+                    </a:p>
+                  </a:txBody>
+                  <a:tcPr/>
+                </a:tc>
+                <a:tc>
+                  <a:txBody>
+                    <a:bodyPr/>
+                    <a:lstStyle/>
+                    <a:p>
+                      <a:endParaRPr lang="zh-TW" altLang="en-US"/>
+                    </a:p>
+                  </a:txBody>
+                  <a:tcPr/>
+                </a:tc>
+                <a:tc>
+                  <a:txBody>
+                    <a:bodyPr/>
+                    <a:lstStyle/>
+                    <a:p>
+                      <a:endParaRPr lang="zh-TW" altLang="en-US"/>
+                    </a:p>
+                  </a:txBody>
+                  <a:tcPr/>
+                </a:tc>
+                <a:tc>
+                  <a:txBody>
+                    <a:bodyPr/>
+                    <a:lstStyle/>
+                    <a:p>
+                      <a:endParaRPr lang="zh-TW" altLang="en-US"/>
+                    </a:p>
+                  </a:txBody>
+                  <a:tcPr/>
+                </a:tc>
+                <a:extLst>
+                  <a:ext uri="{0D108BD9-81ED-4DB2-BD59-A6C34878D82A}">
+                    <a16:rowId xmlns:a16="http://schemas.microsoft.com/office/drawing/2014/main" val="2166562437"/>
+                  </a:ext>
+                </a:extLst>
+              </a:tr>
+              <a:tr h="601423">
+                <a:tc>
+                  <a:txBody>
+                    <a:bodyPr/>
+                    <a:lstStyle/>
+                    <a:p>
+                      <a:endParaRPr lang="zh-TW" altLang="en-US"/>
+                    </a:p>
+                  </a:txBody>
+                  <a:tcPr/>
+                </a:tc>
+                <a:tc>
+                  <a:txBody>
+                    <a:bodyPr/>
+                    <a:lstStyle/>
+                    <a:p>
+                      <a:endParaRPr lang="zh-TW" altLang="en-US"/>
+                    </a:p>
+                  </a:txBody>
+                  <a:tcPr/>
+                </a:tc>
+                <a:tc>
+                  <a:txBody>
+                    <a:bodyPr/>
+                    <a:lstStyle/>
+                    <a:p>
+                      <a:endParaRPr lang="zh-TW" altLang="en-US"/>
+                    </a:p>
+                  </a:txBody>
+                  <a:tcPr/>
+                </a:tc>
+                <a:tc>
+                  <a:txBody>
+                    <a:bodyPr/>
+                    <a:lstStyle/>
+                    <a:p>
+                      <a:endParaRPr lang="zh-TW" altLang="en-US"/>
+                    </a:p>
+                  </a:txBody>
+                  <a:tcPr/>
+                </a:tc>
+                <a:tc>
+                  <a:txBody>
+                    <a:bodyPr/>
+                    <a:lstStyle/>
+                    <a:p>
+                      <a:endParaRPr lang="zh-TW" altLang="en-US"/>
+                    </a:p>
+                  </a:txBody>
+                  <a:tcPr/>
+                </a:tc>
+                <a:tc>
+                  <a:txBody>
+                    <a:bodyPr/>
+                    <a:lstStyle/>
+                    <a:p>
+                      <a:endParaRPr lang="zh-TW" altLang="en-US"/>
+                    </a:p>
+                  </a:txBody>
+                  <a:tcPr/>
+                </a:tc>
+                <a:tc>
+                  <a:txBody>
+                    <a:bodyPr/>
+                    <a:lstStyle/>
+                    <a:p>
+                      <a:endParaRPr lang="zh-TW" altLang="en-US"/>
+                    </a:p>
+                  </a:txBody>
+                  <a:tcPr/>
+                </a:tc>
+                <a:tc>
+                  <a:txBody>
+                    <a:bodyPr/>
+                    <a:lstStyle/>
+                    <a:p>
+                      <a:endParaRPr lang="zh-TW" altLang="en-US"/>
+                    </a:p>
+                  </a:txBody>
+                  <a:tcPr/>
+                </a:tc>
+                <a:tc>
+                  <a:txBody>
+                    <a:bodyPr/>
+                    <a:lstStyle/>
+                    <a:p>
+                      <a:endParaRPr lang="zh-TW" altLang="en-US"/>
+                    </a:p>
+                  </a:txBody>
+                  <a:tcPr/>
+                </a:tc>
+                <a:tc>
+                  <a:txBody>
+                    <a:bodyPr/>
+                    <a:lstStyle/>
+                    <a:p>
+                      <a:endParaRPr lang="zh-TW" altLang="en-US"/>
+                    </a:p>
+                  </a:txBody>
+                  <a:tcPr/>
+                </a:tc>
+                <a:tc>
+                  <a:txBody>
+                    <a:bodyPr/>
+                    <a:lstStyle/>
+                    <a:p>
+                      <a:endParaRPr lang="zh-TW" altLang="en-US"/>
+                    </a:p>
+                  </a:txBody>
+                  <a:tcPr/>
+                </a:tc>
+                <a:tc>
+                  <a:txBody>
+                    <a:bodyPr/>
+                    <a:lstStyle/>
+                    <a:p>
+                      <a:endParaRPr lang="zh-TW" altLang="en-US"/>
+                    </a:p>
+                  </a:txBody>
+                  <a:tcPr/>
+                </a:tc>
+                <a:tc>
+                  <a:txBody>
+                    <a:bodyPr/>
+                    <a:lstStyle/>
+                    <a:p>
+                      <a:endParaRPr lang="zh-TW" altLang="en-US"/>
+                    </a:p>
+                  </a:txBody>
+                  <a:tcPr/>
+                </a:tc>
+                <a:tc>
+                  <a:txBody>
+                    <a:bodyPr/>
+                    <a:lstStyle/>
+                    <a:p>
+                      <a:endParaRPr lang="zh-TW" altLang="en-US"/>
+                    </a:p>
+                  </a:txBody>
+                  <a:tcPr/>
+                </a:tc>
+                <a:tc>
+                  <a:txBody>
+                    <a:bodyPr/>
+                    <a:lstStyle/>
+                    <a:p>
+                      <a:endParaRPr lang="zh-TW" altLang="en-US"/>
+                    </a:p>
+                  </a:txBody>
+                  <a:tcPr/>
+                </a:tc>
+                <a:tc>
+                  <a:txBody>
+                    <a:bodyPr/>
+                    <a:lstStyle/>
+                    <a:p>
+                      <a:endParaRPr lang="zh-TW" altLang="en-US"/>
+                    </a:p>
+                  </a:txBody>
+                  <a:tcPr/>
+                </a:tc>
+                <a:tc>
+                  <a:txBody>
+                    <a:bodyPr/>
+                    <a:lstStyle/>
+                    <a:p>
+                      <a:endParaRPr lang="zh-TW" altLang="en-US"/>
+                    </a:p>
+                  </a:txBody>
+                  <a:tcPr/>
+                </a:tc>
+                <a:tc>
+                  <a:txBody>
+                    <a:bodyPr/>
+                    <a:lstStyle/>
+                    <a:p>
+                      <a:endParaRPr lang="zh-TW" altLang="en-US"/>
+                    </a:p>
+                  </a:txBody>
+                  <a:tcPr/>
+                </a:tc>
+                <a:tc>
+                  <a:txBody>
+                    <a:bodyPr/>
+                    <a:lstStyle/>
+                    <a:p>
+                      <a:endParaRPr lang="zh-TW" altLang="en-US"/>
+                    </a:p>
+                  </a:txBody>
+                  <a:tcPr/>
+                </a:tc>
+                <a:tc>
+                  <a:txBody>
+                    <a:bodyPr/>
+                    <a:lstStyle/>
+                    <a:p>
+                      <a:endParaRPr lang="zh-TW" altLang="en-US"/>
+                    </a:p>
+                  </a:txBody>
+                  <a:tcPr/>
+                </a:tc>
+                <a:tc>
+                  <a:txBody>
+                    <a:bodyPr/>
+                    <a:lstStyle/>
+                    <a:p>
+                      <a:endParaRPr lang="zh-TW" altLang="en-US"/>
+                    </a:p>
+                  </a:txBody>
+                  <a:tcPr/>
+                </a:tc>
+                <a:tc>
+                  <a:txBody>
+                    <a:bodyPr/>
+                    <a:lstStyle/>
+                    <a:p>
+                      <a:endParaRPr lang="zh-TW" altLang="en-US"/>
+                    </a:p>
+                  </a:txBody>
+                  <a:tcPr/>
+                </a:tc>
+                <a:tc>
+                  <a:txBody>
+                    <a:bodyPr/>
+                    <a:lstStyle/>
+                    <a:p>
+                      <a:endParaRPr lang="zh-TW" altLang="en-US"/>
+                    </a:p>
+                  </a:txBody>
+                  <a:tcPr/>
+                </a:tc>
+                <a:tc>
+                  <a:txBody>
+                    <a:bodyPr/>
+                    <a:lstStyle/>
+                    <a:p>
+                      <a:endParaRPr lang="zh-TW" altLang="en-US"/>
+                    </a:p>
+                  </a:txBody>
+                  <a:tcPr/>
+                </a:tc>
+                <a:tc>
+                  <a:txBody>
+                    <a:bodyPr/>
+                    <a:lstStyle/>
+                    <a:p>
+                      <a:endParaRPr lang="zh-TW" altLang="en-US"/>
+                    </a:p>
+                  </a:txBody>
+                  <a:tcPr/>
+                </a:tc>
+                <a:tc>
+                  <a:txBody>
+                    <a:bodyPr/>
+                    <a:lstStyle/>
+                    <a:p>
+                      <a:endParaRPr lang="zh-TW" altLang="en-US"/>
+                    </a:p>
+                  </a:txBody>
+                  <a:tcPr/>
+                </a:tc>
+                <a:tc>
+                  <a:txBody>
+                    <a:bodyPr/>
+                    <a:lstStyle/>
+                    <a:p>
+                      <a:endParaRPr lang="zh-TW" altLang="en-US"/>
+                    </a:p>
+                  </a:txBody>
+                  <a:tcPr/>
+                </a:tc>
+                <a:tc>
+                  <a:txBody>
+                    <a:bodyPr/>
+                    <a:lstStyle/>
+                    <a:p>
+                      <a:endParaRPr lang="zh-TW" altLang="en-US"/>
+                    </a:p>
+                  </a:txBody>
+                  <a:tcPr/>
+                </a:tc>
+                <a:extLst>
+                  <a:ext uri="{0D108BD9-81ED-4DB2-BD59-A6C34878D82A}">
+                    <a16:rowId xmlns:a16="http://schemas.microsoft.com/office/drawing/2014/main" val="927199093"/>
+                  </a:ext>
+                </a:extLst>
+              </a:tr>
+              <a:tr h="601423">
+                <a:tc>
+                  <a:txBody>
+                    <a:bodyPr/>
+                    <a:lstStyle/>
+                    <a:p>
+                      <a:endParaRPr lang="zh-TW" altLang="en-US"/>
+                    </a:p>
+                  </a:txBody>
+                  <a:tcPr/>
+                </a:tc>
+                <a:tc>
+                  <a:txBody>
+                    <a:bodyPr/>
+                    <a:lstStyle/>
+                    <a:p>
+                      <a:endParaRPr lang="zh-TW" altLang="en-US"/>
+                    </a:p>
+                  </a:txBody>
+                  <a:tcPr/>
+                </a:tc>
+                <a:tc>
+                  <a:txBody>
+                    <a:bodyPr/>
+                    <a:lstStyle/>
+                    <a:p>
+                      <a:endParaRPr lang="zh-TW" altLang="en-US"/>
+                    </a:p>
+                  </a:txBody>
+                  <a:tcPr/>
+                </a:tc>
+                <a:tc>
+                  <a:txBody>
+                    <a:bodyPr/>
+                    <a:lstStyle/>
+                    <a:p>
+                      <a:endParaRPr lang="zh-TW" altLang="en-US"/>
+                    </a:p>
+                  </a:txBody>
+                  <a:tcPr/>
+                </a:tc>
+                <a:tc>
+                  <a:txBody>
+                    <a:bodyPr/>
+                    <a:lstStyle/>
+                    <a:p>
+                      <a:endParaRPr lang="zh-TW" altLang="en-US"/>
+                    </a:p>
+                  </a:txBody>
+                  <a:tcPr/>
+                </a:tc>
+                <a:tc>
+                  <a:txBody>
+                    <a:bodyPr/>
+                    <a:lstStyle/>
+                    <a:p>
+                      <a:endParaRPr lang="zh-TW" altLang="en-US"/>
+                    </a:p>
+                  </a:txBody>
+                  <a:tcPr/>
+                </a:tc>
+                <a:tc>
+                  <a:txBody>
+                    <a:bodyPr/>
+                    <a:lstStyle/>
+                    <a:p>
+                      <a:endParaRPr lang="zh-TW" altLang="en-US"/>
+                    </a:p>
+                  </a:txBody>
+                  <a:tcPr/>
+                </a:tc>
+                <a:tc>
+                  <a:txBody>
+                    <a:bodyPr/>
+                    <a:lstStyle/>
+                    <a:p>
+                      <a:endParaRPr lang="zh-TW" altLang="en-US"/>
+                    </a:p>
+                  </a:txBody>
+                  <a:tcPr/>
+                </a:tc>
+                <a:tc>
+                  <a:txBody>
+                    <a:bodyPr/>
+                    <a:lstStyle/>
+                    <a:p>
+                      <a:endParaRPr lang="zh-TW" altLang="en-US"/>
+                    </a:p>
+                  </a:txBody>
+                  <a:tcPr/>
+                </a:tc>
+                <a:tc>
+                  <a:txBody>
+                    <a:bodyPr/>
+                    <a:lstStyle/>
+                    <a:p>
+                      <a:endParaRPr lang="zh-TW" altLang="en-US"/>
+                    </a:p>
+                  </a:txBody>
+                  <a:tcPr/>
+                </a:tc>
+                <a:tc>
+                  <a:txBody>
+                    <a:bodyPr/>
+                    <a:lstStyle/>
+                    <a:p>
+                      <a:endParaRPr lang="zh-TW" altLang="en-US"/>
+                    </a:p>
+                  </a:txBody>
+                  <a:tcPr/>
+                </a:tc>
+                <a:tc>
+                  <a:txBody>
+                    <a:bodyPr/>
+                    <a:lstStyle/>
+                    <a:p>
+                      <a:endParaRPr lang="zh-TW" altLang="en-US"/>
+                    </a:p>
+                  </a:txBody>
+                  <a:tcPr/>
+                </a:tc>
+                <a:tc>
+                  <a:txBody>
+                    <a:bodyPr/>
+                    <a:lstStyle/>
+                    <a:p>
+                      <a:endParaRPr lang="zh-TW" altLang="en-US"/>
+                    </a:p>
+                  </a:txBody>
+                  <a:tcPr/>
+                </a:tc>
+                <a:tc>
+                  <a:txBody>
+                    <a:bodyPr/>
+                    <a:lstStyle/>
+                    <a:p>
+                      <a:endParaRPr lang="zh-TW" altLang="en-US"/>
+                    </a:p>
+                  </a:txBody>
+                  <a:tcPr/>
+                </a:tc>
+                <a:tc>
+                  <a:txBody>
+                    <a:bodyPr/>
+                    <a:lstStyle/>
+                    <a:p>
+                      <a:endParaRPr lang="zh-TW" altLang="en-US"/>
+                    </a:p>
+                  </a:txBody>
+                  <a:tcPr/>
+                </a:tc>
+                <a:tc>
+                  <a:txBody>
+                    <a:bodyPr/>
+                    <a:lstStyle/>
+                    <a:p>
+                      <a:endParaRPr lang="zh-TW" altLang="en-US"/>
+                    </a:p>
+                  </a:txBody>
+                  <a:tcPr/>
+                </a:tc>
+                <a:tc>
+                  <a:txBody>
+                    <a:bodyPr/>
+                    <a:lstStyle/>
+                    <a:p>
+                      <a:endParaRPr lang="zh-TW" altLang="en-US"/>
+                    </a:p>
+                  </a:txBody>
+                  <a:tcPr/>
+                </a:tc>
+                <a:tc>
+                  <a:txBody>
+                    <a:bodyPr/>
+                    <a:lstStyle/>
+                    <a:p>
+                      <a:endParaRPr lang="zh-TW" altLang="en-US"/>
+                    </a:p>
+                  </a:txBody>
+                  <a:tcPr/>
+                </a:tc>
+                <a:tc>
+                  <a:txBody>
+                    <a:bodyPr/>
+                    <a:lstStyle/>
+                    <a:p>
+                      <a:endParaRPr lang="zh-TW" altLang="en-US"/>
+                    </a:p>
+                  </a:txBody>
+                  <a:tcPr/>
+                </a:tc>
+                <a:tc>
+                  <a:txBody>
+                    <a:bodyPr/>
+                    <a:lstStyle/>
+                    <a:p>
+                      <a:endParaRPr lang="zh-TW" altLang="en-US"/>
+                    </a:p>
+                  </a:txBody>
+                  <a:tcPr/>
+                </a:tc>
+                <a:tc>
+                  <a:txBody>
+                    <a:bodyPr/>
+                    <a:lstStyle/>
+                    <a:p>
+                      <a:endParaRPr lang="zh-TW" altLang="en-US"/>
+                    </a:p>
+                  </a:txBody>
+                  <a:tcPr/>
+                </a:tc>
+                <a:tc>
+                  <a:txBody>
+                    <a:bodyPr/>
+                    <a:lstStyle/>
+                    <a:p>
+                      <a:endParaRPr lang="zh-TW" altLang="en-US"/>
+                    </a:p>
+                  </a:txBody>
+                  <a:tcPr/>
+                </a:tc>
+                <a:tc>
+                  <a:txBody>
+                    <a:bodyPr/>
+                    <a:lstStyle/>
+                    <a:p>
+                      <a:endParaRPr lang="zh-TW" altLang="en-US"/>
+                    </a:p>
+                  </a:txBody>
+                  <a:tcPr/>
+                </a:tc>
+                <a:tc>
+                  <a:txBody>
+                    <a:bodyPr/>
+                    <a:lstStyle/>
+                    <a:p>
+                      <a:endParaRPr lang="zh-TW" altLang="en-US"/>
+                    </a:p>
+                  </a:txBody>
+                  <a:tcPr/>
+                </a:tc>
+                <a:tc>
+                  <a:txBody>
+                    <a:bodyPr/>
+                    <a:lstStyle/>
+                    <a:p>
+                      <a:endParaRPr lang="zh-TW" altLang="en-US"/>
+                    </a:p>
+                  </a:txBody>
+                  <a:tcPr/>
+                </a:tc>
+                <a:tc>
+                  <a:txBody>
+                    <a:bodyPr/>
+                    <a:lstStyle/>
+                    <a:p>
+                      <a:endParaRPr lang="zh-TW" altLang="en-US"/>
+                    </a:p>
+                  </a:txBody>
+                  <a:tcPr/>
+                </a:tc>
+                <a:tc>
+                  <a:txBody>
+                    <a:bodyPr/>
+                    <a:lstStyle/>
+                    <a:p>
+                      <a:endParaRPr lang="zh-TW" altLang="en-US"/>
+                    </a:p>
+                  </a:txBody>
+                  <a:tcPr/>
+                </a:tc>
+                <a:tc>
+                  <a:txBody>
+                    <a:bodyPr/>
+                    <a:lstStyle/>
+                    <a:p>
+                      <a:endParaRPr lang="zh-TW" altLang="en-US"/>
+                    </a:p>
+                  </a:txBody>
+                  <a:tcPr/>
+                </a:tc>
+                <a:extLst>
+                  <a:ext uri="{0D108BD9-81ED-4DB2-BD59-A6C34878D82A}">
+                    <a16:rowId xmlns:a16="http://schemas.microsoft.com/office/drawing/2014/main" val="3171493892"/>
+                  </a:ext>
+                </a:extLst>
+              </a:tr>
+              <a:tr h="601423">
+                <a:tc>
+                  <a:txBody>
+                    <a:bodyPr/>
+                    <a:lstStyle/>
+                    <a:p>
+                      <a:endParaRPr lang="zh-TW" altLang="en-US"/>
+                    </a:p>
+                  </a:txBody>
+                  <a:tcPr/>
+                </a:tc>
+                <a:tc>
+                  <a:txBody>
+                    <a:bodyPr/>
+                    <a:lstStyle/>
+                    <a:p>
+                      <a:endParaRPr lang="zh-TW" altLang="en-US"/>
+                    </a:p>
+                  </a:txBody>
+                  <a:tcPr/>
+                </a:tc>
+                <a:tc>
+                  <a:txBody>
+                    <a:bodyPr/>
+                    <a:lstStyle/>
+                    <a:p>
+                      <a:endParaRPr lang="zh-TW" altLang="en-US"/>
+                    </a:p>
+                  </a:txBody>
+                  <a:tcPr/>
+                </a:tc>
+                <a:tc>
+                  <a:txBody>
+                    <a:bodyPr/>
+                    <a:lstStyle/>
+                    <a:p>
+                      <a:endParaRPr lang="zh-TW" altLang="en-US"/>
+                    </a:p>
+                  </a:txBody>
+                  <a:tcPr/>
+                </a:tc>
+                <a:tc>
+                  <a:txBody>
+                    <a:bodyPr/>
+                    <a:lstStyle/>
+                    <a:p>
+                      <a:endParaRPr lang="zh-TW" altLang="en-US"/>
+                    </a:p>
+                  </a:txBody>
+                  <a:tcPr/>
+                </a:tc>
+                <a:tc>
+                  <a:txBody>
+                    <a:bodyPr/>
+                    <a:lstStyle/>
+                    <a:p>
+                      <a:endParaRPr lang="zh-TW" altLang="en-US"/>
+                    </a:p>
+                  </a:txBody>
+                  <a:tcPr/>
+                </a:tc>
+                <a:tc>
+                  <a:txBody>
+                    <a:bodyPr/>
+                    <a:lstStyle/>
+                    <a:p>
+                      <a:endParaRPr lang="zh-TW" altLang="en-US"/>
+                    </a:p>
+                  </a:txBody>
+                  <a:tcPr/>
+                </a:tc>
+                <a:tc>
+                  <a:txBody>
+                    <a:bodyPr/>
+                    <a:lstStyle/>
+                    <a:p>
+                      <a:endParaRPr lang="zh-TW" altLang="en-US"/>
+                    </a:p>
+                  </a:txBody>
+                  <a:tcPr/>
+                </a:tc>
+                <a:tc>
+                  <a:txBody>
+                    <a:bodyPr/>
+                    <a:lstStyle/>
+                    <a:p>
+                      <a:endParaRPr lang="zh-TW" altLang="en-US"/>
+                    </a:p>
+                  </a:txBody>
+                  <a:tcPr/>
+                </a:tc>
+                <a:tc>
+                  <a:txBody>
+                    <a:bodyPr/>
+                    <a:lstStyle/>
+                    <a:p>
+                      <a:endParaRPr lang="zh-TW" altLang="en-US"/>
+                    </a:p>
+                  </a:txBody>
+                  <a:tcPr/>
+                </a:tc>
+                <a:tc>
+                  <a:txBody>
+                    <a:bodyPr/>
+                    <a:lstStyle/>
+                    <a:p>
+                      <a:endParaRPr lang="zh-TW" altLang="en-US"/>
+                    </a:p>
+                  </a:txBody>
+                  <a:tcPr/>
+                </a:tc>
+                <a:tc>
+                  <a:txBody>
+                    <a:bodyPr/>
+                    <a:lstStyle/>
+                    <a:p>
+                      <a:endParaRPr lang="zh-TW" altLang="en-US"/>
+                    </a:p>
+                  </a:txBody>
+                  <a:tcPr/>
+                </a:tc>
+                <a:tc>
+                  <a:txBody>
+                    <a:bodyPr/>
+                    <a:lstStyle/>
+                    <a:p>
+                      <a:endParaRPr lang="zh-TW" altLang="en-US"/>
+                    </a:p>
+                  </a:txBody>
+                  <a:tcPr/>
+                </a:tc>
+                <a:tc>
+                  <a:txBody>
+                    <a:bodyPr/>
+                    <a:lstStyle/>
+                    <a:p>
+                      <a:endParaRPr lang="zh-TW" altLang="en-US"/>
+                    </a:p>
+                  </a:txBody>
+                  <a:tcPr/>
+                </a:tc>
+                <a:tc>
+                  <a:txBody>
+                    <a:bodyPr/>
+                    <a:lstStyle/>
+                    <a:p>
+                      <a:endParaRPr lang="zh-TW" altLang="en-US"/>
+                    </a:p>
+                  </a:txBody>
+                  <a:tcPr/>
+                </a:tc>
+                <a:tc>
+                  <a:txBody>
+                    <a:bodyPr/>
+                    <a:lstStyle/>
+                    <a:p>
+                      <a:endParaRPr lang="zh-TW" altLang="en-US"/>
+                    </a:p>
+                  </a:txBody>
+                  <a:tcPr/>
+                </a:tc>
+                <a:tc>
+                  <a:txBody>
+                    <a:bodyPr/>
+                    <a:lstStyle/>
+                    <a:p>
+                      <a:endParaRPr lang="zh-TW" altLang="en-US"/>
+                    </a:p>
+                  </a:txBody>
+                  <a:tcPr/>
+                </a:tc>
+                <a:tc>
+                  <a:txBody>
+                    <a:bodyPr/>
+                    <a:lstStyle/>
+                    <a:p>
+                      <a:endParaRPr lang="zh-TW" altLang="en-US"/>
+                    </a:p>
+                  </a:txBody>
+                  <a:tcPr/>
+                </a:tc>
+                <a:tc>
+                  <a:txBody>
+                    <a:bodyPr/>
+                    <a:lstStyle/>
+                    <a:p>
+                      <a:endParaRPr lang="zh-TW" altLang="en-US"/>
+                    </a:p>
+                  </a:txBody>
+                  <a:tcPr/>
+                </a:tc>
+                <a:tc>
+                  <a:txBody>
+                    <a:bodyPr/>
+                    <a:lstStyle/>
+                    <a:p>
+                      <a:endParaRPr lang="zh-TW" altLang="en-US"/>
+                    </a:p>
+                  </a:txBody>
+                  <a:tcPr/>
+                </a:tc>
+                <a:tc>
+                  <a:txBody>
+                    <a:bodyPr/>
+                    <a:lstStyle/>
+                    <a:p>
+                      <a:endParaRPr lang="zh-TW" altLang="en-US"/>
+                    </a:p>
+                  </a:txBody>
+                  <a:tcPr/>
+                </a:tc>
+                <a:tc>
+                  <a:txBody>
+                    <a:bodyPr/>
+                    <a:lstStyle/>
+                    <a:p>
+                      <a:endParaRPr lang="zh-TW" altLang="en-US"/>
+                    </a:p>
+                  </a:txBody>
+                  <a:tcPr/>
+                </a:tc>
+                <a:tc>
+                  <a:txBody>
+                    <a:bodyPr/>
+                    <a:lstStyle/>
+                    <a:p>
+                      <a:endParaRPr lang="zh-TW" altLang="en-US"/>
+                    </a:p>
+                  </a:txBody>
+                  <a:tcPr/>
+                </a:tc>
+                <a:tc>
+                  <a:txBody>
+                    <a:bodyPr/>
+                    <a:lstStyle/>
+                    <a:p>
+                      <a:endParaRPr lang="zh-TW" altLang="en-US"/>
+                    </a:p>
+                  </a:txBody>
+                  <a:tcPr/>
+                </a:tc>
+                <a:tc>
+                  <a:txBody>
+                    <a:bodyPr/>
+                    <a:lstStyle/>
+                    <a:p>
+                      <a:endParaRPr lang="zh-TW" altLang="en-US"/>
+                    </a:p>
+                  </a:txBody>
+                  <a:tcPr/>
+                </a:tc>
+                <a:tc>
+                  <a:txBody>
+                    <a:bodyPr/>
+                    <a:lstStyle/>
+                    <a:p>
+                      <a:endParaRPr lang="zh-TW" altLang="en-US"/>
+                    </a:p>
+                  </a:txBody>
+                  <a:tcPr/>
+                </a:tc>
+                <a:tc>
+                  <a:txBody>
+                    <a:bodyPr/>
+                    <a:lstStyle/>
+                    <a:p>
+                      <a:endParaRPr lang="zh-TW" altLang="en-US"/>
+                    </a:p>
+                  </a:txBody>
+                  <a:tcPr/>
+                </a:tc>
+                <a:tc>
+                  <a:txBody>
+                    <a:bodyPr/>
+                    <a:lstStyle/>
+                    <a:p>
+                      <a:endParaRPr lang="zh-TW" altLang="en-US"/>
+                    </a:p>
+                  </a:txBody>
+                  <a:tcPr/>
+                </a:tc>
+                <a:extLst>
+                  <a:ext uri="{0D108BD9-81ED-4DB2-BD59-A6C34878D82A}">
+                    <a16:rowId xmlns:a16="http://schemas.microsoft.com/office/drawing/2014/main" val="281989794"/>
+                  </a:ext>
+                </a:extLst>
+              </a:tr>
+              <a:tr h="601423">
+                <a:tc>
+                  <a:txBody>
+                    <a:bodyPr/>
+                    <a:lstStyle/>
+                    <a:p>
+                      <a:endParaRPr lang="zh-TW" altLang="en-US"/>
+                    </a:p>
+                  </a:txBody>
+                  <a:tcPr/>
+                </a:tc>
+                <a:tc>
+                  <a:txBody>
+                    <a:bodyPr/>
+                    <a:lstStyle/>
+                    <a:p>
+                      <a:endParaRPr lang="zh-TW" altLang="en-US"/>
+                    </a:p>
+                  </a:txBody>
+                  <a:tcPr/>
+                </a:tc>
+                <a:tc>
+                  <a:txBody>
+                    <a:bodyPr/>
+                    <a:lstStyle/>
+                    <a:p>
+                      <a:endParaRPr lang="zh-TW" altLang="en-US"/>
+                    </a:p>
+                  </a:txBody>
+                  <a:tcPr/>
+                </a:tc>
+                <a:tc>
+                  <a:txBody>
+                    <a:bodyPr/>
+                    <a:lstStyle/>
+                    <a:p>
+                      <a:endParaRPr lang="zh-TW" altLang="en-US"/>
+                    </a:p>
+                  </a:txBody>
+                  <a:tcPr/>
+                </a:tc>
+                <a:tc>
+                  <a:txBody>
+                    <a:bodyPr/>
+                    <a:lstStyle/>
+                    <a:p>
+                      <a:endParaRPr lang="zh-TW" altLang="en-US"/>
+                    </a:p>
+                  </a:txBody>
+                  <a:tcPr/>
+                </a:tc>
+                <a:tc>
+                  <a:txBody>
+                    <a:bodyPr/>
+                    <a:lstStyle/>
+                    <a:p>
+                      <a:endParaRPr lang="zh-TW" altLang="en-US"/>
+                    </a:p>
+                  </a:txBody>
+                  <a:tcPr/>
+                </a:tc>
+                <a:tc>
+                  <a:txBody>
+                    <a:bodyPr/>
+                    <a:lstStyle/>
+                    <a:p>
+                      <a:endParaRPr lang="zh-TW" altLang="en-US"/>
+                    </a:p>
+                  </a:txBody>
+                  <a:tcPr/>
+                </a:tc>
+                <a:tc>
+                  <a:txBody>
+                    <a:bodyPr/>
+                    <a:lstStyle/>
+                    <a:p>
+                      <a:endParaRPr lang="zh-TW" altLang="en-US"/>
+                    </a:p>
+                  </a:txBody>
+                  <a:tcPr/>
+                </a:tc>
+                <a:tc>
+                  <a:txBody>
+                    <a:bodyPr/>
+                    <a:lstStyle/>
+                    <a:p>
+                      <a:endParaRPr lang="zh-TW" altLang="en-US"/>
+                    </a:p>
+                  </a:txBody>
+                  <a:tcPr/>
+                </a:tc>
+                <a:tc>
+                  <a:txBody>
+                    <a:bodyPr/>
+                    <a:lstStyle/>
+                    <a:p>
+                      <a:endParaRPr lang="zh-TW" altLang="en-US"/>
+                    </a:p>
+                  </a:txBody>
+                  <a:tcPr/>
+                </a:tc>
+                <a:tc>
+                  <a:txBody>
+                    <a:bodyPr/>
+                    <a:lstStyle/>
+                    <a:p>
+                      <a:endParaRPr lang="zh-TW" altLang="en-US"/>
+                    </a:p>
+                  </a:txBody>
+                  <a:tcPr/>
+                </a:tc>
+                <a:tc>
+                  <a:txBody>
+                    <a:bodyPr/>
+                    <a:lstStyle/>
+                    <a:p>
+                      <a:endParaRPr lang="zh-TW" altLang="en-US"/>
+                    </a:p>
+                  </a:txBody>
+                  <a:tcPr/>
+                </a:tc>
+                <a:tc>
+                  <a:txBody>
+                    <a:bodyPr/>
+                    <a:lstStyle/>
+                    <a:p>
+                      <a:endParaRPr lang="zh-TW" altLang="en-US"/>
+                    </a:p>
+                  </a:txBody>
+                  <a:tcPr/>
+                </a:tc>
+                <a:tc>
+                  <a:txBody>
+                    <a:bodyPr/>
+                    <a:lstStyle/>
+                    <a:p>
+                      <a:endParaRPr lang="zh-TW" altLang="en-US"/>
+                    </a:p>
+                  </a:txBody>
+                  <a:tcPr/>
+                </a:tc>
+                <a:tc>
+                  <a:txBody>
+                    <a:bodyPr/>
+                    <a:lstStyle/>
+                    <a:p>
+                      <a:endParaRPr lang="zh-TW" altLang="en-US"/>
+                    </a:p>
+                  </a:txBody>
+                  <a:tcPr/>
+                </a:tc>
+                <a:tc>
+                  <a:txBody>
+                    <a:bodyPr/>
+                    <a:lstStyle/>
+                    <a:p>
+                      <a:endParaRPr lang="zh-TW" altLang="en-US"/>
+                    </a:p>
+                  </a:txBody>
+                  <a:tcPr/>
+                </a:tc>
+                <a:tc>
+                  <a:txBody>
+                    <a:bodyPr/>
+                    <a:lstStyle/>
+                    <a:p>
+                      <a:endParaRPr lang="zh-TW" altLang="en-US"/>
+                    </a:p>
+                  </a:txBody>
+                  <a:tcPr/>
+                </a:tc>
+                <a:tc>
+                  <a:txBody>
+                    <a:bodyPr/>
+                    <a:lstStyle/>
+                    <a:p>
+                      <a:endParaRPr lang="zh-TW" altLang="en-US"/>
+                    </a:p>
+                  </a:txBody>
+                  <a:tcPr/>
+                </a:tc>
+                <a:tc>
+                  <a:txBody>
+                    <a:bodyPr/>
+                    <a:lstStyle/>
+                    <a:p>
+                      <a:endParaRPr lang="zh-TW" altLang="en-US"/>
+                    </a:p>
+                  </a:txBody>
+                  <a:tcPr/>
+                </a:tc>
+                <a:tc>
+                  <a:txBody>
+                    <a:bodyPr/>
+                    <a:lstStyle/>
+                    <a:p>
+                      <a:endParaRPr lang="zh-TW" altLang="en-US"/>
+                    </a:p>
+                  </a:txBody>
+                  <a:tcPr/>
+                </a:tc>
+                <a:tc>
+                  <a:txBody>
+                    <a:bodyPr/>
+                    <a:lstStyle/>
+                    <a:p>
+                      <a:endParaRPr lang="zh-TW" altLang="en-US"/>
+                    </a:p>
+                  </a:txBody>
+                  <a:tcPr/>
+                </a:tc>
+                <a:tc>
+                  <a:txBody>
+                    <a:bodyPr/>
+                    <a:lstStyle/>
+                    <a:p>
+                      <a:endParaRPr lang="zh-TW" altLang="en-US"/>
+                    </a:p>
+                  </a:txBody>
+                  <a:tcPr/>
+                </a:tc>
+                <a:tc>
+                  <a:txBody>
+                    <a:bodyPr/>
+                    <a:lstStyle/>
+                    <a:p>
+                      <a:endParaRPr lang="zh-TW" altLang="en-US"/>
+                    </a:p>
+                  </a:txBody>
+                  <a:tcPr/>
+                </a:tc>
+                <a:tc>
+                  <a:txBody>
+                    <a:bodyPr/>
+                    <a:lstStyle/>
+                    <a:p>
+                      <a:endParaRPr lang="zh-TW" altLang="en-US"/>
+                    </a:p>
+                  </a:txBody>
+                  <a:tcPr/>
+                </a:tc>
+                <a:tc>
+                  <a:txBody>
+                    <a:bodyPr/>
+                    <a:lstStyle/>
+                    <a:p>
+                      <a:endParaRPr lang="zh-TW" altLang="en-US"/>
+                    </a:p>
+                  </a:txBody>
+                  <a:tcPr/>
+                </a:tc>
+                <a:tc>
+                  <a:txBody>
+                    <a:bodyPr/>
+                    <a:lstStyle/>
+                    <a:p>
+                      <a:endParaRPr lang="zh-TW" altLang="en-US"/>
+                    </a:p>
+                  </a:txBody>
+                  <a:tcPr/>
+                </a:tc>
+                <a:tc>
+                  <a:txBody>
+                    <a:bodyPr/>
+                    <a:lstStyle/>
+                    <a:p>
+                      <a:endParaRPr lang="zh-TW" altLang="en-US"/>
+                    </a:p>
+                  </a:txBody>
+                  <a:tcPr/>
+                </a:tc>
+                <a:tc>
+                  <a:txBody>
+                    <a:bodyPr/>
+                    <a:lstStyle/>
+                    <a:p>
+                      <a:endParaRPr lang="zh-TW" altLang="en-US"/>
+                    </a:p>
+                  </a:txBody>
+                  <a:tcPr/>
+                </a:tc>
+                <a:extLst>
+                  <a:ext uri="{0D108BD9-81ED-4DB2-BD59-A6C34878D82A}">
+                    <a16:rowId xmlns:a16="http://schemas.microsoft.com/office/drawing/2014/main" val="2705171998"/>
+                  </a:ext>
+                </a:extLst>
+              </a:tr>
+              <a:tr h="601423">
+                <a:tc>
+                  <a:txBody>
+                    <a:bodyPr/>
+                    <a:lstStyle/>
+                    <a:p>
+                      <a:endParaRPr lang="zh-TW" altLang="en-US"/>
+                    </a:p>
+                  </a:txBody>
+                  <a:tcPr/>
+                </a:tc>
+                <a:tc>
+                  <a:txBody>
+                    <a:bodyPr/>
+                    <a:lstStyle/>
+                    <a:p>
+                      <a:endParaRPr lang="zh-TW" altLang="en-US"/>
+                    </a:p>
+                  </a:txBody>
+                  <a:tcPr/>
+                </a:tc>
+                <a:tc>
+                  <a:txBody>
+                    <a:bodyPr/>
+                    <a:lstStyle/>
+                    <a:p>
+                      <a:endParaRPr lang="zh-TW" altLang="en-US"/>
+                    </a:p>
+                  </a:txBody>
+                  <a:tcPr/>
+                </a:tc>
+                <a:tc>
+                  <a:txBody>
+                    <a:bodyPr/>
+                    <a:lstStyle/>
+                    <a:p>
+                      <a:endParaRPr lang="zh-TW" altLang="en-US"/>
+                    </a:p>
+                  </a:txBody>
+                  <a:tcPr/>
+                </a:tc>
+                <a:tc>
+                  <a:txBody>
+                    <a:bodyPr/>
+                    <a:lstStyle/>
+                    <a:p>
+                      <a:endParaRPr lang="zh-TW" altLang="en-US"/>
+                    </a:p>
+                  </a:txBody>
+                  <a:tcPr/>
+                </a:tc>
+                <a:tc>
+                  <a:txBody>
+                    <a:bodyPr/>
+                    <a:lstStyle/>
+                    <a:p>
+                      <a:endParaRPr lang="zh-TW" altLang="en-US"/>
+                    </a:p>
+                  </a:txBody>
+                  <a:tcPr/>
+                </a:tc>
+                <a:tc>
+                  <a:txBody>
+                    <a:bodyPr/>
+                    <a:lstStyle/>
+                    <a:p>
+                      <a:endParaRPr lang="zh-TW" altLang="en-US"/>
+                    </a:p>
+                  </a:txBody>
+                  <a:tcPr/>
+                </a:tc>
+                <a:tc>
+                  <a:txBody>
+                    <a:bodyPr/>
+                    <a:lstStyle/>
+                    <a:p>
+                      <a:endParaRPr lang="zh-TW" altLang="en-US"/>
+                    </a:p>
+                  </a:txBody>
+                  <a:tcPr/>
+                </a:tc>
+                <a:tc>
+                  <a:txBody>
+                    <a:bodyPr/>
+                    <a:lstStyle/>
+                    <a:p>
+                      <a:endParaRPr lang="zh-TW" altLang="en-US"/>
+                    </a:p>
+                  </a:txBody>
+                  <a:tcPr/>
+                </a:tc>
+                <a:tc>
+                  <a:txBody>
+                    <a:bodyPr/>
+                    <a:lstStyle/>
+                    <a:p>
+                      <a:endParaRPr lang="zh-TW" altLang="en-US"/>
+                    </a:p>
+                  </a:txBody>
+                  <a:tcPr/>
+                </a:tc>
+                <a:tc>
+                  <a:txBody>
+                    <a:bodyPr/>
+                    <a:lstStyle/>
+                    <a:p>
+                      <a:endParaRPr lang="zh-TW" altLang="en-US"/>
+                    </a:p>
+                  </a:txBody>
+                  <a:tcPr/>
+                </a:tc>
+                <a:tc>
+                  <a:txBody>
+                    <a:bodyPr/>
+                    <a:lstStyle/>
+                    <a:p>
+                      <a:endParaRPr lang="zh-TW" altLang="en-US"/>
+                    </a:p>
+                  </a:txBody>
+                  <a:tcPr/>
+                </a:tc>
+                <a:tc>
+                  <a:txBody>
+                    <a:bodyPr/>
+                    <a:lstStyle/>
+                    <a:p>
+                      <a:endParaRPr lang="zh-TW" altLang="en-US"/>
+                    </a:p>
+                  </a:txBody>
+                  <a:tcPr/>
+                </a:tc>
+                <a:tc>
+                  <a:txBody>
+                    <a:bodyPr/>
+                    <a:lstStyle/>
+                    <a:p>
+                      <a:endParaRPr lang="zh-TW" altLang="en-US"/>
+                    </a:p>
+                  </a:txBody>
+                  <a:tcPr/>
+                </a:tc>
+                <a:tc>
+                  <a:txBody>
+                    <a:bodyPr/>
+                    <a:lstStyle/>
+                    <a:p>
+                      <a:endParaRPr lang="zh-TW" altLang="en-US"/>
+                    </a:p>
+                  </a:txBody>
+                  <a:tcPr/>
+                </a:tc>
+                <a:tc>
+                  <a:txBody>
+                    <a:bodyPr/>
+                    <a:lstStyle/>
+                    <a:p>
+                      <a:endParaRPr lang="zh-TW" altLang="en-US"/>
+                    </a:p>
+                  </a:txBody>
+                  <a:tcPr/>
+                </a:tc>
+                <a:tc>
+                  <a:txBody>
+                    <a:bodyPr/>
+                    <a:lstStyle/>
+                    <a:p>
+                      <a:endParaRPr lang="zh-TW" altLang="en-US"/>
+                    </a:p>
+                  </a:txBody>
+                  <a:tcPr/>
+                </a:tc>
+                <a:tc>
+                  <a:txBody>
+                    <a:bodyPr/>
+                    <a:lstStyle/>
+                    <a:p>
+                      <a:endParaRPr lang="zh-TW" altLang="en-US"/>
+                    </a:p>
+                  </a:txBody>
+                  <a:tcPr/>
+                </a:tc>
+                <a:tc>
+                  <a:txBody>
+                    <a:bodyPr/>
+                    <a:lstStyle/>
+                    <a:p>
+                      <a:endParaRPr lang="zh-TW" altLang="en-US"/>
+                    </a:p>
+                  </a:txBody>
+                  <a:tcPr/>
+                </a:tc>
+                <a:tc>
+                  <a:txBody>
+                    <a:bodyPr/>
+                    <a:lstStyle/>
+                    <a:p>
+                      <a:endParaRPr lang="zh-TW" altLang="en-US"/>
+                    </a:p>
+                  </a:txBody>
+                  <a:tcPr/>
+                </a:tc>
+                <a:tc>
+                  <a:txBody>
+                    <a:bodyPr/>
+                    <a:lstStyle/>
+                    <a:p>
+                      <a:endParaRPr lang="zh-TW" altLang="en-US"/>
+                    </a:p>
+                  </a:txBody>
+                  <a:tcPr/>
+                </a:tc>
+                <a:tc>
+                  <a:txBody>
+                    <a:bodyPr/>
+                    <a:lstStyle/>
+                    <a:p>
+                      <a:endParaRPr lang="zh-TW" altLang="en-US"/>
+                    </a:p>
+                  </a:txBody>
+                  <a:tcPr/>
+                </a:tc>
+                <a:tc>
+                  <a:txBody>
+                    <a:bodyPr/>
+                    <a:lstStyle/>
+                    <a:p>
+                      <a:endParaRPr lang="zh-TW" altLang="en-US"/>
+                    </a:p>
+                  </a:txBody>
+                  <a:tcPr/>
+                </a:tc>
+                <a:tc>
+                  <a:txBody>
+                    <a:bodyPr/>
+                    <a:lstStyle/>
+                    <a:p>
+                      <a:endParaRPr lang="zh-TW" altLang="en-US"/>
+                    </a:p>
+                  </a:txBody>
+                  <a:tcPr/>
+                </a:tc>
+                <a:tc>
+                  <a:txBody>
+                    <a:bodyPr/>
+                    <a:lstStyle/>
+                    <a:p>
+                      <a:endParaRPr lang="zh-TW" altLang="en-US"/>
+                    </a:p>
+                  </a:txBody>
+                  <a:tcPr/>
+                </a:tc>
+                <a:tc>
+                  <a:txBody>
+                    <a:bodyPr/>
+                    <a:lstStyle/>
+                    <a:p>
+                      <a:endParaRPr lang="zh-TW" altLang="en-US"/>
+                    </a:p>
+                  </a:txBody>
+                  <a:tcPr/>
+                </a:tc>
+                <a:tc>
+                  <a:txBody>
+                    <a:bodyPr/>
+                    <a:lstStyle/>
+                    <a:p>
+                      <a:endParaRPr lang="zh-TW" altLang="en-US"/>
+                    </a:p>
+                  </a:txBody>
+                  <a:tcPr/>
+                </a:tc>
+                <a:tc>
+                  <a:txBody>
+                    <a:bodyPr/>
+                    <a:lstStyle/>
+                    <a:p>
+                      <a:endParaRPr lang="zh-TW" altLang="en-US"/>
+                    </a:p>
+                  </a:txBody>
+                  <a:tcPr/>
+                </a:tc>
+                <a:extLst>
+                  <a:ext uri="{0D108BD9-81ED-4DB2-BD59-A6C34878D82A}">
+                    <a16:rowId xmlns:a16="http://schemas.microsoft.com/office/drawing/2014/main" val="853069633"/>
+                  </a:ext>
+                </a:extLst>
+              </a:tr>
+              <a:tr h="601423">
+                <a:tc>
+                  <a:txBody>
+                    <a:bodyPr/>
+                    <a:lstStyle/>
+                    <a:p>
+                      <a:endParaRPr lang="zh-TW" altLang="en-US"/>
+                    </a:p>
+                  </a:txBody>
+                  <a:tcPr/>
+                </a:tc>
+                <a:tc>
+                  <a:txBody>
+                    <a:bodyPr/>
+                    <a:lstStyle/>
+                    <a:p>
+                      <a:endParaRPr lang="zh-TW" altLang="en-US"/>
+                    </a:p>
+                  </a:txBody>
+                  <a:tcPr/>
+                </a:tc>
+                <a:tc>
+                  <a:txBody>
+                    <a:bodyPr/>
+                    <a:lstStyle/>
+                    <a:p>
+                      <a:endParaRPr lang="zh-TW" altLang="en-US"/>
+                    </a:p>
+                  </a:txBody>
+                  <a:tcPr/>
+                </a:tc>
+                <a:tc>
+                  <a:txBody>
+                    <a:bodyPr/>
+                    <a:lstStyle/>
+                    <a:p>
+                      <a:endParaRPr lang="zh-TW" altLang="en-US"/>
+                    </a:p>
+                  </a:txBody>
+                  <a:tcPr/>
+                </a:tc>
+                <a:tc>
+                  <a:txBody>
+                    <a:bodyPr/>
+                    <a:lstStyle/>
+                    <a:p>
+                      <a:endParaRPr lang="zh-TW" altLang="en-US"/>
+                    </a:p>
+                  </a:txBody>
+                  <a:tcPr/>
+                </a:tc>
+                <a:tc>
+                  <a:txBody>
+                    <a:bodyPr/>
+                    <a:lstStyle/>
+                    <a:p>
+                      <a:endParaRPr lang="zh-TW" altLang="en-US"/>
+                    </a:p>
+                  </a:txBody>
+                  <a:tcPr/>
+                </a:tc>
+                <a:tc>
+                  <a:txBody>
+                    <a:bodyPr/>
+                    <a:lstStyle/>
+                    <a:p>
+                      <a:endParaRPr lang="zh-TW" altLang="en-US"/>
+                    </a:p>
+                  </a:txBody>
+                  <a:tcPr/>
+                </a:tc>
+                <a:tc>
+                  <a:txBody>
+                    <a:bodyPr/>
+                    <a:lstStyle/>
+                    <a:p>
+                      <a:endParaRPr lang="zh-TW" altLang="en-US"/>
+                    </a:p>
+                  </a:txBody>
+                  <a:tcPr/>
+                </a:tc>
+                <a:tc>
+                  <a:txBody>
+                    <a:bodyPr/>
+                    <a:lstStyle/>
+                    <a:p>
+                      <a:endParaRPr lang="zh-TW" altLang="en-US"/>
+                    </a:p>
+                  </a:txBody>
+                  <a:tcPr/>
+                </a:tc>
+                <a:tc>
+                  <a:txBody>
+                    <a:bodyPr/>
+                    <a:lstStyle/>
+                    <a:p>
+                      <a:endParaRPr lang="zh-TW" altLang="en-US"/>
+                    </a:p>
+                  </a:txBody>
+                  <a:tcPr/>
+                </a:tc>
+                <a:tc>
+                  <a:txBody>
+                    <a:bodyPr/>
+                    <a:lstStyle/>
+                    <a:p>
+                      <a:endParaRPr lang="zh-TW" altLang="en-US"/>
+                    </a:p>
+                  </a:txBody>
+                  <a:tcPr/>
+                </a:tc>
+                <a:tc>
+                  <a:txBody>
+                    <a:bodyPr/>
+                    <a:lstStyle/>
+                    <a:p>
+                      <a:endParaRPr lang="zh-TW" altLang="en-US"/>
+                    </a:p>
+                  </a:txBody>
+                  <a:tcPr/>
+                </a:tc>
+                <a:tc>
+                  <a:txBody>
+                    <a:bodyPr/>
+                    <a:lstStyle/>
+                    <a:p>
+                      <a:endParaRPr lang="zh-TW" altLang="en-US"/>
+                    </a:p>
+                  </a:txBody>
+                  <a:tcPr/>
+                </a:tc>
+                <a:tc>
+                  <a:txBody>
+                    <a:bodyPr/>
+                    <a:lstStyle/>
+                    <a:p>
+                      <a:endParaRPr lang="zh-TW" altLang="en-US"/>
+                    </a:p>
+                  </a:txBody>
+                  <a:tcPr/>
+                </a:tc>
+                <a:tc>
+                  <a:txBody>
+                    <a:bodyPr/>
+                    <a:lstStyle/>
+                    <a:p>
+                      <a:endParaRPr lang="zh-TW" altLang="en-US"/>
+                    </a:p>
+                  </a:txBody>
+                  <a:tcPr/>
+                </a:tc>
+                <a:tc>
+                  <a:txBody>
+                    <a:bodyPr/>
+                    <a:lstStyle/>
+                    <a:p>
+                      <a:endParaRPr lang="zh-TW" altLang="en-US"/>
+                    </a:p>
+                  </a:txBody>
+                  <a:tcPr/>
+                </a:tc>
+                <a:tc>
+                  <a:txBody>
+                    <a:bodyPr/>
+                    <a:lstStyle/>
+                    <a:p>
+                      <a:endParaRPr lang="zh-TW" altLang="en-US"/>
+                    </a:p>
+                  </a:txBody>
+                  <a:tcPr/>
+                </a:tc>
+                <a:tc>
+                  <a:txBody>
+                    <a:bodyPr/>
+                    <a:lstStyle/>
+                    <a:p>
+                      <a:endParaRPr lang="zh-TW" altLang="en-US"/>
+                    </a:p>
+                  </a:txBody>
+                  <a:tcPr/>
+                </a:tc>
+                <a:tc>
+                  <a:txBody>
+                    <a:bodyPr/>
+                    <a:lstStyle/>
+                    <a:p>
+                      <a:endParaRPr lang="zh-TW" altLang="en-US"/>
+                    </a:p>
+                  </a:txBody>
+                  <a:tcPr/>
+                </a:tc>
+                <a:tc>
+                  <a:txBody>
+                    <a:bodyPr/>
+                    <a:lstStyle/>
+                    <a:p>
+                      <a:endParaRPr lang="zh-TW" altLang="en-US"/>
+                    </a:p>
+                  </a:txBody>
+                  <a:tcPr/>
+                </a:tc>
+                <a:tc>
+                  <a:txBody>
+                    <a:bodyPr/>
+                    <a:lstStyle/>
+                    <a:p>
+                      <a:endParaRPr lang="zh-TW" altLang="en-US"/>
+                    </a:p>
+                  </a:txBody>
+                  <a:tcPr/>
+                </a:tc>
+                <a:tc>
+                  <a:txBody>
+                    <a:bodyPr/>
+                    <a:lstStyle/>
+                    <a:p>
+                      <a:endParaRPr lang="zh-TW" altLang="en-US"/>
+                    </a:p>
+                  </a:txBody>
+                  <a:tcPr/>
+                </a:tc>
+                <a:tc>
+                  <a:txBody>
+                    <a:bodyPr/>
+                    <a:lstStyle/>
+                    <a:p>
+                      <a:endParaRPr lang="zh-TW" altLang="en-US"/>
+                    </a:p>
+                  </a:txBody>
+                  <a:tcPr/>
+                </a:tc>
+                <a:tc>
+                  <a:txBody>
+                    <a:bodyPr/>
+                    <a:lstStyle/>
+                    <a:p>
+                      <a:endParaRPr lang="zh-TW" altLang="en-US"/>
+                    </a:p>
+                  </a:txBody>
+                  <a:tcPr/>
+                </a:tc>
+                <a:tc>
+                  <a:txBody>
+                    <a:bodyPr/>
+                    <a:lstStyle/>
+                    <a:p>
+                      <a:endParaRPr lang="zh-TW" altLang="en-US"/>
+                    </a:p>
+                  </a:txBody>
+                  <a:tcPr/>
+                </a:tc>
+                <a:tc>
+                  <a:txBody>
+                    <a:bodyPr/>
+                    <a:lstStyle/>
+                    <a:p>
+                      <a:endParaRPr lang="zh-TW" altLang="en-US"/>
+                    </a:p>
+                  </a:txBody>
+                  <a:tcPr/>
+                </a:tc>
+                <a:tc>
+                  <a:txBody>
+                    <a:bodyPr/>
+                    <a:lstStyle/>
+                    <a:p>
+                      <a:endParaRPr lang="zh-TW" altLang="en-US"/>
+                    </a:p>
+                  </a:txBody>
+                  <a:tcPr/>
+                </a:tc>
+                <a:tc>
+                  <a:txBody>
+                    <a:bodyPr/>
+                    <a:lstStyle/>
+                    <a:p>
+                      <a:endParaRPr lang="zh-TW" altLang="en-US"/>
+                    </a:p>
+                  </a:txBody>
+                  <a:tcPr/>
+                </a:tc>
+                <a:extLst>
+                  <a:ext uri="{0D108BD9-81ED-4DB2-BD59-A6C34878D82A}">
+                    <a16:rowId xmlns:a16="http://schemas.microsoft.com/office/drawing/2014/main" val="2152191305"/>
+                  </a:ext>
+                </a:extLst>
+              </a:tr>
+              <a:tr h="601423">
+                <a:tc>
+                  <a:txBody>
+                    <a:bodyPr/>
+                    <a:lstStyle/>
+                    <a:p>
+                      <a:endParaRPr lang="zh-TW" altLang="en-US"/>
+                    </a:p>
+                  </a:txBody>
+                  <a:tcPr/>
+                </a:tc>
+                <a:tc>
+                  <a:txBody>
+                    <a:bodyPr/>
+                    <a:lstStyle/>
+                    <a:p>
+                      <a:endParaRPr lang="zh-TW" altLang="en-US"/>
+                    </a:p>
+                  </a:txBody>
+                  <a:tcPr/>
+                </a:tc>
+                <a:tc>
+                  <a:txBody>
+                    <a:bodyPr/>
+                    <a:lstStyle/>
+                    <a:p>
+                      <a:endParaRPr lang="zh-TW" altLang="en-US"/>
+                    </a:p>
+                  </a:txBody>
+                  <a:tcPr/>
+                </a:tc>
+                <a:tc>
+                  <a:txBody>
+                    <a:bodyPr/>
+                    <a:lstStyle/>
+                    <a:p>
+                      <a:endParaRPr lang="zh-TW" altLang="en-US"/>
+                    </a:p>
+                  </a:txBody>
+                  <a:tcPr/>
+                </a:tc>
+                <a:tc>
+                  <a:txBody>
+                    <a:bodyPr/>
+                    <a:lstStyle/>
+                    <a:p>
+                      <a:endParaRPr lang="zh-TW" altLang="en-US"/>
+                    </a:p>
+                  </a:txBody>
+                  <a:tcPr/>
+                </a:tc>
+                <a:tc>
+                  <a:txBody>
+                    <a:bodyPr/>
+                    <a:lstStyle/>
+                    <a:p>
+                      <a:endParaRPr lang="zh-TW" altLang="en-US"/>
+                    </a:p>
+                  </a:txBody>
+                  <a:tcPr/>
+                </a:tc>
+                <a:tc>
+                  <a:txBody>
+                    <a:bodyPr/>
+                    <a:lstStyle/>
+                    <a:p>
+                      <a:endParaRPr lang="zh-TW" altLang="en-US"/>
+                    </a:p>
+                  </a:txBody>
+                  <a:tcPr/>
+                </a:tc>
+                <a:tc>
+                  <a:txBody>
+                    <a:bodyPr/>
+                    <a:lstStyle/>
+                    <a:p>
+                      <a:endParaRPr lang="zh-TW" altLang="en-US"/>
+                    </a:p>
+                  </a:txBody>
+                  <a:tcPr/>
+                </a:tc>
+                <a:tc>
+                  <a:txBody>
+                    <a:bodyPr/>
+                    <a:lstStyle/>
+                    <a:p>
+                      <a:endParaRPr lang="zh-TW" altLang="en-US"/>
+                    </a:p>
+                  </a:txBody>
+                  <a:tcPr/>
+                </a:tc>
+                <a:tc>
+                  <a:txBody>
+                    <a:bodyPr/>
+                    <a:lstStyle/>
+                    <a:p>
+                      <a:endParaRPr lang="zh-TW" altLang="en-US"/>
+                    </a:p>
+                  </a:txBody>
+                  <a:tcPr/>
+                </a:tc>
+                <a:tc>
+                  <a:txBody>
+                    <a:bodyPr/>
+                    <a:lstStyle/>
+                    <a:p>
+                      <a:endParaRPr lang="zh-TW" altLang="en-US"/>
+                    </a:p>
+                  </a:txBody>
+                  <a:tcPr/>
+                </a:tc>
+                <a:tc>
+                  <a:txBody>
+                    <a:bodyPr/>
+                    <a:lstStyle/>
+                    <a:p>
+                      <a:endParaRPr lang="zh-TW" altLang="en-US"/>
+                    </a:p>
+                  </a:txBody>
+                  <a:tcPr/>
+                </a:tc>
+                <a:tc>
+                  <a:txBody>
+                    <a:bodyPr/>
+                    <a:lstStyle/>
+                    <a:p>
+                      <a:endParaRPr lang="zh-TW" altLang="en-US"/>
+                    </a:p>
+                  </a:txBody>
+                  <a:tcPr/>
+                </a:tc>
+                <a:tc>
+                  <a:txBody>
+                    <a:bodyPr/>
+                    <a:lstStyle/>
+                    <a:p>
+                      <a:endParaRPr lang="zh-TW" altLang="en-US"/>
+                    </a:p>
+                  </a:txBody>
+                  <a:tcPr/>
+                </a:tc>
+                <a:tc>
+                  <a:txBody>
+                    <a:bodyPr/>
+                    <a:lstStyle/>
+                    <a:p>
+                      <a:endParaRPr lang="zh-TW" altLang="en-US"/>
+                    </a:p>
+                  </a:txBody>
+                  <a:tcPr/>
+                </a:tc>
+                <a:tc>
+                  <a:txBody>
+                    <a:bodyPr/>
+                    <a:lstStyle/>
+                    <a:p>
+                      <a:endParaRPr lang="zh-TW" altLang="en-US"/>
+                    </a:p>
+                  </a:txBody>
+                  <a:tcPr/>
+                </a:tc>
+                <a:tc>
+                  <a:txBody>
+                    <a:bodyPr/>
+                    <a:lstStyle/>
+                    <a:p>
+                      <a:endParaRPr lang="zh-TW" altLang="en-US"/>
+                    </a:p>
+                  </a:txBody>
+                  <a:tcPr/>
+                </a:tc>
+                <a:tc>
+                  <a:txBody>
+                    <a:bodyPr/>
+                    <a:lstStyle/>
+                    <a:p>
+                      <a:endParaRPr lang="zh-TW" altLang="en-US"/>
+                    </a:p>
+                  </a:txBody>
+                  <a:tcPr/>
+                </a:tc>
+                <a:tc>
+                  <a:txBody>
+                    <a:bodyPr/>
+                    <a:lstStyle/>
+                    <a:p>
+                      <a:endParaRPr lang="zh-TW" altLang="en-US"/>
+                    </a:p>
+                  </a:txBody>
+                  <a:tcPr/>
+                </a:tc>
+                <a:tc>
+                  <a:txBody>
+                    <a:bodyPr/>
+                    <a:lstStyle/>
+                    <a:p>
+                      <a:endParaRPr lang="zh-TW" altLang="en-US"/>
+                    </a:p>
+                  </a:txBody>
+                  <a:tcPr/>
+                </a:tc>
+                <a:tc>
+                  <a:txBody>
+                    <a:bodyPr/>
+                    <a:lstStyle/>
+                    <a:p>
+                      <a:endParaRPr lang="zh-TW" altLang="en-US"/>
+                    </a:p>
+                  </a:txBody>
+                  <a:tcPr/>
+                </a:tc>
+                <a:tc>
+                  <a:txBody>
+                    <a:bodyPr/>
+                    <a:lstStyle/>
+                    <a:p>
+                      <a:endParaRPr lang="zh-TW" altLang="en-US"/>
+                    </a:p>
+                  </a:txBody>
+                  <a:tcPr/>
+                </a:tc>
+                <a:tc>
+                  <a:txBody>
+                    <a:bodyPr/>
+                    <a:lstStyle/>
+                    <a:p>
+                      <a:endParaRPr lang="zh-TW" altLang="en-US"/>
+                    </a:p>
+                  </a:txBody>
+                  <a:tcPr/>
+                </a:tc>
+                <a:tc>
+                  <a:txBody>
+                    <a:bodyPr/>
+                    <a:lstStyle/>
+                    <a:p>
+                      <a:endParaRPr lang="zh-TW" altLang="en-US"/>
+                    </a:p>
+                  </a:txBody>
+                  <a:tcPr/>
+                </a:tc>
+                <a:tc>
+                  <a:txBody>
+                    <a:bodyPr/>
+                    <a:lstStyle/>
+                    <a:p>
+                      <a:endParaRPr lang="zh-TW" altLang="en-US"/>
+                    </a:p>
+                  </a:txBody>
+                  <a:tcPr/>
+                </a:tc>
+                <a:tc>
+                  <a:txBody>
+                    <a:bodyPr/>
+                    <a:lstStyle/>
+                    <a:p>
+                      <a:endParaRPr lang="zh-TW" altLang="en-US"/>
+                    </a:p>
+                  </a:txBody>
+                  <a:tcPr/>
+                </a:tc>
+                <a:tc>
+                  <a:txBody>
+                    <a:bodyPr/>
+                    <a:lstStyle/>
+                    <a:p>
+                      <a:endParaRPr lang="zh-TW" altLang="en-US"/>
+                    </a:p>
+                  </a:txBody>
+                  <a:tcPr/>
+                </a:tc>
+                <a:tc>
+                  <a:txBody>
+                    <a:bodyPr/>
+                    <a:lstStyle/>
+                    <a:p>
+                      <a:endParaRPr lang="zh-TW" altLang="en-US"/>
+                    </a:p>
+                  </a:txBody>
+                  <a:tcPr/>
+                </a:tc>
+                <a:extLst>
+                  <a:ext uri="{0D108BD9-81ED-4DB2-BD59-A6C34878D82A}">
+                    <a16:rowId xmlns:a16="http://schemas.microsoft.com/office/drawing/2014/main" val="4193989946"/>
+                  </a:ext>
+                </a:extLst>
+              </a:tr>
+              <a:tr h="601423">
+                <a:tc>
+                  <a:txBody>
+                    <a:bodyPr/>
+                    <a:lstStyle/>
+                    <a:p>
+                      <a:endParaRPr lang="zh-TW" altLang="en-US"/>
+                    </a:p>
+                  </a:txBody>
+                  <a:tcPr/>
+                </a:tc>
+                <a:tc>
+                  <a:txBody>
+                    <a:bodyPr/>
+                    <a:lstStyle/>
+                    <a:p>
+                      <a:endParaRPr lang="zh-TW" altLang="en-US"/>
+                    </a:p>
+                  </a:txBody>
+                  <a:tcPr/>
+                </a:tc>
+                <a:tc>
+                  <a:txBody>
+                    <a:bodyPr/>
+                    <a:lstStyle/>
+                    <a:p>
+                      <a:endParaRPr lang="zh-TW" altLang="en-US"/>
+                    </a:p>
+                  </a:txBody>
+                  <a:tcPr/>
+                </a:tc>
+                <a:tc>
+                  <a:txBody>
+                    <a:bodyPr/>
+                    <a:lstStyle/>
+                    <a:p>
+                      <a:endParaRPr lang="zh-TW" altLang="en-US"/>
+                    </a:p>
+                  </a:txBody>
+                  <a:tcPr/>
+                </a:tc>
+                <a:tc>
+                  <a:txBody>
+                    <a:bodyPr/>
+                    <a:lstStyle/>
+                    <a:p>
+                      <a:endParaRPr lang="zh-TW" altLang="en-US"/>
+                    </a:p>
+                  </a:txBody>
+                  <a:tcPr/>
+                </a:tc>
+                <a:tc>
+                  <a:txBody>
+                    <a:bodyPr/>
+                    <a:lstStyle/>
+                    <a:p>
+                      <a:endParaRPr lang="zh-TW" altLang="en-US"/>
+                    </a:p>
+                  </a:txBody>
+                  <a:tcPr/>
+                </a:tc>
+                <a:tc>
+                  <a:txBody>
+                    <a:bodyPr/>
+                    <a:lstStyle/>
+                    <a:p>
+                      <a:endParaRPr lang="zh-TW" altLang="en-US"/>
+                    </a:p>
+                  </a:txBody>
+                  <a:tcPr/>
+                </a:tc>
+                <a:tc>
+                  <a:txBody>
+                    <a:bodyPr/>
+                    <a:lstStyle/>
+                    <a:p>
+                      <a:endParaRPr lang="zh-TW" altLang="en-US"/>
+                    </a:p>
+                  </a:txBody>
+                  <a:tcPr/>
+                </a:tc>
+                <a:tc>
+                  <a:txBody>
+                    <a:bodyPr/>
+                    <a:lstStyle/>
+                    <a:p>
+                      <a:endParaRPr lang="zh-TW" altLang="en-US"/>
+                    </a:p>
+                  </a:txBody>
+                  <a:tcPr/>
+                </a:tc>
+                <a:tc>
+                  <a:txBody>
+                    <a:bodyPr/>
+                    <a:lstStyle/>
+                    <a:p>
+                      <a:endParaRPr lang="zh-TW" altLang="en-US"/>
+                    </a:p>
+                  </a:txBody>
+                  <a:tcPr/>
+                </a:tc>
+                <a:tc>
+                  <a:txBody>
+                    <a:bodyPr/>
+                    <a:lstStyle/>
+                    <a:p>
+                      <a:endParaRPr lang="zh-TW" altLang="en-US"/>
+                    </a:p>
+                  </a:txBody>
+                  <a:tcPr/>
+                </a:tc>
+                <a:tc>
+                  <a:txBody>
+                    <a:bodyPr/>
+                    <a:lstStyle/>
+                    <a:p>
+                      <a:endParaRPr lang="zh-TW" altLang="en-US"/>
+                    </a:p>
+                  </a:txBody>
+                  <a:tcPr/>
+                </a:tc>
+                <a:tc>
+                  <a:txBody>
+                    <a:bodyPr/>
+                    <a:lstStyle/>
+                    <a:p>
+                      <a:endParaRPr lang="zh-TW" altLang="en-US"/>
+                    </a:p>
+                  </a:txBody>
+                  <a:tcPr/>
+                </a:tc>
+                <a:tc>
+                  <a:txBody>
+                    <a:bodyPr/>
+                    <a:lstStyle/>
+                    <a:p>
+                      <a:endParaRPr lang="zh-TW" altLang="en-US"/>
+                    </a:p>
+                  </a:txBody>
+                  <a:tcPr/>
+                </a:tc>
+                <a:tc>
+                  <a:txBody>
+                    <a:bodyPr/>
+                    <a:lstStyle/>
+                    <a:p>
+                      <a:endParaRPr lang="zh-TW" altLang="en-US"/>
+                    </a:p>
+                  </a:txBody>
+                  <a:tcPr/>
+                </a:tc>
+                <a:tc>
+                  <a:txBody>
+                    <a:bodyPr/>
+                    <a:lstStyle/>
+                    <a:p>
+                      <a:endParaRPr lang="zh-TW" altLang="en-US"/>
+                    </a:p>
+                  </a:txBody>
+                  <a:tcPr/>
+                </a:tc>
+                <a:tc>
+                  <a:txBody>
+                    <a:bodyPr/>
+                    <a:lstStyle/>
+                    <a:p>
+                      <a:endParaRPr lang="zh-TW" altLang="en-US"/>
+                    </a:p>
+                  </a:txBody>
+                  <a:tcPr/>
+                </a:tc>
+                <a:tc>
+                  <a:txBody>
+                    <a:bodyPr/>
+                    <a:lstStyle/>
+                    <a:p>
+                      <a:endParaRPr lang="zh-TW" altLang="en-US"/>
+                    </a:p>
+                  </a:txBody>
+                  <a:tcPr/>
+                </a:tc>
+                <a:tc>
+                  <a:txBody>
+                    <a:bodyPr/>
+                    <a:lstStyle/>
+                    <a:p>
+                      <a:endParaRPr lang="zh-TW" altLang="en-US"/>
+                    </a:p>
+                  </a:txBody>
+                  <a:tcPr/>
+                </a:tc>
+                <a:tc>
+                  <a:txBody>
+                    <a:bodyPr/>
+                    <a:lstStyle/>
+                    <a:p>
+                      <a:endParaRPr lang="zh-TW" altLang="en-US"/>
+                    </a:p>
+                  </a:txBody>
+                  <a:tcPr/>
+                </a:tc>
+                <a:tc>
+                  <a:txBody>
+                    <a:bodyPr/>
+                    <a:lstStyle/>
+                    <a:p>
+                      <a:endParaRPr lang="zh-TW" altLang="en-US"/>
+                    </a:p>
+                  </a:txBody>
+                  <a:tcPr/>
+                </a:tc>
+                <a:tc>
+                  <a:txBody>
+                    <a:bodyPr/>
+                    <a:lstStyle/>
+                    <a:p>
+                      <a:endParaRPr lang="zh-TW" altLang="en-US"/>
+                    </a:p>
+                  </a:txBody>
+                  <a:tcPr/>
+                </a:tc>
+                <a:tc>
+                  <a:txBody>
+                    <a:bodyPr/>
+                    <a:lstStyle/>
+                    <a:p>
+                      <a:endParaRPr lang="zh-TW" altLang="en-US"/>
+                    </a:p>
+                  </a:txBody>
+                  <a:tcPr/>
+                </a:tc>
+                <a:tc>
+                  <a:txBody>
+                    <a:bodyPr/>
+                    <a:lstStyle/>
+                    <a:p>
+                      <a:endParaRPr lang="zh-TW" altLang="en-US"/>
+                    </a:p>
+                  </a:txBody>
+                  <a:tcPr/>
+                </a:tc>
+                <a:tc>
+                  <a:txBody>
+                    <a:bodyPr/>
+                    <a:lstStyle/>
+                    <a:p>
+                      <a:endParaRPr lang="zh-TW" altLang="en-US"/>
+                    </a:p>
+                  </a:txBody>
+                  <a:tcPr/>
+                </a:tc>
+                <a:tc>
+                  <a:txBody>
+                    <a:bodyPr/>
+                    <a:lstStyle/>
+                    <a:p>
+                      <a:endParaRPr lang="zh-TW" altLang="en-US"/>
+                    </a:p>
+                  </a:txBody>
+                  <a:tcPr/>
+                </a:tc>
+                <a:tc>
+                  <a:txBody>
+                    <a:bodyPr/>
+                    <a:lstStyle/>
+                    <a:p>
+                      <a:endParaRPr lang="zh-TW" altLang="en-US"/>
+                    </a:p>
+                  </a:txBody>
+                  <a:tcPr/>
+                </a:tc>
+                <a:tc>
+                  <a:txBody>
+                    <a:bodyPr/>
+                    <a:lstStyle/>
+                    <a:p>
+                      <a:endParaRPr lang="zh-TW" altLang="en-US" dirty="0"/>
+                    </a:p>
+                  </a:txBody>
+                  <a:tcPr/>
+                </a:tc>
+                <a:extLst>
+                  <a:ext uri="{0D108BD9-81ED-4DB2-BD59-A6C34878D82A}">
+                    <a16:rowId xmlns:a16="http://schemas.microsoft.com/office/drawing/2014/main" val="1141500126"/>
+                  </a:ext>
+                </a:extLst>
+              </a:tr>
+            </a:tbl>
+          </a:graphicData>
+        </a:graphic>
+      </p:graphicFrame>
+    </p:spTree>
+    <p:extLst>
+      <p:ext uri="{BB962C8B-B14F-4D97-AF65-F5344CB8AC3E}">
+        <p14:creationId xmlns:p14="http://schemas.microsoft.com/office/powerpoint/2010/main" val="2976036816"/>
+      </p:ext>
+    </p:extLst>
+  </p:cSld>
+  <p:clrMapOvr>
+    <a:masterClrMapping/>
+  </p:clrMapOvr>
 </p:sld>
 </file>
 
